--- a/bottleneck_pres.pptx
+++ b/bottleneck_pres.pptx
@@ -8,11 +8,21 @@
     <p:sldId id="256" r:id="rId2"/>
     <p:sldId id="260" r:id="rId3"/>
     <p:sldId id="261" r:id="rId4"/>
-    <p:sldId id="262" r:id="rId5"/>
-    <p:sldId id="263" r:id="rId6"/>
-    <p:sldId id="257" r:id="rId7"/>
-    <p:sldId id="258" r:id="rId8"/>
-    <p:sldId id="259" r:id="rId9"/>
+    <p:sldId id="269" r:id="rId5"/>
+    <p:sldId id="270" r:id="rId6"/>
+    <p:sldId id="262" r:id="rId7"/>
+    <p:sldId id="271" r:id="rId8"/>
+    <p:sldId id="272" r:id="rId9"/>
+    <p:sldId id="273" r:id="rId10"/>
+    <p:sldId id="263" r:id="rId11"/>
+    <p:sldId id="257" r:id="rId12"/>
+    <p:sldId id="264" r:id="rId13"/>
+    <p:sldId id="265" r:id="rId14"/>
+    <p:sldId id="267" r:id="rId15"/>
+    <p:sldId id="268" r:id="rId16"/>
+    <p:sldId id="266" r:id="rId17"/>
+    <p:sldId id="258" r:id="rId18"/>
+    <p:sldId id="259" r:id="rId19"/>
   </p:sldIdLst>
   <p:sldSz cx="9144000" cy="6858000" type="screen4x3"/>
   <p:notesSz cx="6858000" cy="9144000"/>
@@ -3165,6 +3175,1450 @@
 </p:sld>
 </file>
 
+<file path=ppt/slides/slide10.xml><?xml version="1.0" encoding="utf-8"?>
+<p:sld xmlns:a="http://schemas.openxmlformats.org/drawingml/2006/main" xmlns:r="http://schemas.openxmlformats.org/officeDocument/2006/relationships" xmlns:p="http://schemas.openxmlformats.org/presentationml/2006/main">
+  <p:cSld>
+    <p:spTree>
+      <p:nvGrpSpPr>
+        <p:cNvPr id="1" name=""/>
+        <p:cNvGrpSpPr/>
+        <p:nvPr/>
+      </p:nvGrpSpPr>
+      <p:grpSpPr>
+        <a:xfrm>
+          <a:off x="0" y="0"/>
+          <a:ext cx="0" cy="0"/>
+          <a:chOff x="0" y="0"/>
+          <a:chExt cx="0" cy="0"/>
+        </a:xfrm>
+      </p:grpSpPr>
+      <p:sp>
+        <p:nvSpPr>
+          <p:cNvPr id="2" name="Title 1"/>
+          <p:cNvSpPr>
+            <a:spLocks noGrp="1"/>
+          </p:cNvSpPr>
+          <p:nvPr>
+            <p:ph type="title"/>
+          </p:nvPr>
+        </p:nvSpPr>
+        <p:spPr/>
+        <p:txBody>
+          <a:bodyPr/>
+          <a:lstStyle/>
+          <a:p>
+            <a:r>
+              <a:rPr lang="en-US" dirty="0" smtClean="0"/>
+              <a:t>How do we use BM and OU?</a:t>
+            </a:r>
+            <a:endParaRPr lang="en-US" dirty="0"/>
+          </a:p>
+        </p:txBody>
+      </p:sp>
+      <p:sp>
+        <p:nvSpPr>
+          <p:cNvPr id="3" name="Content Placeholder 2"/>
+          <p:cNvSpPr>
+            <a:spLocks noGrp="1"/>
+          </p:cNvSpPr>
+          <p:nvPr>
+            <p:ph idx="1"/>
+          </p:nvPr>
+        </p:nvSpPr>
+        <p:spPr/>
+        <p:txBody>
+          <a:bodyPr/>
+          <a:lstStyle/>
+          <a:p>
+            <a:r>
+              <a:rPr lang="en-US" dirty="0" smtClean="0"/>
+              <a:t>To estimate</a:t>
+            </a:r>
+            <a:endParaRPr lang="en-US" dirty="0"/>
+          </a:p>
+        </p:txBody>
+      </p:sp>
+    </p:spTree>
+    <p:extLst>
+      <p:ext uri="{BB962C8B-B14F-4D97-AF65-F5344CB8AC3E}">
+        <p14:creationId xmlns:p14="http://schemas.microsoft.com/office/powerpoint/2010/main" val="955027292"/>
+      </p:ext>
+    </p:extLst>
+  </p:cSld>
+  <p:clrMapOvr>
+    <a:masterClrMapping/>
+  </p:clrMapOvr>
+</p:sld>
+</file>
+
+<file path=ppt/slides/slide11.xml><?xml version="1.0" encoding="utf-8"?>
+<p:sld xmlns:a="http://schemas.openxmlformats.org/drawingml/2006/main" xmlns:r="http://schemas.openxmlformats.org/officeDocument/2006/relationships" xmlns:p="http://schemas.openxmlformats.org/presentationml/2006/main">
+  <p:cSld>
+    <p:spTree>
+      <p:nvGrpSpPr>
+        <p:cNvPr id="1" name=""/>
+        <p:cNvGrpSpPr/>
+        <p:nvPr/>
+      </p:nvGrpSpPr>
+      <p:grpSpPr>
+        <a:xfrm>
+          <a:off x="0" y="0"/>
+          <a:ext cx="0" cy="0"/>
+          <a:chOff x="0" y="0"/>
+          <a:chExt cx="0" cy="0"/>
+        </a:xfrm>
+      </p:grpSpPr>
+      <p:sp>
+        <p:nvSpPr>
+          <p:cNvPr id="2" name="Title 1"/>
+          <p:cNvSpPr>
+            <a:spLocks noGrp="1"/>
+          </p:cNvSpPr>
+          <p:nvPr>
+            <p:ph type="title"/>
+          </p:nvPr>
+        </p:nvSpPr>
+        <p:spPr/>
+        <p:txBody>
+          <a:bodyPr>
+            <a:normAutofit/>
+          </a:bodyPr>
+          <a:lstStyle/>
+          <a:p>
+            <a:r>
+              <a:rPr lang="en-US" dirty="0" smtClean="0"/>
+              <a:t>Do bottlenecks affect the variance? </a:t>
+            </a:r>
+            <a:endParaRPr lang="en-US" dirty="0"/>
+          </a:p>
+        </p:txBody>
+      </p:sp>
+      <p:sp>
+        <p:nvSpPr>
+          <p:cNvPr id="3" name="Content Placeholder 2"/>
+          <p:cNvSpPr>
+            <a:spLocks noGrp="1"/>
+          </p:cNvSpPr>
+          <p:nvPr>
+            <p:ph idx="1"/>
+          </p:nvPr>
+        </p:nvSpPr>
+        <p:spPr>
+          <a:xfrm>
+            <a:off x="457200" y="5777983"/>
+            <a:ext cx="1510213" cy="715540"/>
+          </a:xfrm>
+        </p:spPr>
+        <p:txBody>
+          <a:bodyPr>
+            <a:noAutofit/>
+          </a:bodyPr>
+          <a:lstStyle/>
+          <a:p>
+            <a:pPr marL="0" indent="0">
+              <a:buNone/>
+            </a:pPr>
+            <a:r>
+              <a:rPr lang="en-US" sz="4000" dirty="0" smtClean="0"/>
+              <a:t>BM</a:t>
+            </a:r>
+            <a:endParaRPr lang="en-US" sz="4000" dirty="0"/>
+          </a:p>
+        </p:txBody>
+      </p:sp>
+    </p:spTree>
+    <p:extLst>
+      <p:ext uri="{BB962C8B-B14F-4D97-AF65-F5344CB8AC3E}">
+        <p14:creationId xmlns:p14="http://schemas.microsoft.com/office/powerpoint/2010/main" val="1396534205"/>
+      </p:ext>
+    </p:extLst>
+  </p:cSld>
+  <p:clrMapOvr>
+    <a:masterClrMapping/>
+  </p:clrMapOvr>
+</p:sld>
+</file>
+
+<file path=ppt/slides/slide12.xml><?xml version="1.0" encoding="utf-8"?>
+<p:sld xmlns:a="http://schemas.openxmlformats.org/drawingml/2006/main" xmlns:r="http://schemas.openxmlformats.org/officeDocument/2006/relationships" xmlns:p="http://schemas.openxmlformats.org/presentationml/2006/main">
+  <p:cSld>
+    <p:spTree>
+      <p:nvGrpSpPr>
+        <p:cNvPr id="1" name=""/>
+        <p:cNvGrpSpPr/>
+        <p:nvPr/>
+      </p:nvGrpSpPr>
+      <p:grpSpPr>
+        <a:xfrm>
+          <a:off x="0" y="0"/>
+          <a:ext cx="0" cy="0"/>
+          <a:chOff x="0" y="0"/>
+          <a:chExt cx="0" cy="0"/>
+        </a:xfrm>
+      </p:grpSpPr>
+      <p:sp>
+        <p:nvSpPr>
+          <p:cNvPr id="2" name="Title 1"/>
+          <p:cNvSpPr>
+            <a:spLocks noGrp="1"/>
+          </p:cNvSpPr>
+          <p:nvPr>
+            <p:ph type="title"/>
+          </p:nvPr>
+        </p:nvSpPr>
+        <p:spPr/>
+        <p:txBody>
+          <a:bodyPr>
+            <a:normAutofit/>
+          </a:bodyPr>
+          <a:lstStyle/>
+          <a:p>
+            <a:r>
+              <a:rPr lang="en-US" dirty="0" smtClean="0"/>
+              <a:t>Do bottlenecks affect the variance? </a:t>
+            </a:r>
+            <a:endParaRPr lang="en-US" dirty="0"/>
+          </a:p>
+        </p:txBody>
+      </p:sp>
+      <p:sp>
+        <p:nvSpPr>
+          <p:cNvPr id="4" name="Content Placeholder 2"/>
+          <p:cNvSpPr txBox="1">
+            <a:spLocks/>
+          </p:cNvSpPr>
+          <p:nvPr/>
+        </p:nvSpPr>
+        <p:spPr>
+          <a:xfrm>
+            <a:off x="457200" y="5777983"/>
+            <a:ext cx="1510213" cy="715540"/>
+          </a:xfrm>
+          <a:prstGeom prst="rect">
+            <a:avLst/>
+          </a:prstGeom>
+        </p:spPr>
+        <p:txBody>
+          <a:bodyPr vert="horz" lIns="91440" tIns="45720" rIns="91440" bIns="45720" rtlCol="0">
+            <a:noAutofit/>
+          </a:bodyPr>
+          <a:lstStyle>
+            <a:lvl1pPr marL="342900" indent="-342900" algn="l" defTabSz="457200" rtl="0" eaLnBrk="1" latinLnBrk="0" hangingPunct="1">
+              <a:spcBef>
+                <a:spcPct val="20000"/>
+              </a:spcBef>
+              <a:buFont typeface="Arial"/>
+              <a:buChar char="•"/>
+              <a:defRPr sz="3200" kern="1200">
+                <a:solidFill>
+                  <a:schemeClr val="tx1"/>
+                </a:solidFill>
+                <a:latin typeface="+mn-lt"/>
+                <a:ea typeface="+mn-ea"/>
+                <a:cs typeface="+mn-cs"/>
+              </a:defRPr>
+            </a:lvl1pPr>
+            <a:lvl2pPr marL="742950" indent="-285750" algn="l" defTabSz="457200" rtl="0" eaLnBrk="1" latinLnBrk="0" hangingPunct="1">
+              <a:spcBef>
+                <a:spcPct val="20000"/>
+              </a:spcBef>
+              <a:buFont typeface="Arial"/>
+              <a:buChar char="–"/>
+              <a:defRPr sz="2800" kern="1200">
+                <a:solidFill>
+                  <a:schemeClr val="tx1"/>
+                </a:solidFill>
+                <a:latin typeface="+mn-lt"/>
+                <a:ea typeface="+mn-ea"/>
+                <a:cs typeface="+mn-cs"/>
+              </a:defRPr>
+            </a:lvl2pPr>
+            <a:lvl3pPr marL="1143000" indent="-228600" algn="l" defTabSz="457200" rtl="0" eaLnBrk="1" latinLnBrk="0" hangingPunct="1">
+              <a:spcBef>
+                <a:spcPct val="20000"/>
+              </a:spcBef>
+              <a:buFont typeface="Arial"/>
+              <a:buChar char="•"/>
+              <a:defRPr sz="2400" kern="1200">
+                <a:solidFill>
+                  <a:schemeClr val="tx1"/>
+                </a:solidFill>
+                <a:latin typeface="+mn-lt"/>
+                <a:ea typeface="+mn-ea"/>
+                <a:cs typeface="+mn-cs"/>
+              </a:defRPr>
+            </a:lvl3pPr>
+            <a:lvl4pPr marL="1600200" indent="-228600" algn="l" defTabSz="457200" rtl="0" eaLnBrk="1" latinLnBrk="0" hangingPunct="1">
+              <a:spcBef>
+                <a:spcPct val="20000"/>
+              </a:spcBef>
+              <a:buFont typeface="Arial"/>
+              <a:buChar char="–"/>
+              <a:defRPr sz="2000" kern="1200">
+                <a:solidFill>
+                  <a:schemeClr val="tx1"/>
+                </a:solidFill>
+                <a:latin typeface="+mn-lt"/>
+                <a:ea typeface="+mn-ea"/>
+                <a:cs typeface="+mn-cs"/>
+              </a:defRPr>
+            </a:lvl4pPr>
+            <a:lvl5pPr marL="2057400" indent="-228600" algn="l" defTabSz="457200" rtl="0" eaLnBrk="1" latinLnBrk="0" hangingPunct="1">
+              <a:spcBef>
+                <a:spcPct val="20000"/>
+              </a:spcBef>
+              <a:buFont typeface="Arial"/>
+              <a:buChar char="»"/>
+              <a:defRPr sz="2000" kern="1200">
+                <a:solidFill>
+                  <a:schemeClr val="tx1"/>
+                </a:solidFill>
+                <a:latin typeface="+mn-lt"/>
+                <a:ea typeface="+mn-ea"/>
+                <a:cs typeface="+mn-cs"/>
+              </a:defRPr>
+            </a:lvl5pPr>
+            <a:lvl6pPr marL="2514600" indent="-228600" algn="l" defTabSz="457200" rtl="0" eaLnBrk="1" latinLnBrk="0" hangingPunct="1">
+              <a:spcBef>
+                <a:spcPct val="20000"/>
+              </a:spcBef>
+              <a:buFont typeface="Arial"/>
+              <a:buChar char="•"/>
+              <a:defRPr sz="2000" kern="1200">
+                <a:solidFill>
+                  <a:schemeClr val="tx1"/>
+                </a:solidFill>
+                <a:latin typeface="+mn-lt"/>
+                <a:ea typeface="+mn-ea"/>
+                <a:cs typeface="+mn-cs"/>
+              </a:defRPr>
+            </a:lvl6pPr>
+            <a:lvl7pPr marL="2971800" indent="-228600" algn="l" defTabSz="457200" rtl="0" eaLnBrk="1" latinLnBrk="0" hangingPunct="1">
+              <a:spcBef>
+                <a:spcPct val="20000"/>
+              </a:spcBef>
+              <a:buFont typeface="Arial"/>
+              <a:buChar char="•"/>
+              <a:defRPr sz="2000" kern="1200">
+                <a:solidFill>
+                  <a:schemeClr val="tx1"/>
+                </a:solidFill>
+                <a:latin typeface="+mn-lt"/>
+                <a:ea typeface="+mn-ea"/>
+                <a:cs typeface="+mn-cs"/>
+              </a:defRPr>
+            </a:lvl7pPr>
+            <a:lvl8pPr marL="3429000" indent="-228600" algn="l" defTabSz="457200" rtl="0" eaLnBrk="1" latinLnBrk="0" hangingPunct="1">
+              <a:spcBef>
+                <a:spcPct val="20000"/>
+              </a:spcBef>
+              <a:buFont typeface="Arial"/>
+              <a:buChar char="•"/>
+              <a:defRPr sz="2000" kern="1200">
+                <a:solidFill>
+                  <a:schemeClr val="tx1"/>
+                </a:solidFill>
+                <a:latin typeface="+mn-lt"/>
+                <a:ea typeface="+mn-ea"/>
+                <a:cs typeface="+mn-cs"/>
+              </a:defRPr>
+            </a:lvl8pPr>
+            <a:lvl9pPr marL="3886200" indent="-228600" algn="l" defTabSz="457200" rtl="0" eaLnBrk="1" latinLnBrk="0" hangingPunct="1">
+              <a:spcBef>
+                <a:spcPct val="20000"/>
+              </a:spcBef>
+              <a:buFont typeface="Arial"/>
+              <a:buChar char="•"/>
+              <a:defRPr sz="2000" kern="1200">
+                <a:solidFill>
+                  <a:schemeClr val="tx1"/>
+                </a:solidFill>
+                <a:latin typeface="+mn-lt"/>
+                <a:ea typeface="+mn-ea"/>
+                <a:cs typeface="+mn-cs"/>
+              </a:defRPr>
+            </a:lvl9pPr>
+          </a:lstStyle>
+          <a:p>
+            <a:pPr marL="0" indent="0">
+              <a:buFont typeface="Arial"/>
+              <a:buNone/>
+            </a:pPr>
+            <a:r>
+              <a:rPr lang="en-US" sz="4000" smtClean="0"/>
+              <a:t>BM</a:t>
+            </a:r>
+            <a:endParaRPr lang="en-US" sz="4000" dirty="0"/>
+          </a:p>
+        </p:txBody>
+      </p:sp>
+    </p:spTree>
+    <p:extLst>
+      <p:ext uri="{BB962C8B-B14F-4D97-AF65-F5344CB8AC3E}">
+        <p14:creationId xmlns:p14="http://schemas.microsoft.com/office/powerpoint/2010/main" val="3735596612"/>
+      </p:ext>
+    </p:extLst>
+  </p:cSld>
+  <p:clrMapOvr>
+    <a:masterClrMapping/>
+  </p:clrMapOvr>
+</p:sld>
+</file>
+
+<file path=ppt/slides/slide13.xml><?xml version="1.0" encoding="utf-8"?>
+<p:sld xmlns:a="http://schemas.openxmlformats.org/drawingml/2006/main" xmlns:r="http://schemas.openxmlformats.org/officeDocument/2006/relationships" xmlns:p="http://schemas.openxmlformats.org/presentationml/2006/main">
+  <p:cSld>
+    <p:spTree>
+      <p:nvGrpSpPr>
+        <p:cNvPr id="1" name=""/>
+        <p:cNvGrpSpPr/>
+        <p:nvPr/>
+      </p:nvGrpSpPr>
+      <p:grpSpPr>
+        <a:xfrm>
+          <a:off x="0" y="0"/>
+          <a:ext cx="0" cy="0"/>
+          <a:chOff x="0" y="0"/>
+          <a:chExt cx="0" cy="0"/>
+        </a:xfrm>
+      </p:grpSpPr>
+      <p:sp>
+        <p:nvSpPr>
+          <p:cNvPr id="2" name="Title 1"/>
+          <p:cNvSpPr>
+            <a:spLocks noGrp="1"/>
+          </p:cNvSpPr>
+          <p:nvPr>
+            <p:ph type="title"/>
+          </p:nvPr>
+        </p:nvSpPr>
+        <p:spPr/>
+        <p:txBody>
+          <a:bodyPr>
+            <a:normAutofit/>
+          </a:bodyPr>
+          <a:lstStyle/>
+          <a:p>
+            <a:r>
+              <a:rPr lang="en-US" dirty="0" smtClean="0"/>
+              <a:t>Do bottlenecks affect the variance? </a:t>
+            </a:r>
+            <a:endParaRPr lang="en-US" dirty="0"/>
+          </a:p>
+        </p:txBody>
+      </p:sp>
+      <p:sp>
+        <p:nvSpPr>
+          <p:cNvPr id="4" name="Content Placeholder 2"/>
+          <p:cNvSpPr txBox="1">
+            <a:spLocks/>
+          </p:cNvSpPr>
+          <p:nvPr/>
+        </p:nvSpPr>
+        <p:spPr>
+          <a:xfrm>
+            <a:off x="457200" y="5777983"/>
+            <a:ext cx="1510213" cy="715540"/>
+          </a:xfrm>
+          <a:prstGeom prst="rect">
+            <a:avLst/>
+          </a:prstGeom>
+        </p:spPr>
+        <p:txBody>
+          <a:bodyPr vert="horz" lIns="91440" tIns="45720" rIns="91440" bIns="45720" rtlCol="0">
+            <a:noAutofit/>
+          </a:bodyPr>
+          <a:lstStyle>
+            <a:lvl1pPr marL="342900" indent="-342900" algn="l" defTabSz="457200" rtl="0" eaLnBrk="1" latinLnBrk="0" hangingPunct="1">
+              <a:spcBef>
+                <a:spcPct val="20000"/>
+              </a:spcBef>
+              <a:buFont typeface="Arial"/>
+              <a:buChar char="•"/>
+              <a:defRPr sz="3200" kern="1200">
+                <a:solidFill>
+                  <a:schemeClr val="tx1"/>
+                </a:solidFill>
+                <a:latin typeface="+mn-lt"/>
+                <a:ea typeface="+mn-ea"/>
+                <a:cs typeface="+mn-cs"/>
+              </a:defRPr>
+            </a:lvl1pPr>
+            <a:lvl2pPr marL="742950" indent="-285750" algn="l" defTabSz="457200" rtl="0" eaLnBrk="1" latinLnBrk="0" hangingPunct="1">
+              <a:spcBef>
+                <a:spcPct val="20000"/>
+              </a:spcBef>
+              <a:buFont typeface="Arial"/>
+              <a:buChar char="–"/>
+              <a:defRPr sz="2800" kern="1200">
+                <a:solidFill>
+                  <a:schemeClr val="tx1"/>
+                </a:solidFill>
+                <a:latin typeface="+mn-lt"/>
+                <a:ea typeface="+mn-ea"/>
+                <a:cs typeface="+mn-cs"/>
+              </a:defRPr>
+            </a:lvl2pPr>
+            <a:lvl3pPr marL="1143000" indent="-228600" algn="l" defTabSz="457200" rtl="0" eaLnBrk="1" latinLnBrk="0" hangingPunct="1">
+              <a:spcBef>
+                <a:spcPct val="20000"/>
+              </a:spcBef>
+              <a:buFont typeface="Arial"/>
+              <a:buChar char="•"/>
+              <a:defRPr sz="2400" kern="1200">
+                <a:solidFill>
+                  <a:schemeClr val="tx1"/>
+                </a:solidFill>
+                <a:latin typeface="+mn-lt"/>
+                <a:ea typeface="+mn-ea"/>
+                <a:cs typeface="+mn-cs"/>
+              </a:defRPr>
+            </a:lvl3pPr>
+            <a:lvl4pPr marL="1600200" indent="-228600" algn="l" defTabSz="457200" rtl="0" eaLnBrk="1" latinLnBrk="0" hangingPunct="1">
+              <a:spcBef>
+                <a:spcPct val="20000"/>
+              </a:spcBef>
+              <a:buFont typeface="Arial"/>
+              <a:buChar char="–"/>
+              <a:defRPr sz="2000" kern="1200">
+                <a:solidFill>
+                  <a:schemeClr val="tx1"/>
+                </a:solidFill>
+                <a:latin typeface="+mn-lt"/>
+                <a:ea typeface="+mn-ea"/>
+                <a:cs typeface="+mn-cs"/>
+              </a:defRPr>
+            </a:lvl4pPr>
+            <a:lvl5pPr marL="2057400" indent="-228600" algn="l" defTabSz="457200" rtl="0" eaLnBrk="1" latinLnBrk="0" hangingPunct="1">
+              <a:spcBef>
+                <a:spcPct val="20000"/>
+              </a:spcBef>
+              <a:buFont typeface="Arial"/>
+              <a:buChar char="»"/>
+              <a:defRPr sz="2000" kern="1200">
+                <a:solidFill>
+                  <a:schemeClr val="tx1"/>
+                </a:solidFill>
+                <a:latin typeface="+mn-lt"/>
+                <a:ea typeface="+mn-ea"/>
+                <a:cs typeface="+mn-cs"/>
+              </a:defRPr>
+            </a:lvl5pPr>
+            <a:lvl6pPr marL="2514600" indent="-228600" algn="l" defTabSz="457200" rtl="0" eaLnBrk="1" latinLnBrk="0" hangingPunct="1">
+              <a:spcBef>
+                <a:spcPct val="20000"/>
+              </a:spcBef>
+              <a:buFont typeface="Arial"/>
+              <a:buChar char="•"/>
+              <a:defRPr sz="2000" kern="1200">
+                <a:solidFill>
+                  <a:schemeClr val="tx1"/>
+                </a:solidFill>
+                <a:latin typeface="+mn-lt"/>
+                <a:ea typeface="+mn-ea"/>
+                <a:cs typeface="+mn-cs"/>
+              </a:defRPr>
+            </a:lvl6pPr>
+            <a:lvl7pPr marL="2971800" indent="-228600" algn="l" defTabSz="457200" rtl="0" eaLnBrk="1" latinLnBrk="0" hangingPunct="1">
+              <a:spcBef>
+                <a:spcPct val="20000"/>
+              </a:spcBef>
+              <a:buFont typeface="Arial"/>
+              <a:buChar char="•"/>
+              <a:defRPr sz="2000" kern="1200">
+                <a:solidFill>
+                  <a:schemeClr val="tx1"/>
+                </a:solidFill>
+                <a:latin typeface="+mn-lt"/>
+                <a:ea typeface="+mn-ea"/>
+                <a:cs typeface="+mn-cs"/>
+              </a:defRPr>
+            </a:lvl7pPr>
+            <a:lvl8pPr marL="3429000" indent="-228600" algn="l" defTabSz="457200" rtl="0" eaLnBrk="1" latinLnBrk="0" hangingPunct="1">
+              <a:spcBef>
+                <a:spcPct val="20000"/>
+              </a:spcBef>
+              <a:buFont typeface="Arial"/>
+              <a:buChar char="•"/>
+              <a:defRPr sz="2000" kern="1200">
+                <a:solidFill>
+                  <a:schemeClr val="tx1"/>
+                </a:solidFill>
+                <a:latin typeface="+mn-lt"/>
+                <a:ea typeface="+mn-ea"/>
+                <a:cs typeface="+mn-cs"/>
+              </a:defRPr>
+            </a:lvl8pPr>
+            <a:lvl9pPr marL="3886200" indent="-228600" algn="l" defTabSz="457200" rtl="0" eaLnBrk="1" latinLnBrk="0" hangingPunct="1">
+              <a:spcBef>
+                <a:spcPct val="20000"/>
+              </a:spcBef>
+              <a:buFont typeface="Arial"/>
+              <a:buChar char="•"/>
+              <a:defRPr sz="2000" kern="1200">
+                <a:solidFill>
+                  <a:schemeClr val="tx1"/>
+                </a:solidFill>
+                <a:latin typeface="+mn-lt"/>
+                <a:ea typeface="+mn-ea"/>
+                <a:cs typeface="+mn-cs"/>
+              </a:defRPr>
+            </a:lvl9pPr>
+          </a:lstStyle>
+          <a:p>
+            <a:pPr marL="0" indent="0">
+              <a:buFont typeface="Arial"/>
+              <a:buNone/>
+            </a:pPr>
+            <a:r>
+              <a:rPr lang="en-US" sz="4000" dirty="0" smtClean="0"/>
+              <a:t>BM</a:t>
+            </a:r>
+            <a:endParaRPr lang="en-US" sz="4000" dirty="0"/>
+          </a:p>
+        </p:txBody>
+      </p:sp>
+    </p:spTree>
+    <p:extLst>
+      <p:ext uri="{BB962C8B-B14F-4D97-AF65-F5344CB8AC3E}">
+        <p14:creationId xmlns:p14="http://schemas.microsoft.com/office/powerpoint/2010/main" val="3735596612"/>
+      </p:ext>
+    </p:extLst>
+  </p:cSld>
+  <p:clrMapOvr>
+    <a:masterClrMapping/>
+  </p:clrMapOvr>
+</p:sld>
+</file>
+
+<file path=ppt/slides/slide14.xml><?xml version="1.0" encoding="utf-8"?>
+<p:sld xmlns:a="http://schemas.openxmlformats.org/drawingml/2006/main" xmlns:r="http://schemas.openxmlformats.org/officeDocument/2006/relationships" xmlns:p="http://schemas.openxmlformats.org/presentationml/2006/main">
+  <p:cSld>
+    <p:spTree>
+      <p:nvGrpSpPr>
+        <p:cNvPr id="1" name=""/>
+        <p:cNvGrpSpPr/>
+        <p:nvPr/>
+      </p:nvGrpSpPr>
+      <p:grpSpPr>
+        <a:xfrm>
+          <a:off x="0" y="0"/>
+          <a:ext cx="0" cy="0"/>
+          <a:chOff x="0" y="0"/>
+          <a:chExt cx="0" cy="0"/>
+        </a:xfrm>
+      </p:grpSpPr>
+      <p:sp>
+        <p:nvSpPr>
+          <p:cNvPr id="2" name="Title 1"/>
+          <p:cNvSpPr>
+            <a:spLocks noGrp="1"/>
+          </p:cNvSpPr>
+          <p:nvPr>
+            <p:ph type="title"/>
+          </p:nvPr>
+        </p:nvSpPr>
+        <p:spPr/>
+        <p:txBody>
+          <a:bodyPr>
+            <a:normAutofit/>
+          </a:bodyPr>
+          <a:lstStyle/>
+          <a:p>
+            <a:r>
+              <a:rPr lang="en-US" dirty="0" smtClean="0"/>
+              <a:t>Do bottlenecks affect the variance? </a:t>
+            </a:r>
+            <a:endParaRPr lang="en-US" dirty="0"/>
+          </a:p>
+        </p:txBody>
+      </p:sp>
+      <p:sp>
+        <p:nvSpPr>
+          <p:cNvPr id="4" name="Content Placeholder 2"/>
+          <p:cNvSpPr txBox="1">
+            <a:spLocks/>
+          </p:cNvSpPr>
+          <p:nvPr/>
+        </p:nvSpPr>
+        <p:spPr>
+          <a:xfrm>
+            <a:off x="457200" y="5777983"/>
+            <a:ext cx="1510213" cy="715540"/>
+          </a:xfrm>
+          <a:prstGeom prst="rect">
+            <a:avLst/>
+          </a:prstGeom>
+        </p:spPr>
+        <p:txBody>
+          <a:bodyPr vert="horz" lIns="91440" tIns="45720" rIns="91440" bIns="45720" rtlCol="0">
+            <a:noAutofit/>
+          </a:bodyPr>
+          <a:lstStyle>
+            <a:lvl1pPr marL="342900" indent="-342900" algn="l" defTabSz="457200" rtl="0" eaLnBrk="1" latinLnBrk="0" hangingPunct="1">
+              <a:spcBef>
+                <a:spcPct val="20000"/>
+              </a:spcBef>
+              <a:buFont typeface="Arial"/>
+              <a:buChar char="•"/>
+              <a:defRPr sz="3200" kern="1200">
+                <a:solidFill>
+                  <a:schemeClr val="tx1"/>
+                </a:solidFill>
+                <a:latin typeface="+mn-lt"/>
+                <a:ea typeface="+mn-ea"/>
+                <a:cs typeface="+mn-cs"/>
+              </a:defRPr>
+            </a:lvl1pPr>
+            <a:lvl2pPr marL="742950" indent="-285750" algn="l" defTabSz="457200" rtl="0" eaLnBrk="1" latinLnBrk="0" hangingPunct="1">
+              <a:spcBef>
+                <a:spcPct val="20000"/>
+              </a:spcBef>
+              <a:buFont typeface="Arial"/>
+              <a:buChar char="–"/>
+              <a:defRPr sz="2800" kern="1200">
+                <a:solidFill>
+                  <a:schemeClr val="tx1"/>
+                </a:solidFill>
+                <a:latin typeface="+mn-lt"/>
+                <a:ea typeface="+mn-ea"/>
+                <a:cs typeface="+mn-cs"/>
+              </a:defRPr>
+            </a:lvl2pPr>
+            <a:lvl3pPr marL="1143000" indent="-228600" algn="l" defTabSz="457200" rtl="0" eaLnBrk="1" latinLnBrk="0" hangingPunct="1">
+              <a:spcBef>
+                <a:spcPct val="20000"/>
+              </a:spcBef>
+              <a:buFont typeface="Arial"/>
+              <a:buChar char="•"/>
+              <a:defRPr sz="2400" kern="1200">
+                <a:solidFill>
+                  <a:schemeClr val="tx1"/>
+                </a:solidFill>
+                <a:latin typeface="+mn-lt"/>
+                <a:ea typeface="+mn-ea"/>
+                <a:cs typeface="+mn-cs"/>
+              </a:defRPr>
+            </a:lvl3pPr>
+            <a:lvl4pPr marL="1600200" indent="-228600" algn="l" defTabSz="457200" rtl="0" eaLnBrk="1" latinLnBrk="0" hangingPunct="1">
+              <a:spcBef>
+                <a:spcPct val="20000"/>
+              </a:spcBef>
+              <a:buFont typeface="Arial"/>
+              <a:buChar char="–"/>
+              <a:defRPr sz="2000" kern="1200">
+                <a:solidFill>
+                  <a:schemeClr val="tx1"/>
+                </a:solidFill>
+                <a:latin typeface="+mn-lt"/>
+                <a:ea typeface="+mn-ea"/>
+                <a:cs typeface="+mn-cs"/>
+              </a:defRPr>
+            </a:lvl4pPr>
+            <a:lvl5pPr marL="2057400" indent="-228600" algn="l" defTabSz="457200" rtl="0" eaLnBrk="1" latinLnBrk="0" hangingPunct="1">
+              <a:spcBef>
+                <a:spcPct val="20000"/>
+              </a:spcBef>
+              <a:buFont typeface="Arial"/>
+              <a:buChar char="»"/>
+              <a:defRPr sz="2000" kern="1200">
+                <a:solidFill>
+                  <a:schemeClr val="tx1"/>
+                </a:solidFill>
+                <a:latin typeface="+mn-lt"/>
+                <a:ea typeface="+mn-ea"/>
+                <a:cs typeface="+mn-cs"/>
+              </a:defRPr>
+            </a:lvl5pPr>
+            <a:lvl6pPr marL="2514600" indent="-228600" algn="l" defTabSz="457200" rtl="0" eaLnBrk="1" latinLnBrk="0" hangingPunct="1">
+              <a:spcBef>
+                <a:spcPct val="20000"/>
+              </a:spcBef>
+              <a:buFont typeface="Arial"/>
+              <a:buChar char="•"/>
+              <a:defRPr sz="2000" kern="1200">
+                <a:solidFill>
+                  <a:schemeClr val="tx1"/>
+                </a:solidFill>
+                <a:latin typeface="+mn-lt"/>
+                <a:ea typeface="+mn-ea"/>
+                <a:cs typeface="+mn-cs"/>
+              </a:defRPr>
+            </a:lvl6pPr>
+            <a:lvl7pPr marL="2971800" indent="-228600" algn="l" defTabSz="457200" rtl="0" eaLnBrk="1" latinLnBrk="0" hangingPunct="1">
+              <a:spcBef>
+                <a:spcPct val="20000"/>
+              </a:spcBef>
+              <a:buFont typeface="Arial"/>
+              <a:buChar char="•"/>
+              <a:defRPr sz="2000" kern="1200">
+                <a:solidFill>
+                  <a:schemeClr val="tx1"/>
+                </a:solidFill>
+                <a:latin typeface="+mn-lt"/>
+                <a:ea typeface="+mn-ea"/>
+                <a:cs typeface="+mn-cs"/>
+              </a:defRPr>
+            </a:lvl7pPr>
+            <a:lvl8pPr marL="3429000" indent="-228600" algn="l" defTabSz="457200" rtl="0" eaLnBrk="1" latinLnBrk="0" hangingPunct="1">
+              <a:spcBef>
+                <a:spcPct val="20000"/>
+              </a:spcBef>
+              <a:buFont typeface="Arial"/>
+              <a:buChar char="•"/>
+              <a:defRPr sz="2000" kern="1200">
+                <a:solidFill>
+                  <a:schemeClr val="tx1"/>
+                </a:solidFill>
+                <a:latin typeface="+mn-lt"/>
+                <a:ea typeface="+mn-ea"/>
+                <a:cs typeface="+mn-cs"/>
+              </a:defRPr>
+            </a:lvl8pPr>
+            <a:lvl9pPr marL="3886200" indent="-228600" algn="l" defTabSz="457200" rtl="0" eaLnBrk="1" latinLnBrk="0" hangingPunct="1">
+              <a:spcBef>
+                <a:spcPct val="20000"/>
+              </a:spcBef>
+              <a:buFont typeface="Arial"/>
+              <a:buChar char="•"/>
+              <a:defRPr sz="2000" kern="1200">
+                <a:solidFill>
+                  <a:schemeClr val="tx1"/>
+                </a:solidFill>
+                <a:latin typeface="+mn-lt"/>
+                <a:ea typeface="+mn-ea"/>
+                <a:cs typeface="+mn-cs"/>
+              </a:defRPr>
+            </a:lvl9pPr>
+          </a:lstStyle>
+          <a:p>
+            <a:pPr marL="0" indent="0">
+              <a:buFont typeface="Arial"/>
+              <a:buNone/>
+            </a:pPr>
+            <a:r>
+              <a:rPr lang="en-US" sz="4000" dirty="0" smtClean="0"/>
+              <a:t>OU</a:t>
+            </a:r>
+            <a:endParaRPr lang="en-US" sz="4000" dirty="0"/>
+          </a:p>
+        </p:txBody>
+      </p:sp>
+    </p:spTree>
+    <p:extLst>
+      <p:ext uri="{BB962C8B-B14F-4D97-AF65-F5344CB8AC3E}">
+        <p14:creationId xmlns:p14="http://schemas.microsoft.com/office/powerpoint/2010/main" val="1831224169"/>
+      </p:ext>
+    </p:extLst>
+  </p:cSld>
+  <p:clrMapOvr>
+    <a:masterClrMapping/>
+  </p:clrMapOvr>
+</p:sld>
+</file>
+
+<file path=ppt/slides/slide15.xml><?xml version="1.0" encoding="utf-8"?>
+<p:sld xmlns:a="http://schemas.openxmlformats.org/drawingml/2006/main" xmlns:r="http://schemas.openxmlformats.org/officeDocument/2006/relationships" xmlns:p="http://schemas.openxmlformats.org/presentationml/2006/main">
+  <p:cSld>
+    <p:spTree>
+      <p:nvGrpSpPr>
+        <p:cNvPr id="1" name=""/>
+        <p:cNvGrpSpPr/>
+        <p:nvPr/>
+      </p:nvGrpSpPr>
+      <p:grpSpPr>
+        <a:xfrm>
+          <a:off x="0" y="0"/>
+          <a:ext cx="0" cy="0"/>
+          <a:chOff x="0" y="0"/>
+          <a:chExt cx="0" cy="0"/>
+        </a:xfrm>
+      </p:grpSpPr>
+      <p:sp>
+        <p:nvSpPr>
+          <p:cNvPr id="2" name="Title 1"/>
+          <p:cNvSpPr>
+            <a:spLocks noGrp="1"/>
+          </p:cNvSpPr>
+          <p:nvPr>
+            <p:ph type="title"/>
+          </p:nvPr>
+        </p:nvSpPr>
+        <p:spPr/>
+        <p:txBody>
+          <a:bodyPr>
+            <a:normAutofit/>
+          </a:bodyPr>
+          <a:lstStyle/>
+          <a:p>
+            <a:r>
+              <a:rPr lang="en-US" dirty="0" smtClean="0"/>
+              <a:t>Do bottlenecks affect the variance? </a:t>
+            </a:r>
+            <a:endParaRPr lang="en-US" dirty="0"/>
+          </a:p>
+        </p:txBody>
+      </p:sp>
+      <p:sp>
+        <p:nvSpPr>
+          <p:cNvPr id="4" name="Content Placeholder 2"/>
+          <p:cNvSpPr txBox="1">
+            <a:spLocks/>
+          </p:cNvSpPr>
+          <p:nvPr/>
+        </p:nvSpPr>
+        <p:spPr>
+          <a:xfrm>
+            <a:off x="457200" y="5777983"/>
+            <a:ext cx="1510213" cy="715540"/>
+          </a:xfrm>
+          <a:prstGeom prst="rect">
+            <a:avLst/>
+          </a:prstGeom>
+        </p:spPr>
+        <p:txBody>
+          <a:bodyPr vert="horz" lIns="91440" tIns="45720" rIns="91440" bIns="45720" rtlCol="0">
+            <a:noAutofit/>
+          </a:bodyPr>
+          <a:lstStyle>
+            <a:lvl1pPr marL="342900" indent="-342900" algn="l" defTabSz="457200" rtl="0" eaLnBrk="1" latinLnBrk="0" hangingPunct="1">
+              <a:spcBef>
+                <a:spcPct val="20000"/>
+              </a:spcBef>
+              <a:buFont typeface="Arial"/>
+              <a:buChar char="•"/>
+              <a:defRPr sz="3200" kern="1200">
+                <a:solidFill>
+                  <a:schemeClr val="tx1"/>
+                </a:solidFill>
+                <a:latin typeface="+mn-lt"/>
+                <a:ea typeface="+mn-ea"/>
+                <a:cs typeface="+mn-cs"/>
+              </a:defRPr>
+            </a:lvl1pPr>
+            <a:lvl2pPr marL="742950" indent="-285750" algn="l" defTabSz="457200" rtl="0" eaLnBrk="1" latinLnBrk="0" hangingPunct="1">
+              <a:spcBef>
+                <a:spcPct val="20000"/>
+              </a:spcBef>
+              <a:buFont typeface="Arial"/>
+              <a:buChar char="–"/>
+              <a:defRPr sz="2800" kern="1200">
+                <a:solidFill>
+                  <a:schemeClr val="tx1"/>
+                </a:solidFill>
+                <a:latin typeface="+mn-lt"/>
+                <a:ea typeface="+mn-ea"/>
+                <a:cs typeface="+mn-cs"/>
+              </a:defRPr>
+            </a:lvl2pPr>
+            <a:lvl3pPr marL="1143000" indent="-228600" algn="l" defTabSz="457200" rtl="0" eaLnBrk="1" latinLnBrk="0" hangingPunct="1">
+              <a:spcBef>
+                <a:spcPct val="20000"/>
+              </a:spcBef>
+              <a:buFont typeface="Arial"/>
+              <a:buChar char="•"/>
+              <a:defRPr sz="2400" kern="1200">
+                <a:solidFill>
+                  <a:schemeClr val="tx1"/>
+                </a:solidFill>
+                <a:latin typeface="+mn-lt"/>
+                <a:ea typeface="+mn-ea"/>
+                <a:cs typeface="+mn-cs"/>
+              </a:defRPr>
+            </a:lvl3pPr>
+            <a:lvl4pPr marL="1600200" indent="-228600" algn="l" defTabSz="457200" rtl="0" eaLnBrk="1" latinLnBrk="0" hangingPunct="1">
+              <a:spcBef>
+                <a:spcPct val="20000"/>
+              </a:spcBef>
+              <a:buFont typeface="Arial"/>
+              <a:buChar char="–"/>
+              <a:defRPr sz="2000" kern="1200">
+                <a:solidFill>
+                  <a:schemeClr val="tx1"/>
+                </a:solidFill>
+                <a:latin typeface="+mn-lt"/>
+                <a:ea typeface="+mn-ea"/>
+                <a:cs typeface="+mn-cs"/>
+              </a:defRPr>
+            </a:lvl4pPr>
+            <a:lvl5pPr marL="2057400" indent="-228600" algn="l" defTabSz="457200" rtl="0" eaLnBrk="1" latinLnBrk="0" hangingPunct="1">
+              <a:spcBef>
+                <a:spcPct val="20000"/>
+              </a:spcBef>
+              <a:buFont typeface="Arial"/>
+              <a:buChar char="»"/>
+              <a:defRPr sz="2000" kern="1200">
+                <a:solidFill>
+                  <a:schemeClr val="tx1"/>
+                </a:solidFill>
+                <a:latin typeface="+mn-lt"/>
+                <a:ea typeface="+mn-ea"/>
+                <a:cs typeface="+mn-cs"/>
+              </a:defRPr>
+            </a:lvl5pPr>
+            <a:lvl6pPr marL="2514600" indent="-228600" algn="l" defTabSz="457200" rtl="0" eaLnBrk="1" latinLnBrk="0" hangingPunct="1">
+              <a:spcBef>
+                <a:spcPct val="20000"/>
+              </a:spcBef>
+              <a:buFont typeface="Arial"/>
+              <a:buChar char="•"/>
+              <a:defRPr sz="2000" kern="1200">
+                <a:solidFill>
+                  <a:schemeClr val="tx1"/>
+                </a:solidFill>
+                <a:latin typeface="+mn-lt"/>
+                <a:ea typeface="+mn-ea"/>
+                <a:cs typeface="+mn-cs"/>
+              </a:defRPr>
+            </a:lvl6pPr>
+            <a:lvl7pPr marL="2971800" indent="-228600" algn="l" defTabSz="457200" rtl="0" eaLnBrk="1" latinLnBrk="0" hangingPunct="1">
+              <a:spcBef>
+                <a:spcPct val="20000"/>
+              </a:spcBef>
+              <a:buFont typeface="Arial"/>
+              <a:buChar char="•"/>
+              <a:defRPr sz="2000" kern="1200">
+                <a:solidFill>
+                  <a:schemeClr val="tx1"/>
+                </a:solidFill>
+                <a:latin typeface="+mn-lt"/>
+                <a:ea typeface="+mn-ea"/>
+                <a:cs typeface="+mn-cs"/>
+              </a:defRPr>
+            </a:lvl7pPr>
+            <a:lvl8pPr marL="3429000" indent="-228600" algn="l" defTabSz="457200" rtl="0" eaLnBrk="1" latinLnBrk="0" hangingPunct="1">
+              <a:spcBef>
+                <a:spcPct val="20000"/>
+              </a:spcBef>
+              <a:buFont typeface="Arial"/>
+              <a:buChar char="•"/>
+              <a:defRPr sz="2000" kern="1200">
+                <a:solidFill>
+                  <a:schemeClr val="tx1"/>
+                </a:solidFill>
+                <a:latin typeface="+mn-lt"/>
+                <a:ea typeface="+mn-ea"/>
+                <a:cs typeface="+mn-cs"/>
+              </a:defRPr>
+            </a:lvl8pPr>
+            <a:lvl9pPr marL="3886200" indent="-228600" algn="l" defTabSz="457200" rtl="0" eaLnBrk="1" latinLnBrk="0" hangingPunct="1">
+              <a:spcBef>
+                <a:spcPct val="20000"/>
+              </a:spcBef>
+              <a:buFont typeface="Arial"/>
+              <a:buChar char="•"/>
+              <a:defRPr sz="2000" kern="1200">
+                <a:solidFill>
+                  <a:schemeClr val="tx1"/>
+                </a:solidFill>
+                <a:latin typeface="+mn-lt"/>
+                <a:ea typeface="+mn-ea"/>
+                <a:cs typeface="+mn-cs"/>
+              </a:defRPr>
+            </a:lvl9pPr>
+          </a:lstStyle>
+          <a:p>
+            <a:pPr marL="0" indent="0">
+              <a:buFont typeface="Arial"/>
+              <a:buNone/>
+            </a:pPr>
+            <a:r>
+              <a:rPr lang="en-US" sz="4000" dirty="0" smtClean="0"/>
+              <a:t>OU</a:t>
+            </a:r>
+            <a:endParaRPr lang="en-US" sz="4000" dirty="0"/>
+          </a:p>
+        </p:txBody>
+      </p:sp>
+    </p:spTree>
+    <p:extLst>
+      <p:ext uri="{BB962C8B-B14F-4D97-AF65-F5344CB8AC3E}">
+        <p14:creationId xmlns:p14="http://schemas.microsoft.com/office/powerpoint/2010/main" val="1831224169"/>
+      </p:ext>
+    </p:extLst>
+  </p:cSld>
+  <p:clrMapOvr>
+    <a:masterClrMapping/>
+  </p:clrMapOvr>
+</p:sld>
+</file>
+
+<file path=ppt/slides/slide16.xml><?xml version="1.0" encoding="utf-8"?>
+<p:sld xmlns:a="http://schemas.openxmlformats.org/drawingml/2006/main" xmlns:r="http://schemas.openxmlformats.org/officeDocument/2006/relationships" xmlns:p="http://schemas.openxmlformats.org/presentationml/2006/main">
+  <p:cSld>
+    <p:spTree>
+      <p:nvGrpSpPr>
+        <p:cNvPr id="1" name=""/>
+        <p:cNvGrpSpPr/>
+        <p:nvPr/>
+      </p:nvGrpSpPr>
+      <p:grpSpPr>
+        <a:xfrm>
+          <a:off x="0" y="0"/>
+          <a:ext cx="0" cy="0"/>
+          <a:chOff x="0" y="0"/>
+          <a:chExt cx="0" cy="0"/>
+        </a:xfrm>
+      </p:grpSpPr>
+      <p:sp>
+        <p:nvSpPr>
+          <p:cNvPr id="2" name="Title 1"/>
+          <p:cNvSpPr>
+            <a:spLocks noGrp="1"/>
+          </p:cNvSpPr>
+          <p:nvPr>
+            <p:ph type="title"/>
+          </p:nvPr>
+        </p:nvSpPr>
+        <p:spPr/>
+        <p:txBody>
+          <a:bodyPr>
+            <a:normAutofit/>
+          </a:bodyPr>
+          <a:lstStyle/>
+          <a:p>
+            <a:r>
+              <a:rPr lang="en-US" dirty="0" smtClean="0"/>
+              <a:t>Do bottlenecks affect the variance? </a:t>
+            </a:r>
+            <a:endParaRPr lang="en-US" dirty="0"/>
+          </a:p>
+        </p:txBody>
+      </p:sp>
+      <p:sp>
+        <p:nvSpPr>
+          <p:cNvPr id="4" name="Content Placeholder 2"/>
+          <p:cNvSpPr txBox="1">
+            <a:spLocks/>
+          </p:cNvSpPr>
+          <p:nvPr/>
+        </p:nvSpPr>
+        <p:spPr>
+          <a:xfrm>
+            <a:off x="457200" y="5777983"/>
+            <a:ext cx="1510213" cy="715540"/>
+          </a:xfrm>
+          <a:prstGeom prst="rect">
+            <a:avLst/>
+          </a:prstGeom>
+        </p:spPr>
+        <p:txBody>
+          <a:bodyPr vert="horz" lIns="91440" tIns="45720" rIns="91440" bIns="45720" rtlCol="0">
+            <a:noAutofit/>
+          </a:bodyPr>
+          <a:lstStyle>
+            <a:lvl1pPr marL="342900" indent="-342900" algn="l" defTabSz="457200" rtl="0" eaLnBrk="1" latinLnBrk="0" hangingPunct="1">
+              <a:spcBef>
+                <a:spcPct val="20000"/>
+              </a:spcBef>
+              <a:buFont typeface="Arial"/>
+              <a:buChar char="•"/>
+              <a:defRPr sz="3200" kern="1200">
+                <a:solidFill>
+                  <a:schemeClr val="tx1"/>
+                </a:solidFill>
+                <a:latin typeface="+mn-lt"/>
+                <a:ea typeface="+mn-ea"/>
+                <a:cs typeface="+mn-cs"/>
+              </a:defRPr>
+            </a:lvl1pPr>
+            <a:lvl2pPr marL="742950" indent="-285750" algn="l" defTabSz="457200" rtl="0" eaLnBrk="1" latinLnBrk="0" hangingPunct="1">
+              <a:spcBef>
+                <a:spcPct val="20000"/>
+              </a:spcBef>
+              <a:buFont typeface="Arial"/>
+              <a:buChar char="–"/>
+              <a:defRPr sz="2800" kern="1200">
+                <a:solidFill>
+                  <a:schemeClr val="tx1"/>
+                </a:solidFill>
+                <a:latin typeface="+mn-lt"/>
+                <a:ea typeface="+mn-ea"/>
+                <a:cs typeface="+mn-cs"/>
+              </a:defRPr>
+            </a:lvl2pPr>
+            <a:lvl3pPr marL="1143000" indent="-228600" algn="l" defTabSz="457200" rtl="0" eaLnBrk="1" latinLnBrk="0" hangingPunct="1">
+              <a:spcBef>
+                <a:spcPct val="20000"/>
+              </a:spcBef>
+              <a:buFont typeface="Arial"/>
+              <a:buChar char="•"/>
+              <a:defRPr sz="2400" kern="1200">
+                <a:solidFill>
+                  <a:schemeClr val="tx1"/>
+                </a:solidFill>
+                <a:latin typeface="+mn-lt"/>
+                <a:ea typeface="+mn-ea"/>
+                <a:cs typeface="+mn-cs"/>
+              </a:defRPr>
+            </a:lvl3pPr>
+            <a:lvl4pPr marL="1600200" indent="-228600" algn="l" defTabSz="457200" rtl="0" eaLnBrk="1" latinLnBrk="0" hangingPunct="1">
+              <a:spcBef>
+                <a:spcPct val="20000"/>
+              </a:spcBef>
+              <a:buFont typeface="Arial"/>
+              <a:buChar char="–"/>
+              <a:defRPr sz="2000" kern="1200">
+                <a:solidFill>
+                  <a:schemeClr val="tx1"/>
+                </a:solidFill>
+                <a:latin typeface="+mn-lt"/>
+                <a:ea typeface="+mn-ea"/>
+                <a:cs typeface="+mn-cs"/>
+              </a:defRPr>
+            </a:lvl4pPr>
+            <a:lvl5pPr marL="2057400" indent="-228600" algn="l" defTabSz="457200" rtl="0" eaLnBrk="1" latinLnBrk="0" hangingPunct="1">
+              <a:spcBef>
+                <a:spcPct val="20000"/>
+              </a:spcBef>
+              <a:buFont typeface="Arial"/>
+              <a:buChar char="»"/>
+              <a:defRPr sz="2000" kern="1200">
+                <a:solidFill>
+                  <a:schemeClr val="tx1"/>
+                </a:solidFill>
+                <a:latin typeface="+mn-lt"/>
+                <a:ea typeface="+mn-ea"/>
+                <a:cs typeface="+mn-cs"/>
+              </a:defRPr>
+            </a:lvl5pPr>
+            <a:lvl6pPr marL="2514600" indent="-228600" algn="l" defTabSz="457200" rtl="0" eaLnBrk="1" latinLnBrk="0" hangingPunct="1">
+              <a:spcBef>
+                <a:spcPct val="20000"/>
+              </a:spcBef>
+              <a:buFont typeface="Arial"/>
+              <a:buChar char="•"/>
+              <a:defRPr sz="2000" kern="1200">
+                <a:solidFill>
+                  <a:schemeClr val="tx1"/>
+                </a:solidFill>
+                <a:latin typeface="+mn-lt"/>
+                <a:ea typeface="+mn-ea"/>
+                <a:cs typeface="+mn-cs"/>
+              </a:defRPr>
+            </a:lvl6pPr>
+            <a:lvl7pPr marL="2971800" indent="-228600" algn="l" defTabSz="457200" rtl="0" eaLnBrk="1" latinLnBrk="0" hangingPunct="1">
+              <a:spcBef>
+                <a:spcPct val="20000"/>
+              </a:spcBef>
+              <a:buFont typeface="Arial"/>
+              <a:buChar char="•"/>
+              <a:defRPr sz="2000" kern="1200">
+                <a:solidFill>
+                  <a:schemeClr val="tx1"/>
+                </a:solidFill>
+                <a:latin typeface="+mn-lt"/>
+                <a:ea typeface="+mn-ea"/>
+                <a:cs typeface="+mn-cs"/>
+              </a:defRPr>
+            </a:lvl7pPr>
+            <a:lvl8pPr marL="3429000" indent="-228600" algn="l" defTabSz="457200" rtl="0" eaLnBrk="1" latinLnBrk="0" hangingPunct="1">
+              <a:spcBef>
+                <a:spcPct val="20000"/>
+              </a:spcBef>
+              <a:buFont typeface="Arial"/>
+              <a:buChar char="•"/>
+              <a:defRPr sz="2000" kern="1200">
+                <a:solidFill>
+                  <a:schemeClr val="tx1"/>
+                </a:solidFill>
+                <a:latin typeface="+mn-lt"/>
+                <a:ea typeface="+mn-ea"/>
+                <a:cs typeface="+mn-cs"/>
+              </a:defRPr>
+            </a:lvl8pPr>
+            <a:lvl9pPr marL="3886200" indent="-228600" algn="l" defTabSz="457200" rtl="0" eaLnBrk="1" latinLnBrk="0" hangingPunct="1">
+              <a:spcBef>
+                <a:spcPct val="20000"/>
+              </a:spcBef>
+              <a:buFont typeface="Arial"/>
+              <a:buChar char="•"/>
+              <a:defRPr sz="2000" kern="1200">
+                <a:solidFill>
+                  <a:schemeClr val="tx1"/>
+                </a:solidFill>
+                <a:latin typeface="+mn-lt"/>
+                <a:ea typeface="+mn-ea"/>
+                <a:cs typeface="+mn-cs"/>
+              </a:defRPr>
+            </a:lvl9pPr>
+          </a:lstStyle>
+          <a:p>
+            <a:pPr marL="0" indent="0">
+              <a:buFont typeface="Arial"/>
+              <a:buNone/>
+            </a:pPr>
+            <a:r>
+              <a:rPr lang="en-US" sz="4000" dirty="0" smtClean="0"/>
+              <a:t>OU</a:t>
+            </a:r>
+            <a:endParaRPr lang="en-US" sz="4000" dirty="0"/>
+          </a:p>
+        </p:txBody>
+      </p:sp>
+    </p:spTree>
+    <p:extLst>
+      <p:ext uri="{BB962C8B-B14F-4D97-AF65-F5344CB8AC3E}">
+        <p14:creationId xmlns:p14="http://schemas.microsoft.com/office/powerpoint/2010/main" val="3735596612"/>
+      </p:ext>
+    </p:extLst>
+  </p:cSld>
+  <p:clrMapOvr>
+    <a:masterClrMapping/>
+  </p:clrMapOvr>
+</p:sld>
+</file>
+
+<file path=ppt/slides/slide17.xml><?xml version="1.0" encoding="utf-8"?>
+<p:sld xmlns:a="http://schemas.openxmlformats.org/drawingml/2006/main" xmlns:r="http://schemas.openxmlformats.org/officeDocument/2006/relationships" xmlns:p="http://schemas.openxmlformats.org/presentationml/2006/main">
+  <p:cSld>
+    <p:spTree>
+      <p:nvGrpSpPr>
+        <p:cNvPr id="1" name=""/>
+        <p:cNvGrpSpPr/>
+        <p:nvPr/>
+      </p:nvGrpSpPr>
+      <p:grpSpPr>
+        <a:xfrm>
+          <a:off x="0" y="0"/>
+          <a:ext cx="0" cy="0"/>
+          <a:chOff x="0" y="0"/>
+          <a:chExt cx="0" cy="0"/>
+        </a:xfrm>
+      </p:grpSpPr>
+      <p:sp>
+        <p:nvSpPr>
+          <p:cNvPr id="2" name="Title 1"/>
+          <p:cNvSpPr>
+            <a:spLocks noGrp="1"/>
+          </p:cNvSpPr>
+          <p:nvPr>
+            <p:ph type="title"/>
+          </p:nvPr>
+        </p:nvSpPr>
+        <p:spPr/>
+        <p:txBody>
+          <a:bodyPr/>
+          <a:lstStyle/>
+          <a:p>
+            <a:r>
+              <a:rPr lang="en-US" dirty="0" smtClean="0"/>
+              <a:t>Summary</a:t>
+            </a:r>
+            <a:endParaRPr lang="en-US" dirty="0"/>
+          </a:p>
+        </p:txBody>
+      </p:sp>
+      <p:sp>
+        <p:nvSpPr>
+          <p:cNvPr id="3" name="Content Placeholder 2"/>
+          <p:cNvSpPr>
+            <a:spLocks noGrp="1"/>
+          </p:cNvSpPr>
+          <p:nvPr>
+            <p:ph idx="1"/>
+          </p:nvPr>
+        </p:nvSpPr>
+        <p:spPr/>
+        <p:txBody>
+          <a:bodyPr/>
+          <a:lstStyle/>
+          <a:p>
+            <a:endParaRPr lang="en-US" dirty="0"/>
+          </a:p>
+        </p:txBody>
+      </p:sp>
+    </p:spTree>
+    <p:extLst>
+      <p:ext uri="{BB962C8B-B14F-4D97-AF65-F5344CB8AC3E}">
+        <p14:creationId xmlns:p14="http://schemas.microsoft.com/office/powerpoint/2010/main" val="1588106317"/>
+      </p:ext>
+    </p:extLst>
+  </p:cSld>
+  <p:clrMapOvr>
+    <a:masterClrMapping/>
+  </p:clrMapOvr>
+</p:sld>
+</file>
+
+<file path=ppt/slides/slide18.xml><?xml version="1.0" encoding="utf-8"?>
+<p:sld xmlns:a="http://schemas.openxmlformats.org/drawingml/2006/main" xmlns:r="http://schemas.openxmlformats.org/officeDocument/2006/relationships" xmlns:p="http://schemas.openxmlformats.org/presentationml/2006/main">
+  <p:cSld>
+    <p:spTree>
+      <p:nvGrpSpPr>
+        <p:cNvPr id="1" name=""/>
+        <p:cNvGrpSpPr/>
+        <p:nvPr/>
+      </p:nvGrpSpPr>
+      <p:grpSpPr>
+        <a:xfrm>
+          <a:off x="0" y="0"/>
+          <a:ext cx="0" cy="0"/>
+          <a:chOff x="0" y="0"/>
+          <a:chExt cx="0" cy="0"/>
+        </a:xfrm>
+      </p:grpSpPr>
+      <p:sp>
+        <p:nvSpPr>
+          <p:cNvPr id="2" name="Title 1"/>
+          <p:cNvSpPr>
+            <a:spLocks noGrp="1"/>
+          </p:cNvSpPr>
+          <p:nvPr>
+            <p:ph type="title"/>
+          </p:nvPr>
+        </p:nvSpPr>
+        <p:spPr/>
+        <p:txBody>
+          <a:bodyPr/>
+          <a:lstStyle/>
+          <a:p>
+            <a:r>
+              <a:rPr lang="en-US" dirty="0" smtClean="0"/>
+              <a:t>Problems</a:t>
+            </a:r>
+            <a:endParaRPr lang="en-US" dirty="0"/>
+          </a:p>
+        </p:txBody>
+      </p:sp>
+      <p:sp>
+        <p:nvSpPr>
+          <p:cNvPr id="3" name="Content Placeholder 2"/>
+          <p:cNvSpPr>
+            <a:spLocks noGrp="1"/>
+          </p:cNvSpPr>
+          <p:nvPr>
+            <p:ph idx="1"/>
+          </p:nvPr>
+        </p:nvSpPr>
+        <p:spPr/>
+        <p:txBody>
+          <a:bodyPr/>
+          <a:lstStyle/>
+          <a:p>
+            <a:r>
+              <a:rPr lang="en-US" dirty="0" smtClean="0"/>
+              <a:t>Need more realistic values </a:t>
+            </a:r>
+          </a:p>
+          <a:p>
+            <a:endParaRPr lang="en-US" dirty="0"/>
+          </a:p>
+        </p:txBody>
+      </p:sp>
+    </p:spTree>
+    <p:extLst>
+      <p:ext uri="{BB962C8B-B14F-4D97-AF65-F5344CB8AC3E}">
+        <p14:creationId xmlns:p14="http://schemas.microsoft.com/office/powerpoint/2010/main" val="1980410066"/>
+      </p:ext>
+    </p:extLst>
+  </p:cSld>
+  <p:clrMapOvr>
+    <a:masterClrMapping/>
+  </p:clrMapOvr>
+</p:sld>
+</file>
+
 <file path=ppt/slides/slide2.xml><?xml version="1.0" encoding="utf-8"?>
 <p:sld xmlns:a="http://schemas.openxmlformats.org/drawingml/2006/main" xmlns:r="http://schemas.openxmlformats.org/officeDocument/2006/relationships" xmlns:p="http://schemas.openxmlformats.org/presentationml/2006/main">
   <p:cSld>
@@ -3324,7 +4778,11 @@
           <a:lstStyle/>
           <a:p>
             <a:r>
-              <a:rPr lang="en-US" dirty="0" smtClean="0"/>
+              <a:rPr lang="en-US" dirty="0" smtClean="0">
+                <a:solidFill>
+                  <a:srgbClr val="FF0000"/>
+                </a:solidFill>
+              </a:rPr>
               <a:t>No constraints</a:t>
             </a:r>
           </a:p>
@@ -3407,11 +4865,7 @@
           <a:p>
             <a:r>
               <a:rPr lang="en-US" dirty="0" smtClean="0"/>
-              <a:t>Ornstein-</a:t>
-            </a:r>
-            <a:r>
-              <a:rPr lang="en-US" dirty="0" err="1" smtClean="0"/>
-              <a:t>Uhlenbeck</a:t>
+              <a:t>Brownian Motion</a:t>
             </a:r>
             <a:endParaRPr lang="en-US" dirty="0"/>
           </a:p>
@@ -3429,121 +4883,75 @@
         </p:nvSpPr>
         <p:spPr>
           <a:xfrm>
-            <a:off x="457200" y="1600200"/>
-            <a:ext cx="3263000" cy="4525963"/>
+            <a:off x="457200" y="1671755"/>
+            <a:ext cx="3000306" cy="3193914"/>
           </a:xfrm>
         </p:spPr>
         <p:txBody>
-          <a:bodyPr>
-            <a:normAutofit fontScale="92500" lnSpcReduction="10000"/>
-          </a:bodyPr>
-          <a:lstStyle/>
-          <a:p>
-            <a:r>
-              <a:rPr lang="en-US" sz="3500" dirty="0" smtClean="0"/>
-              <a:t>“Rubber band” soft-bounds</a:t>
-            </a:r>
-          </a:p>
-          <a:p>
-            <a:r>
-              <a:rPr lang="el-GR" sz="3500" dirty="0" smtClean="0"/>
+          <a:bodyPr/>
+          <a:lstStyle/>
+          <a:p>
+            <a:r>
+              <a:rPr lang="en-US" dirty="0" smtClean="0"/>
+              <a:t>No constraints</a:t>
+            </a:r>
+          </a:p>
+          <a:p>
+            <a:r>
+              <a:rPr lang="el-GR" dirty="0" smtClean="0">
+                <a:solidFill>
+                  <a:srgbClr val="FF0000"/>
+                </a:solidFill>
+              </a:rPr>
               <a:t>σ</a:t>
             </a:r>
             <a:r>
-              <a:rPr lang="el-GR" sz="3500" baseline="30000" dirty="0" smtClean="0"/>
+              <a:rPr lang="el-GR" baseline="30000" dirty="0" smtClean="0">
+                <a:solidFill>
+                  <a:srgbClr val="FF0000"/>
+                </a:solidFill>
+              </a:rPr>
               <a:t>2</a:t>
             </a:r>
             <a:r>
-              <a:rPr lang="en-US" sz="3500" dirty="0" smtClean="0"/>
+              <a:rPr lang="en-US" dirty="0" smtClean="0">
+                <a:solidFill>
+                  <a:srgbClr val="FF0000"/>
+                </a:solidFill>
+              </a:rPr>
               <a:t>: rate or </a:t>
             </a:r>
             <a:r>
-              <a:rPr lang="en-US" sz="3500" dirty="0" err="1" smtClean="0"/>
+              <a:rPr lang="en-US" dirty="0" err="1" smtClean="0">
+                <a:solidFill>
+                  <a:srgbClr val="FF0000"/>
+                </a:solidFill>
+              </a:rPr>
               <a:t>sd</a:t>
             </a:r>
-            <a:endParaRPr lang="en-US" sz="3500" baseline="30000" dirty="0" smtClean="0"/>
-          </a:p>
-          <a:p>
-            <a:r>
-              <a:rPr lang="el-GR" sz="3500" i="0" dirty="0" smtClean="0">
-                <a:ea typeface="Lucida Grande"/>
-                <a:cs typeface="Lucida Grande"/>
-              </a:rPr>
+            <a:endParaRPr lang="en-US" dirty="0" smtClean="0">
+              <a:solidFill>
+                <a:srgbClr val="FF0000"/>
+              </a:solidFill>
+            </a:endParaRPr>
+          </a:p>
+          <a:p>
+            <a:r>
+              <a:rPr lang="el-GR" dirty="0" smtClean="0"/>
               <a:t>μ</a:t>
             </a:r>
             <a:r>
-              <a:rPr lang="en-US" sz="3500" dirty="0" smtClean="0">
-                <a:ea typeface="Lucida Grande"/>
-                <a:cs typeface="Lucida Grande"/>
-              </a:rPr>
+              <a:rPr lang="en-US" dirty="0" smtClean="0"/>
               <a:t>: mean</a:t>
             </a:r>
-            <a:endParaRPr lang="en-US" sz="3500" dirty="0" smtClean="0"/>
-          </a:p>
-          <a:p>
-            <a:r>
-              <a:rPr lang="el-GR" sz="3500" i="0" dirty="0" smtClean="0">
-                <a:ea typeface="Lucida Grande"/>
-                <a:cs typeface="Lucida Grande"/>
-              </a:rPr>
-              <a:t>θ</a:t>
-            </a:r>
-            <a:r>
-              <a:rPr lang="en-US" sz="3500" i="0" dirty="0" smtClean="0">
-                <a:ea typeface="Lucida Grande"/>
-                <a:cs typeface="Lucida Grande"/>
-              </a:rPr>
-              <a:t>: rate of mean-reversion</a:t>
-            </a:r>
-            <a:endParaRPr lang="en-US" sz="3500" dirty="0" smtClean="0"/>
-          </a:p>
-          <a:p>
-            <a:pPr lvl="1"/>
-            <a:r>
-              <a:rPr lang="el-GR" sz="1900" dirty="0" smtClean="0"/>
-              <a:t>θ</a:t>
-            </a:r>
-            <a:r>
-              <a:rPr lang="en-US" sz="1900" dirty="0" smtClean="0"/>
-              <a:t> = 0</a:t>
-            </a:r>
-          </a:p>
-          <a:p>
-            <a:pPr lvl="2"/>
-            <a:r>
-              <a:rPr lang="en-US" sz="1900" dirty="0" smtClean="0"/>
-              <a:t>BM</a:t>
-            </a:r>
-          </a:p>
-          <a:p>
-            <a:pPr lvl="1"/>
-            <a:r>
-              <a:rPr lang="el-GR" sz="1900" dirty="0" smtClean="0"/>
-              <a:t>θ</a:t>
-            </a:r>
-            <a:r>
-              <a:rPr lang="en-US" sz="1900" dirty="0" smtClean="0"/>
-              <a:t> = 1 </a:t>
-            </a:r>
-            <a:endParaRPr lang="en-US" sz="1900" dirty="0"/>
-          </a:p>
-          <a:p>
-            <a:pPr lvl="2"/>
-            <a:r>
-              <a:rPr lang="en-US" sz="1900" dirty="0" smtClean="0"/>
-              <a:t>Back to μ</a:t>
-            </a:r>
-          </a:p>
-          <a:p>
-            <a:pPr lvl="2"/>
-            <a:endParaRPr lang="en-US" dirty="0" smtClean="0"/>
+            <a:endParaRPr lang="en-US" dirty="0"/>
           </a:p>
         </p:txBody>
       </p:sp>
     </p:spTree>
     <p:extLst>
       <p:ext uri="{BB962C8B-B14F-4D97-AF65-F5344CB8AC3E}">
-        <p14:creationId xmlns:p14="http://schemas.microsoft.com/office/powerpoint/2010/main" val="356588586"/>
+        <p14:creationId xmlns:p14="http://schemas.microsoft.com/office/powerpoint/2010/main" val="1098398276"/>
       </p:ext>
     </p:extLst>
   </p:cSld>
@@ -3587,7 +4995,7 @@
           <a:p>
             <a:r>
               <a:rPr lang="en-US" dirty="0" smtClean="0"/>
-              <a:t>How do we use BM and OU?</a:t>
+              <a:t>Brownian Motion</a:t>
             </a:r>
             <a:endParaRPr lang="en-US" dirty="0"/>
           </a:p>
@@ -3603,23 +5011,69 @@
             <p:ph idx="1"/>
           </p:nvPr>
         </p:nvSpPr>
-        <p:spPr/>
-        <p:txBody>
-          <a:bodyPr/>
-          <a:lstStyle/>
-          <a:p>
-            <a:r>
-              <a:rPr lang="en-US" smtClean="0"/>
-              <a:t>To estimate</a:t>
-            </a:r>
-            <a:endParaRPr lang="en-US" dirty="0"/>
+        <p:spPr>
+          <a:xfrm>
+            <a:off x="457200" y="1671755"/>
+            <a:ext cx="3000306" cy="3193914"/>
+          </a:xfrm>
+        </p:spPr>
+        <p:txBody>
+          <a:bodyPr/>
+          <a:lstStyle/>
+          <a:p>
+            <a:r>
+              <a:rPr lang="en-US" dirty="0" smtClean="0"/>
+              <a:t>No constraints</a:t>
+            </a:r>
+          </a:p>
+          <a:p>
+            <a:r>
+              <a:rPr lang="el-GR" dirty="0" smtClean="0"/>
+              <a:t>σ</a:t>
+            </a:r>
+            <a:r>
+              <a:rPr lang="el-GR" baseline="30000" dirty="0" smtClean="0"/>
+              <a:t>2</a:t>
+            </a:r>
+            <a:r>
+              <a:rPr lang="en-US" dirty="0" smtClean="0"/>
+              <a:t>: rate or </a:t>
+            </a:r>
+            <a:r>
+              <a:rPr lang="en-US" dirty="0" err="1" smtClean="0"/>
+              <a:t>sd</a:t>
+            </a:r>
+            <a:endParaRPr lang="en-US" dirty="0" smtClean="0"/>
+          </a:p>
+          <a:p>
+            <a:r>
+              <a:rPr lang="el-GR" dirty="0" smtClean="0">
+                <a:solidFill>
+                  <a:srgbClr val="FF0000"/>
+                </a:solidFill>
+              </a:rPr>
+              <a:t>μ</a:t>
+            </a:r>
+            <a:r>
+              <a:rPr lang="en-US" dirty="0" smtClean="0">
+                <a:solidFill>
+                  <a:srgbClr val="FF0000"/>
+                </a:solidFill>
+              </a:rPr>
+              <a:t>: mean</a:t>
+            </a:r>
+            <a:endParaRPr lang="en-US" dirty="0">
+              <a:solidFill>
+                <a:srgbClr val="FF0000"/>
+              </a:solidFill>
+            </a:endParaRPr>
           </a:p>
         </p:txBody>
       </p:sp>
     </p:spTree>
     <p:extLst>
       <p:ext uri="{BB962C8B-B14F-4D97-AF65-F5344CB8AC3E}">
-        <p14:creationId xmlns:p14="http://schemas.microsoft.com/office/powerpoint/2010/main" val="955027292"/>
+        <p14:creationId xmlns:p14="http://schemas.microsoft.com/office/powerpoint/2010/main" val="1098398276"/>
       </p:ext>
     </p:extLst>
   </p:cSld>
@@ -3658,42 +5112,152 @@
         </p:nvSpPr>
         <p:spPr/>
         <p:txBody>
+          <a:bodyPr/>
+          <a:lstStyle/>
+          <a:p>
+            <a:r>
+              <a:rPr lang="en-US" dirty="0" smtClean="0"/>
+              <a:t>Ornstein-</a:t>
+            </a:r>
+            <a:r>
+              <a:rPr lang="en-US" dirty="0" err="1" smtClean="0"/>
+              <a:t>Uhlenbeck</a:t>
+            </a:r>
+            <a:endParaRPr lang="en-US" dirty="0"/>
+          </a:p>
+        </p:txBody>
+      </p:sp>
+      <p:sp>
+        <p:nvSpPr>
+          <p:cNvPr id="3" name="Content Placeholder 2"/>
+          <p:cNvSpPr>
+            <a:spLocks noGrp="1"/>
+          </p:cNvSpPr>
+          <p:nvPr>
+            <p:ph idx="1"/>
+          </p:nvPr>
+        </p:nvSpPr>
+        <p:spPr>
+          <a:xfrm>
+            <a:off x="457200" y="1600200"/>
+            <a:ext cx="3263000" cy="4525963"/>
+          </a:xfrm>
+        </p:spPr>
+        <p:txBody>
           <a:bodyPr>
-            <a:normAutofit fontScale="90000"/>
+            <a:normAutofit fontScale="92500" lnSpcReduction="10000"/>
           </a:bodyPr>
           <a:lstStyle/>
           <a:p>
             <a:r>
-              <a:rPr lang="en-US" dirty="0" smtClean="0"/>
-              <a:t>Does population structure—bottleneck—affect the variance? </a:t>
-            </a:r>
-            <a:endParaRPr lang="en-US" dirty="0"/>
-          </a:p>
-        </p:txBody>
-      </p:sp>
-      <p:sp>
-        <p:nvSpPr>
-          <p:cNvPr id="3" name="Content Placeholder 2"/>
-          <p:cNvSpPr>
-            <a:spLocks noGrp="1"/>
-          </p:cNvSpPr>
-          <p:nvPr>
-            <p:ph idx="1"/>
-          </p:nvPr>
-        </p:nvSpPr>
-        <p:spPr/>
-        <p:txBody>
-          <a:bodyPr/>
-          <a:lstStyle/>
-          <a:p>
-            <a:endParaRPr lang="en-US" dirty="0"/>
+              <a:rPr lang="en-US" sz="3500" dirty="0" smtClean="0">
+                <a:solidFill>
+                  <a:srgbClr val="FF0000"/>
+                </a:solidFill>
+              </a:rPr>
+              <a:t>“Rubber band” soft-bounds</a:t>
+            </a:r>
+          </a:p>
+          <a:p>
+            <a:r>
+              <a:rPr lang="el-GR" sz="3500" dirty="0" smtClean="0"/>
+              <a:t>σ</a:t>
+            </a:r>
+            <a:r>
+              <a:rPr lang="el-GR" sz="3500" baseline="30000" dirty="0" smtClean="0"/>
+              <a:t>2</a:t>
+            </a:r>
+            <a:r>
+              <a:rPr lang="en-US" sz="3500" dirty="0" smtClean="0"/>
+              <a:t>: rate or </a:t>
+            </a:r>
+            <a:r>
+              <a:rPr lang="en-US" sz="3500" dirty="0" err="1" smtClean="0"/>
+              <a:t>sd</a:t>
+            </a:r>
+            <a:endParaRPr lang="en-US" sz="3500" baseline="30000" dirty="0" smtClean="0"/>
+          </a:p>
+          <a:p>
+            <a:r>
+              <a:rPr lang="el-GR" sz="3500" i="0" dirty="0" smtClean="0">
+                <a:ea typeface="Lucida Grande"/>
+                <a:cs typeface="Lucida Grande"/>
+              </a:rPr>
+              <a:t>μ</a:t>
+            </a:r>
+            <a:r>
+              <a:rPr lang="en-US" sz="3500" dirty="0" smtClean="0">
+                <a:ea typeface="Lucida Grande"/>
+                <a:cs typeface="Lucida Grande"/>
+              </a:rPr>
+              <a:t>: mean</a:t>
+            </a:r>
+            <a:endParaRPr lang="en-US" sz="3500" dirty="0" smtClean="0"/>
+          </a:p>
+          <a:p>
+            <a:r>
+              <a:rPr lang="el-GR" sz="3500" i="0" dirty="0" smtClean="0">
+                <a:ea typeface="Lucida Grande"/>
+                <a:cs typeface="Lucida Grande"/>
+              </a:rPr>
+              <a:t>θ</a:t>
+            </a:r>
+            <a:r>
+              <a:rPr lang="en-US" sz="3500" i="0" dirty="0" smtClean="0">
+                <a:ea typeface="Lucida Grande"/>
+                <a:cs typeface="Lucida Grande"/>
+              </a:rPr>
+              <a:t>: rate of mean-reversion</a:t>
+            </a:r>
+            <a:endParaRPr lang="en-US" sz="3500" dirty="0" smtClean="0"/>
+          </a:p>
+          <a:p>
+            <a:pPr lvl="1"/>
+            <a:r>
+              <a:rPr lang="el-GR" sz="1900" dirty="0" smtClean="0"/>
+              <a:t>θ</a:t>
+            </a:r>
+            <a:r>
+              <a:rPr lang="en-US" sz="1900" dirty="0" smtClean="0"/>
+              <a:t> = 0</a:t>
+            </a:r>
+          </a:p>
+          <a:p>
+            <a:pPr lvl="2"/>
+            <a:r>
+              <a:rPr lang="en-US" sz="1900" dirty="0" smtClean="0"/>
+              <a:t>BM</a:t>
+            </a:r>
+          </a:p>
+          <a:p>
+            <a:pPr lvl="1"/>
+            <a:r>
+              <a:rPr lang="el-GR" sz="1900" dirty="0" smtClean="0"/>
+              <a:t>θ</a:t>
+            </a:r>
+            <a:r>
+              <a:rPr lang="en-US" sz="1900" dirty="0" smtClean="0"/>
+              <a:t> = 1 </a:t>
+            </a:r>
+            <a:endParaRPr lang="en-US" sz="1900" dirty="0"/>
+          </a:p>
+          <a:p>
+            <a:pPr lvl="2"/>
+            <a:r>
+              <a:rPr lang="en-US" sz="1900" dirty="0" smtClean="0"/>
+              <a:t>Back to μ</a:t>
+            </a:r>
+          </a:p>
+          <a:p>
+            <a:pPr lvl="2"/>
+            <a:endParaRPr lang="en-US" dirty="0" smtClean="0"/>
           </a:p>
         </p:txBody>
       </p:sp>
     </p:spTree>
     <p:extLst>
       <p:ext uri="{BB962C8B-B14F-4D97-AF65-F5344CB8AC3E}">
-        <p14:creationId xmlns:p14="http://schemas.microsoft.com/office/powerpoint/2010/main" val="1396534205"/>
+        <p14:creationId xmlns:p14="http://schemas.microsoft.com/office/powerpoint/2010/main" val="356588586"/>
       </p:ext>
     </p:extLst>
   </p:cSld>
@@ -3735,7 +5299,15 @@
           <a:bodyPr/>
           <a:lstStyle/>
           <a:p>
-            <a:endParaRPr lang="en-US"/>
+            <a:r>
+              <a:rPr lang="en-US" dirty="0" smtClean="0"/>
+              <a:t>Ornstein-</a:t>
+            </a:r>
+            <a:r>
+              <a:rPr lang="en-US" dirty="0" err="1" smtClean="0"/>
+              <a:t>Uhlenbeck</a:t>
+            </a:r>
+            <a:endParaRPr lang="en-US" dirty="0"/>
           </a:p>
         </p:txBody>
       </p:sp>
@@ -3749,19 +5321,143 @@
             <p:ph idx="1"/>
           </p:nvPr>
         </p:nvSpPr>
-        <p:spPr/>
-        <p:txBody>
-          <a:bodyPr/>
-          <a:lstStyle/>
-          <a:p>
-            <a:endParaRPr lang="en-US"/>
+        <p:spPr>
+          <a:xfrm>
+            <a:off x="457200" y="1600200"/>
+            <a:ext cx="3263000" cy="4525963"/>
+          </a:xfrm>
+        </p:spPr>
+        <p:txBody>
+          <a:bodyPr>
+            <a:normAutofit fontScale="92500" lnSpcReduction="10000"/>
+          </a:bodyPr>
+          <a:lstStyle/>
+          <a:p>
+            <a:r>
+              <a:rPr lang="en-US" sz="3500" dirty="0" smtClean="0"/>
+              <a:t>“Rubber band” soft-bounds</a:t>
+            </a:r>
+          </a:p>
+          <a:p>
+            <a:r>
+              <a:rPr lang="el-GR" sz="3500" dirty="0" smtClean="0">
+                <a:solidFill>
+                  <a:srgbClr val="FF0000"/>
+                </a:solidFill>
+              </a:rPr>
+              <a:t>σ</a:t>
+            </a:r>
+            <a:r>
+              <a:rPr lang="el-GR" sz="3500" baseline="30000" dirty="0" smtClean="0">
+                <a:solidFill>
+                  <a:srgbClr val="FF0000"/>
+                </a:solidFill>
+              </a:rPr>
+              <a:t>2</a:t>
+            </a:r>
+            <a:r>
+              <a:rPr lang="en-US" sz="3500" dirty="0" smtClean="0">
+                <a:solidFill>
+                  <a:srgbClr val="FF0000"/>
+                </a:solidFill>
+              </a:rPr>
+              <a:t>: rate or </a:t>
+            </a:r>
+            <a:r>
+              <a:rPr lang="en-US" sz="3500" dirty="0" err="1" smtClean="0">
+                <a:solidFill>
+                  <a:srgbClr val="FF0000"/>
+                </a:solidFill>
+              </a:rPr>
+              <a:t>sd</a:t>
+            </a:r>
+            <a:endParaRPr lang="en-US" sz="3500" baseline="30000" dirty="0" smtClean="0">
+              <a:solidFill>
+                <a:srgbClr val="FF0000"/>
+              </a:solidFill>
+            </a:endParaRPr>
+          </a:p>
+          <a:p>
+            <a:r>
+              <a:rPr lang="el-GR" sz="3500" i="0" dirty="0" smtClean="0">
+                <a:ea typeface="Lucida Grande"/>
+                <a:cs typeface="Lucida Grande"/>
+              </a:rPr>
+              <a:t>μ</a:t>
+            </a:r>
+            <a:r>
+              <a:rPr lang="en-US" sz="3500" dirty="0" smtClean="0">
+                <a:ea typeface="Lucida Grande"/>
+                <a:cs typeface="Lucida Grande"/>
+              </a:rPr>
+              <a:t>: mean</a:t>
+            </a:r>
+            <a:endParaRPr lang="en-US" sz="3500" dirty="0" smtClean="0"/>
+          </a:p>
+          <a:p>
+            <a:r>
+              <a:rPr lang="el-GR" sz="3500" i="0" dirty="0" smtClean="0">
+                <a:ea typeface="Lucida Grande"/>
+                <a:cs typeface="Lucida Grande"/>
+              </a:rPr>
+              <a:t>θ</a:t>
+            </a:r>
+            <a:r>
+              <a:rPr lang="en-US" sz="3500" i="0" dirty="0" smtClean="0">
+                <a:ea typeface="Lucida Grande"/>
+                <a:cs typeface="Lucida Grande"/>
+              </a:rPr>
+              <a:t>: rate of mean-reversion</a:t>
+            </a:r>
+            <a:endParaRPr lang="en-US" sz="3500" dirty="0" smtClean="0"/>
+          </a:p>
+          <a:p>
+            <a:pPr lvl="1"/>
+            <a:r>
+              <a:rPr lang="el-GR" sz="1900" dirty="0" smtClean="0"/>
+              <a:t>θ</a:t>
+            </a:r>
+            <a:r>
+              <a:rPr lang="en-US" sz="1900" dirty="0" smtClean="0"/>
+              <a:t> = 0</a:t>
+            </a:r>
+          </a:p>
+          <a:p>
+            <a:pPr lvl="2"/>
+            <a:r>
+              <a:rPr lang="en-US" sz="1900" dirty="0" smtClean="0"/>
+              <a:t>BM</a:t>
+            </a:r>
+          </a:p>
+          <a:p>
+            <a:pPr lvl="1"/>
+            <a:r>
+              <a:rPr lang="el-GR" sz="1900" dirty="0" smtClean="0"/>
+              <a:t>θ</a:t>
+            </a:r>
+            <a:r>
+              <a:rPr lang="en-US" sz="1900" dirty="0" smtClean="0"/>
+              <a:t> = 1 </a:t>
+            </a:r>
+            <a:endParaRPr lang="en-US" sz="1900" dirty="0"/>
+          </a:p>
+          <a:p>
+            <a:pPr lvl="2"/>
+            <a:r>
+              <a:rPr lang="en-US" sz="1900" dirty="0" smtClean="0"/>
+              <a:t>Back to μ</a:t>
+            </a:r>
+          </a:p>
+          <a:p>
+            <a:pPr lvl="2"/>
+            <a:endParaRPr lang="en-US" dirty="0" smtClean="0"/>
           </a:p>
         </p:txBody>
       </p:sp>
     </p:spTree>
     <p:extLst>
       <p:ext uri="{BB962C8B-B14F-4D97-AF65-F5344CB8AC3E}">
-        <p14:creationId xmlns:p14="http://schemas.microsoft.com/office/powerpoint/2010/main" val="1588106317"/>
+        <p14:creationId xmlns:p14="http://schemas.microsoft.com/office/powerpoint/2010/main" val="2885123428"/>
       </p:ext>
     </p:extLst>
   </p:cSld>
@@ -3803,7 +5499,15 @@
           <a:bodyPr/>
           <a:lstStyle/>
           <a:p>
-            <a:endParaRPr lang="en-US"/>
+            <a:r>
+              <a:rPr lang="en-US" dirty="0" smtClean="0"/>
+              <a:t>Ornstein-</a:t>
+            </a:r>
+            <a:r>
+              <a:rPr lang="en-US" dirty="0" err="1" smtClean="0"/>
+              <a:t>Uhlenbeck</a:t>
+            </a:r>
+            <a:endParaRPr lang="en-US" dirty="0"/>
           </a:p>
         </p:txBody>
       </p:sp>
@@ -3817,19 +5521,323 @@
             <p:ph idx="1"/>
           </p:nvPr>
         </p:nvSpPr>
-        <p:spPr/>
-        <p:txBody>
-          <a:bodyPr/>
-          <a:lstStyle/>
-          <a:p>
-            <a:endParaRPr lang="en-US"/>
+        <p:spPr>
+          <a:xfrm>
+            <a:off x="457200" y="1600200"/>
+            <a:ext cx="3263000" cy="4525963"/>
+          </a:xfrm>
+        </p:spPr>
+        <p:txBody>
+          <a:bodyPr>
+            <a:normAutofit fontScale="92500" lnSpcReduction="10000"/>
+          </a:bodyPr>
+          <a:lstStyle/>
+          <a:p>
+            <a:r>
+              <a:rPr lang="en-US" sz="3500" dirty="0" smtClean="0"/>
+              <a:t>“Rubber band” soft-bounds</a:t>
+            </a:r>
+          </a:p>
+          <a:p>
+            <a:r>
+              <a:rPr lang="el-GR" sz="3500" dirty="0" smtClean="0"/>
+              <a:t>σ</a:t>
+            </a:r>
+            <a:r>
+              <a:rPr lang="el-GR" sz="3500" baseline="30000" dirty="0" smtClean="0"/>
+              <a:t>2</a:t>
+            </a:r>
+            <a:r>
+              <a:rPr lang="en-US" sz="3500" dirty="0" smtClean="0"/>
+              <a:t>: rate or </a:t>
+            </a:r>
+            <a:r>
+              <a:rPr lang="en-US" sz="3500" dirty="0" err="1" smtClean="0"/>
+              <a:t>sd</a:t>
+            </a:r>
+            <a:endParaRPr lang="en-US" sz="3500" baseline="30000" dirty="0" smtClean="0"/>
+          </a:p>
+          <a:p>
+            <a:r>
+              <a:rPr lang="el-GR" sz="3500" i="0" dirty="0" smtClean="0">
+                <a:solidFill>
+                  <a:srgbClr val="FF0000"/>
+                </a:solidFill>
+                <a:ea typeface="Lucida Grande"/>
+                <a:cs typeface="Lucida Grande"/>
+              </a:rPr>
+              <a:t>μ</a:t>
+            </a:r>
+            <a:r>
+              <a:rPr lang="en-US" sz="3500" dirty="0" smtClean="0">
+                <a:solidFill>
+                  <a:srgbClr val="FF0000"/>
+                </a:solidFill>
+                <a:ea typeface="Lucida Grande"/>
+                <a:cs typeface="Lucida Grande"/>
+              </a:rPr>
+              <a:t>: mean</a:t>
+            </a:r>
+            <a:endParaRPr lang="en-US" sz="3500" dirty="0" smtClean="0">
+              <a:solidFill>
+                <a:srgbClr val="FF0000"/>
+              </a:solidFill>
+            </a:endParaRPr>
+          </a:p>
+          <a:p>
+            <a:r>
+              <a:rPr lang="el-GR" sz="3500" i="0" dirty="0" smtClean="0">
+                <a:ea typeface="Lucida Grande"/>
+                <a:cs typeface="Lucida Grande"/>
+              </a:rPr>
+              <a:t>θ</a:t>
+            </a:r>
+            <a:r>
+              <a:rPr lang="en-US" sz="3500" i="0" dirty="0" smtClean="0">
+                <a:ea typeface="Lucida Grande"/>
+                <a:cs typeface="Lucida Grande"/>
+              </a:rPr>
+              <a:t>: rate of mean-reversion</a:t>
+            </a:r>
+            <a:endParaRPr lang="en-US" sz="3500" dirty="0" smtClean="0"/>
+          </a:p>
+          <a:p>
+            <a:pPr lvl="1"/>
+            <a:r>
+              <a:rPr lang="el-GR" sz="1900" dirty="0" smtClean="0"/>
+              <a:t>θ</a:t>
+            </a:r>
+            <a:r>
+              <a:rPr lang="en-US" sz="1900" dirty="0" smtClean="0"/>
+              <a:t> = 0</a:t>
+            </a:r>
+          </a:p>
+          <a:p>
+            <a:pPr lvl="2"/>
+            <a:r>
+              <a:rPr lang="en-US" sz="1900" dirty="0" smtClean="0"/>
+              <a:t>BM</a:t>
+            </a:r>
+          </a:p>
+          <a:p>
+            <a:pPr lvl="1"/>
+            <a:r>
+              <a:rPr lang="el-GR" sz="1900" dirty="0" smtClean="0"/>
+              <a:t>θ</a:t>
+            </a:r>
+            <a:r>
+              <a:rPr lang="en-US" sz="1900" dirty="0" smtClean="0"/>
+              <a:t> = 1 </a:t>
+            </a:r>
+            <a:endParaRPr lang="en-US" sz="1900" dirty="0"/>
+          </a:p>
+          <a:p>
+            <a:pPr lvl="2"/>
+            <a:r>
+              <a:rPr lang="en-US" sz="1900" dirty="0" smtClean="0"/>
+              <a:t>Back to μ</a:t>
+            </a:r>
+          </a:p>
+          <a:p>
+            <a:pPr lvl="2"/>
+            <a:endParaRPr lang="en-US" dirty="0" smtClean="0"/>
           </a:p>
         </p:txBody>
       </p:sp>
     </p:spTree>
     <p:extLst>
       <p:ext uri="{BB962C8B-B14F-4D97-AF65-F5344CB8AC3E}">
-        <p14:creationId xmlns:p14="http://schemas.microsoft.com/office/powerpoint/2010/main" val="1980410066"/>
+        <p14:creationId xmlns:p14="http://schemas.microsoft.com/office/powerpoint/2010/main" val="2885123428"/>
+      </p:ext>
+    </p:extLst>
+  </p:cSld>
+  <p:clrMapOvr>
+    <a:masterClrMapping/>
+  </p:clrMapOvr>
+</p:sld>
+</file>
+
+<file path=ppt/slides/slide9.xml><?xml version="1.0" encoding="utf-8"?>
+<p:sld xmlns:a="http://schemas.openxmlformats.org/drawingml/2006/main" xmlns:r="http://schemas.openxmlformats.org/officeDocument/2006/relationships" xmlns:p="http://schemas.openxmlformats.org/presentationml/2006/main">
+  <p:cSld>
+    <p:spTree>
+      <p:nvGrpSpPr>
+        <p:cNvPr id="1" name=""/>
+        <p:cNvGrpSpPr/>
+        <p:nvPr/>
+      </p:nvGrpSpPr>
+      <p:grpSpPr>
+        <a:xfrm>
+          <a:off x="0" y="0"/>
+          <a:ext cx="0" cy="0"/>
+          <a:chOff x="0" y="0"/>
+          <a:chExt cx="0" cy="0"/>
+        </a:xfrm>
+      </p:grpSpPr>
+      <p:sp>
+        <p:nvSpPr>
+          <p:cNvPr id="2" name="Title 1"/>
+          <p:cNvSpPr>
+            <a:spLocks noGrp="1"/>
+          </p:cNvSpPr>
+          <p:nvPr>
+            <p:ph type="title"/>
+          </p:nvPr>
+        </p:nvSpPr>
+        <p:spPr/>
+        <p:txBody>
+          <a:bodyPr/>
+          <a:lstStyle/>
+          <a:p>
+            <a:r>
+              <a:rPr lang="en-US" dirty="0" smtClean="0"/>
+              <a:t>Ornstein-</a:t>
+            </a:r>
+            <a:r>
+              <a:rPr lang="en-US" dirty="0" err="1" smtClean="0"/>
+              <a:t>Uhlenbeck</a:t>
+            </a:r>
+            <a:endParaRPr lang="en-US" dirty="0"/>
+          </a:p>
+        </p:txBody>
+      </p:sp>
+      <p:sp>
+        <p:nvSpPr>
+          <p:cNvPr id="3" name="Content Placeholder 2"/>
+          <p:cNvSpPr>
+            <a:spLocks noGrp="1"/>
+          </p:cNvSpPr>
+          <p:nvPr>
+            <p:ph idx="1"/>
+          </p:nvPr>
+        </p:nvSpPr>
+        <p:spPr>
+          <a:xfrm>
+            <a:off x="457200" y="1600200"/>
+            <a:ext cx="3263000" cy="4525963"/>
+          </a:xfrm>
+        </p:spPr>
+        <p:txBody>
+          <a:bodyPr>
+            <a:normAutofit fontScale="92500" lnSpcReduction="10000"/>
+          </a:bodyPr>
+          <a:lstStyle/>
+          <a:p>
+            <a:r>
+              <a:rPr lang="en-US" sz="3500" dirty="0" smtClean="0"/>
+              <a:t>“Rubber band” soft-bounds</a:t>
+            </a:r>
+          </a:p>
+          <a:p>
+            <a:r>
+              <a:rPr lang="el-GR" sz="3500" dirty="0" smtClean="0"/>
+              <a:t>σ</a:t>
+            </a:r>
+            <a:r>
+              <a:rPr lang="el-GR" sz="3500" baseline="30000" dirty="0" smtClean="0"/>
+              <a:t>2</a:t>
+            </a:r>
+            <a:r>
+              <a:rPr lang="en-US" sz="3500" dirty="0" smtClean="0"/>
+              <a:t>: rate or </a:t>
+            </a:r>
+            <a:r>
+              <a:rPr lang="en-US" sz="3500" dirty="0" err="1" smtClean="0"/>
+              <a:t>sd</a:t>
+            </a:r>
+            <a:endParaRPr lang="en-US" sz="3500" baseline="30000" dirty="0" smtClean="0"/>
+          </a:p>
+          <a:p>
+            <a:r>
+              <a:rPr lang="el-GR" sz="3500" i="0" dirty="0" smtClean="0">
+                <a:ea typeface="Lucida Grande"/>
+                <a:cs typeface="Lucida Grande"/>
+              </a:rPr>
+              <a:t>μ</a:t>
+            </a:r>
+            <a:r>
+              <a:rPr lang="en-US" sz="3500" dirty="0" smtClean="0">
+                <a:ea typeface="Lucida Grande"/>
+                <a:cs typeface="Lucida Grande"/>
+              </a:rPr>
+              <a:t>: mean</a:t>
+            </a:r>
+            <a:endParaRPr lang="en-US" sz="3500" dirty="0" smtClean="0"/>
+          </a:p>
+          <a:p>
+            <a:r>
+              <a:rPr lang="el-GR" sz="3500" i="0" dirty="0" smtClean="0">
+                <a:solidFill>
+                  <a:srgbClr val="FF0000"/>
+                </a:solidFill>
+                <a:ea typeface="Lucida Grande"/>
+                <a:cs typeface="Lucida Grande"/>
+              </a:rPr>
+              <a:t>θ</a:t>
+            </a:r>
+            <a:r>
+              <a:rPr lang="en-US" sz="3500" i="0" dirty="0" smtClean="0">
+                <a:solidFill>
+                  <a:srgbClr val="FF0000"/>
+                </a:solidFill>
+                <a:ea typeface="Lucida Grande"/>
+                <a:cs typeface="Lucida Grande"/>
+              </a:rPr>
+              <a:t>: rate of mean-reversion</a:t>
+            </a:r>
+            <a:endParaRPr lang="en-US" sz="3500" dirty="0" smtClean="0">
+              <a:solidFill>
+                <a:srgbClr val="FF0000"/>
+              </a:solidFill>
+            </a:endParaRPr>
+          </a:p>
+          <a:p>
+            <a:pPr lvl="1"/>
+            <a:r>
+              <a:rPr lang="el-GR" sz="1900" dirty="0" smtClean="0"/>
+              <a:t>θ</a:t>
+            </a:r>
+            <a:r>
+              <a:rPr lang="en-US" sz="1900" dirty="0" smtClean="0"/>
+              <a:t> = 0</a:t>
+            </a:r>
+          </a:p>
+          <a:p>
+            <a:pPr lvl="2"/>
+            <a:r>
+              <a:rPr lang="en-US" sz="1900" dirty="0" smtClean="0"/>
+              <a:t>BM</a:t>
+            </a:r>
+          </a:p>
+          <a:p>
+            <a:pPr lvl="1"/>
+            <a:r>
+              <a:rPr lang="el-GR" sz="1900" dirty="0" smtClean="0"/>
+              <a:t>θ</a:t>
+            </a:r>
+            <a:r>
+              <a:rPr lang="en-US" sz="1900" dirty="0" smtClean="0"/>
+              <a:t> = 1 </a:t>
+            </a:r>
+            <a:endParaRPr lang="en-US" sz="1900" dirty="0"/>
+          </a:p>
+          <a:p>
+            <a:pPr lvl="2"/>
+            <a:r>
+              <a:rPr lang="en-US" sz="1900" dirty="0" smtClean="0"/>
+              <a:t>Back to μ</a:t>
+            </a:r>
+          </a:p>
+          <a:p>
+            <a:pPr lvl="2"/>
+            <a:endParaRPr lang="en-US" dirty="0" smtClean="0"/>
+          </a:p>
+        </p:txBody>
+      </p:sp>
+    </p:spTree>
+    <p:extLst>
+      <p:ext uri="{BB962C8B-B14F-4D97-AF65-F5344CB8AC3E}">
+        <p14:creationId xmlns:p14="http://schemas.microsoft.com/office/powerpoint/2010/main" val="2885123428"/>
       </p:ext>
     </p:extLst>
   </p:cSld>

--- a/bottleneck_pres.pptx
+++ b/bottleneck_pres.pptx
@@ -7,22 +7,25 @@
   <p:sldIdLst>
     <p:sldId id="256" r:id="rId2"/>
     <p:sldId id="260" r:id="rId3"/>
-    <p:sldId id="261" r:id="rId4"/>
-    <p:sldId id="269" r:id="rId5"/>
-    <p:sldId id="270" r:id="rId6"/>
-    <p:sldId id="262" r:id="rId7"/>
-    <p:sldId id="271" r:id="rId8"/>
-    <p:sldId id="272" r:id="rId9"/>
-    <p:sldId id="273" r:id="rId10"/>
-    <p:sldId id="263" r:id="rId11"/>
-    <p:sldId id="257" r:id="rId12"/>
-    <p:sldId id="264" r:id="rId13"/>
-    <p:sldId id="265" r:id="rId14"/>
-    <p:sldId id="267" r:id="rId15"/>
-    <p:sldId id="268" r:id="rId16"/>
-    <p:sldId id="266" r:id="rId17"/>
-    <p:sldId id="258" r:id="rId18"/>
-    <p:sldId id="259" r:id="rId19"/>
+    <p:sldId id="274" r:id="rId4"/>
+    <p:sldId id="275" r:id="rId5"/>
+    <p:sldId id="276" r:id="rId6"/>
+    <p:sldId id="261" r:id="rId7"/>
+    <p:sldId id="269" r:id="rId8"/>
+    <p:sldId id="270" r:id="rId9"/>
+    <p:sldId id="262" r:id="rId10"/>
+    <p:sldId id="271" r:id="rId11"/>
+    <p:sldId id="272" r:id="rId12"/>
+    <p:sldId id="273" r:id="rId13"/>
+    <p:sldId id="263" r:id="rId14"/>
+    <p:sldId id="257" r:id="rId15"/>
+    <p:sldId id="264" r:id="rId16"/>
+    <p:sldId id="265" r:id="rId17"/>
+    <p:sldId id="267" r:id="rId18"/>
+    <p:sldId id="268" r:id="rId19"/>
+    <p:sldId id="266" r:id="rId20"/>
+    <p:sldId id="258" r:id="rId21"/>
+    <p:sldId id="259" r:id="rId22"/>
   </p:sldIdLst>
   <p:sldSz cx="9144000" cy="6858000" type="screen4x3"/>
   <p:notesSz cx="6858000" cy="9144000"/>
@@ -3209,7 +3212,11 @@
           <a:p>
             <a:r>
               <a:rPr lang="en-US" dirty="0" smtClean="0"/>
-              <a:t>How do we use BM and OU?</a:t>
+              <a:t>Ornstein-</a:t>
+            </a:r>
+            <a:r>
+              <a:rPr lang="en-US" dirty="0" err="1" smtClean="0"/>
+              <a:t>Uhlenbeck</a:t>
             </a:r>
             <a:endParaRPr lang="en-US" dirty="0"/>
           </a:p>
@@ -3225,23 +3232,143 @@
             <p:ph idx="1"/>
           </p:nvPr>
         </p:nvSpPr>
-        <p:spPr/>
-        <p:txBody>
-          <a:bodyPr/>
-          <a:lstStyle/>
-          <a:p>
-            <a:r>
-              <a:rPr lang="en-US" dirty="0" smtClean="0"/>
-              <a:t>To estimate</a:t>
-            </a:r>
-            <a:endParaRPr lang="en-US" dirty="0"/>
+        <p:spPr>
+          <a:xfrm>
+            <a:off x="457200" y="1600200"/>
+            <a:ext cx="3263000" cy="4525963"/>
+          </a:xfrm>
+        </p:spPr>
+        <p:txBody>
+          <a:bodyPr>
+            <a:normAutofit fontScale="92500" lnSpcReduction="10000"/>
+          </a:bodyPr>
+          <a:lstStyle/>
+          <a:p>
+            <a:r>
+              <a:rPr lang="en-US" sz="3500" dirty="0" smtClean="0"/>
+              <a:t>“Rubber band” soft-bounds</a:t>
+            </a:r>
+          </a:p>
+          <a:p>
+            <a:r>
+              <a:rPr lang="el-GR" sz="3500" dirty="0" smtClean="0">
+                <a:solidFill>
+                  <a:srgbClr val="FF0000"/>
+                </a:solidFill>
+              </a:rPr>
+              <a:t>σ</a:t>
+            </a:r>
+            <a:r>
+              <a:rPr lang="el-GR" sz="3500" baseline="30000" dirty="0" smtClean="0">
+                <a:solidFill>
+                  <a:srgbClr val="FF0000"/>
+                </a:solidFill>
+              </a:rPr>
+              <a:t>2</a:t>
+            </a:r>
+            <a:r>
+              <a:rPr lang="en-US" sz="3500" dirty="0" smtClean="0">
+                <a:solidFill>
+                  <a:srgbClr val="FF0000"/>
+                </a:solidFill>
+              </a:rPr>
+              <a:t>: rate or </a:t>
+            </a:r>
+            <a:r>
+              <a:rPr lang="en-US" sz="3500" dirty="0" err="1" smtClean="0">
+                <a:solidFill>
+                  <a:srgbClr val="FF0000"/>
+                </a:solidFill>
+              </a:rPr>
+              <a:t>sd</a:t>
+            </a:r>
+            <a:endParaRPr lang="en-US" sz="3500" baseline="30000" dirty="0" smtClean="0">
+              <a:solidFill>
+                <a:srgbClr val="FF0000"/>
+              </a:solidFill>
+            </a:endParaRPr>
+          </a:p>
+          <a:p>
+            <a:r>
+              <a:rPr lang="el-GR" sz="3500" i="0" dirty="0" smtClean="0">
+                <a:ea typeface="Lucida Grande"/>
+                <a:cs typeface="Lucida Grande"/>
+              </a:rPr>
+              <a:t>μ</a:t>
+            </a:r>
+            <a:r>
+              <a:rPr lang="en-US" sz="3500" dirty="0" smtClean="0">
+                <a:ea typeface="Lucida Grande"/>
+                <a:cs typeface="Lucida Grande"/>
+              </a:rPr>
+              <a:t>: mean</a:t>
+            </a:r>
+            <a:endParaRPr lang="en-US" sz="3500" dirty="0" smtClean="0"/>
+          </a:p>
+          <a:p>
+            <a:r>
+              <a:rPr lang="el-GR" sz="3500" i="0" dirty="0" smtClean="0">
+                <a:ea typeface="Lucida Grande"/>
+                <a:cs typeface="Lucida Grande"/>
+              </a:rPr>
+              <a:t>θ</a:t>
+            </a:r>
+            <a:r>
+              <a:rPr lang="en-US" sz="3500" i="0" dirty="0" smtClean="0">
+                <a:ea typeface="Lucida Grande"/>
+                <a:cs typeface="Lucida Grande"/>
+              </a:rPr>
+              <a:t>: rate of mean-reversion</a:t>
+            </a:r>
+            <a:endParaRPr lang="en-US" sz="3500" dirty="0" smtClean="0"/>
+          </a:p>
+          <a:p>
+            <a:pPr lvl="1"/>
+            <a:r>
+              <a:rPr lang="el-GR" sz="1900" dirty="0" smtClean="0"/>
+              <a:t>θ</a:t>
+            </a:r>
+            <a:r>
+              <a:rPr lang="en-US" sz="1900" dirty="0" smtClean="0"/>
+              <a:t> = 0</a:t>
+            </a:r>
+          </a:p>
+          <a:p>
+            <a:pPr lvl="2"/>
+            <a:r>
+              <a:rPr lang="en-US" sz="1900" dirty="0" smtClean="0"/>
+              <a:t>BM</a:t>
+            </a:r>
+          </a:p>
+          <a:p>
+            <a:pPr lvl="1"/>
+            <a:r>
+              <a:rPr lang="el-GR" sz="1900" dirty="0" smtClean="0"/>
+              <a:t>θ</a:t>
+            </a:r>
+            <a:r>
+              <a:rPr lang="en-US" sz="1900" dirty="0" smtClean="0"/>
+              <a:t> = 1 </a:t>
+            </a:r>
+            <a:endParaRPr lang="en-US" sz="1900" dirty="0"/>
+          </a:p>
+          <a:p>
+            <a:pPr lvl="2"/>
+            <a:r>
+              <a:rPr lang="en-US" sz="1900" dirty="0" smtClean="0"/>
+              <a:t>Back to μ</a:t>
+            </a:r>
+          </a:p>
+          <a:p>
+            <a:pPr lvl="2"/>
+            <a:endParaRPr lang="en-US" dirty="0" smtClean="0"/>
           </a:p>
         </p:txBody>
       </p:sp>
     </p:spTree>
     <p:extLst>
       <p:ext uri="{BB962C8B-B14F-4D97-AF65-F5344CB8AC3E}">
-        <p14:creationId xmlns:p14="http://schemas.microsoft.com/office/powerpoint/2010/main" val="955027292"/>
+        <p14:creationId xmlns:p14="http://schemas.microsoft.com/office/powerpoint/2010/main" val="2885123428"/>
       </p:ext>
     </p:extLst>
   </p:cSld>
@@ -3280,14 +3407,16 @@
         </p:nvSpPr>
         <p:spPr/>
         <p:txBody>
-          <a:bodyPr>
-            <a:normAutofit/>
-          </a:bodyPr>
+          <a:bodyPr/>
           <a:lstStyle/>
           <a:p>
             <a:r>
               <a:rPr lang="en-US" dirty="0" smtClean="0"/>
-              <a:t>Do bottlenecks affect the variance? </a:t>
+              <a:t>Ornstein-</a:t>
+            </a:r>
+            <a:r>
+              <a:rPr lang="en-US" dirty="0" err="1" smtClean="0"/>
+              <a:t>Uhlenbeck</a:t>
             </a:r>
             <a:endParaRPr lang="en-US" dirty="0"/>
           </a:p>
@@ -3305,31 +3434,131 @@
         </p:nvSpPr>
         <p:spPr>
           <a:xfrm>
-            <a:off x="457200" y="5777983"/>
-            <a:ext cx="1510213" cy="715540"/>
+            <a:off x="457200" y="1600200"/>
+            <a:ext cx="3263000" cy="4525963"/>
           </a:xfrm>
         </p:spPr>
         <p:txBody>
           <a:bodyPr>
-            <a:noAutofit/>
+            <a:normAutofit fontScale="92500" lnSpcReduction="10000"/>
           </a:bodyPr>
           <a:lstStyle/>
           <a:p>
-            <a:pPr marL="0" indent="0">
-              <a:buNone/>
-            </a:pPr>
-            <a:r>
-              <a:rPr lang="en-US" sz="4000" dirty="0" smtClean="0"/>
+            <a:r>
+              <a:rPr lang="en-US" sz="3500" dirty="0" smtClean="0"/>
+              <a:t>“Rubber band” soft-bounds</a:t>
+            </a:r>
+          </a:p>
+          <a:p>
+            <a:r>
+              <a:rPr lang="el-GR" sz="3500" dirty="0" smtClean="0"/>
+              <a:t>σ</a:t>
+            </a:r>
+            <a:r>
+              <a:rPr lang="el-GR" sz="3500" baseline="30000" dirty="0" smtClean="0"/>
+              <a:t>2</a:t>
+            </a:r>
+            <a:r>
+              <a:rPr lang="en-US" sz="3500" dirty="0" smtClean="0"/>
+              <a:t>: rate or </a:t>
+            </a:r>
+            <a:r>
+              <a:rPr lang="en-US" sz="3500" dirty="0" err="1" smtClean="0"/>
+              <a:t>sd</a:t>
+            </a:r>
+            <a:endParaRPr lang="en-US" sz="3500" baseline="30000" dirty="0" smtClean="0"/>
+          </a:p>
+          <a:p>
+            <a:r>
+              <a:rPr lang="el-GR" sz="3500" i="0" dirty="0" smtClean="0">
+                <a:solidFill>
+                  <a:srgbClr val="FF0000"/>
+                </a:solidFill>
+                <a:ea typeface="Lucida Grande"/>
+                <a:cs typeface="Lucida Grande"/>
+              </a:rPr>
+              <a:t>μ</a:t>
+            </a:r>
+            <a:r>
+              <a:rPr lang="en-US" sz="3500" dirty="0" smtClean="0">
+                <a:solidFill>
+                  <a:srgbClr val="FF0000"/>
+                </a:solidFill>
+                <a:ea typeface="Lucida Grande"/>
+                <a:cs typeface="Lucida Grande"/>
+              </a:rPr>
+              <a:t>: mean</a:t>
+            </a:r>
+            <a:endParaRPr lang="en-US" sz="3500" dirty="0" smtClean="0">
+              <a:solidFill>
+                <a:srgbClr val="FF0000"/>
+              </a:solidFill>
+            </a:endParaRPr>
+          </a:p>
+          <a:p>
+            <a:r>
+              <a:rPr lang="el-GR" sz="3500" i="0" dirty="0" smtClean="0">
+                <a:ea typeface="Lucida Grande"/>
+                <a:cs typeface="Lucida Grande"/>
+              </a:rPr>
+              <a:t>θ</a:t>
+            </a:r>
+            <a:r>
+              <a:rPr lang="en-US" sz="3500" i="0" dirty="0" smtClean="0">
+                <a:ea typeface="Lucida Grande"/>
+                <a:cs typeface="Lucida Grande"/>
+              </a:rPr>
+              <a:t>: rate of mean-reversion</a:t>
+            </a:r>
+            <a:endParaRPr lang="en-US" sz="3500" dirty="0" smtClean="0"/>
+          </a:p>
+          <a:p>
+            <a:pPr lvl="1"/>
+            <a:r>
+              <a:rPr lang="el-GR" sz="1900" dirty="0" smtClean="0"/>
+              <a:t>θ</a:t>
+            </a:r>
+            <a:r>
+              <a:rPr lang="en-US" sz="1900" dirty="0" smtClean="0"/>
+              <a:t> = 0</a:t>
+            </a:r>
+          </a:p>
+          <a:p>
+            <a:pPr lvl="2"/>
+            <a:r>
+              <a:rPr lang="en-US" sz="1900" dirty="0" smtClean="0"/>
               <a:t>BM</a:t>
             </a:r>
-            <a:endParaRPr lang="en-US" sz="4000" dirty="0"/>
+          </a:p>
+          <a:p>
+            <a:pPr lvl="1"/>
+            <a:r>
+              <a:rPr lang="el-GR" sz="1900" dirty="0" smtClean="0"/>
+              <a:t>θ</a:t>
+            </a:r>
+            <a:r>
+              <a:rPr lang="en-US" sz="1900" dirty="0" smtClean="0"/>
+              <a:t> = 1 </a:t>
+            </a:r>
+            <a:endParaRPr lang="en-US" sz="1900" dirty="0"/>
+          </a:p>
+          <a:p>
+            <a:pPr lvl="2"/>
+            <a:r>
+              <a:rPr lang="en-US" sz="1900" dirty="0" smtClean="0"/>
+              <a:t>Back to μ</a:t>
+            </a:r>
+          </a:p>
+          <a:p>
+            <a:pPr lvl="2"/>
+            <a:endParaRPr lang="en-US" dirty="0" smtClean="0"/>
           </a:p>
         </p:txBody>
       </p:sp>
     </p:spTree>
     <p:extLst>
       <p:ext uri="{BB962C8B-B14F-4D97-AF65-F5344CB8AC3E}">
-        <p14:creationId xmlns:p14="http://schemas.microsoft.com/office/powerpoint/2010/main" val="1396534205"/>
+        <p14:creationId xmlns:p14="http://schemas.microsoft.com/office/powerpoint/2010/main" val="2885123428"/>
       </p:ext>
     </p:extLst>
   </p:cSld>
@@ -3368,14 +3597,16 @@
         </p:nvSpPr>
         <p:spPr/>
         <p:txBody>
-          <a:bodyPr>
-            <a:normAutofit/>
-          </a:bodyPr>
+          <a:bodyPr/>
           <a:lstStyle/>
           <a:p>
             <a:r>
               <a:rPr lang="en-US" dirty="0" smtClean="0"/>
-              <a:t>Do bottlenecks affect the variance? </a:t>
+              <a:t>Ornstein-</a:t>
+            </a:r>
+            <a:r>
+              <a:rPr lang="en-US" dirty="0" err="1" smtClean="0"/>
+              <a:t>Uhlenbeck</a:t>
             </a:r>
             <a:endParaRPr lang="en-US" dirty="0"/>
           </a:p>
@@ -3383,179 +3614,141 @@
       </p:sp>
       <p:sp>
         <p:nvSpPr>
-          <p:cNvPr id="4" name="Content Placeholder 2"/>
-          <p:cNvSpPr txBox="1">
-            <a:spLocks/>
-          </p:cNvSpPr>
-          <p:nvPr/>
+          <p:cNvPr id="3" name="Content Placeholder 2"/>
+          <p:cNvSpPr>
+            <a:spLocks noGrp="1"/>
+          </p:cNvSpPr>
+          <p:nvPr>
+            <p:ph idx="1"/>
+          </p:nvPr>
         </p:nvSpPr>
         <p:spPr>
           <a:xfrm>
-            <a:off x="457200" y="5777983"/>
-            <a:ext cx="1510213" cy="715540"/>
+            <a:off x="457200" y="1600200"/>
+            <a:ext cx="3263000" cy="4525963"/>
           </a:xfrm>
-          <a:prstGeom prst="rect">
-            <a:avLst/>
-          </a:prstGeom>
         </p:spPr>
         <p:txBody>
-          <a:bodyPr vert="horz" lIns="91440" tIns="45720" rIns="91440" bIns="45720" rtlCol="0">
-            <a:noAutofit/>
+          <a:bodyPr>
+            <a:normAutofit fontScale="92500" lnSpcReduction="10000"/>
           </a:bodyPr>
-          <a:lstStyle>
-            <a:lvl1pPr marL="342900" indent="-342900" algn="l" defTabSz="457200" rtl="0" eaLnBrk="1" latinLnBrk="0" hangingPunct="1">
-              <a:spcBef>
-                <a:spcPct val="20000"/>
-              </a:spcBef>
-              <a:buFont typeface="Arial"/>
-              <a:buChar char="•"/>
-              <a:defRPr sz="3200" kern="1200">
-                <a:solidFill>
-                  <a:schemeClr val="tx1"/>
-                </a:solidFill>
-                <a:latin typeface="+mn-lt"/>
-                <a:ea typeface="+mn-ea"/>
-                <a:cs typeface="+mn-cs"/>
-              </a:defRPr>
-            </a:lvl1pPr>
-            <a:lvl2pPr marL="742950" indent="-285750" algn="l" defTabSz="457200" rtl="0" eaLnBrk="1" latinLnBrk="0" hangingPunct="1">
-              <a:spcBef>
-                <a:spcPct val="20000"/>
-              </a:spcBef>
-              <a:buFont typeface="Arial"/>
-              <a:buChar char="–"/>
-              <a:defRPr sz="2800" kern="1200">
-                <a:solidFill>
-                  <a:schemeClr val="tx1"/>
-                </a:solidFill>
-                <a:latin typeface="+mn-lt"/>
-                <a:ea typeface="+mn-ea"/>
-                <a:cs typeface="+mn-cs"/>
-              </a:defRPr>
-            </a:lvl2pPr>
-            <a:lvl3pPr marL="1143000" indent="-228600" algn="l" defTabSz="457200" rtl="0" eaLnBrk="1" latinLnBrk="0" hangingPunct="1">
-              <a:spcBef>
-                <a:spcPct val="20000"/>
-              </a:spcBef>
-              <a:buFont typeface="Arial"/>
-              <a:buChar char="•"/>
-              <a:defRPr sz="2400" kern="1200">
-                <a:solidFill>
-                  <a:schemeClr val="tx1"/>
-                </a:solidFill>
-                <a:latin typeface="+mn-lt"/>
-                <a:ea typeface="+mn-ea"/>
-                <a:cs typeface="+mn-cs"/>
-              </a:defRPr>
-            </a:lvl3pPr>
-            <a:lvl4pPr marL="1600200" indent="-228600" algn="l" defTabSz="457200" rtl="0" eaLnBrk="1" latinLnBrk="0" hangingPunct="1">
-              <a:spcBef>
-                <a:spcPct val="20000"/>
-              </a:spcBef>
-              <a:buFont typeface="Arial"/>
-              <a:buChar char="–"/>
-              <a:defRPr sz="2000" kern="1200">
-                <a:solidFill>
-                  <a:schemeClr val="tx1"/>
-                </a:solidFill>
-                <a:latin typeface="+mn-lt"/>
-                <a:ea typeface="+mn-ea"/>
-                <a:cs typeface="+mn-cs"/>
-              </a:defRPr>
-            </a:lvl4pPr>
-            <a:lvl5pPr marL="2057400" indent="-228600" algn="l" defTabSz="457200" rtl="0" eaLnBrk="1" latinLnBrk="0" hangingPunct="1">
-              <a:spcBef>
-                <a:spcPct val="20000"/>
-              </a:spcBef>
-              <a:buFont typeface="Arial"/>
-              <a:buChar char="»"/>
-              <a:defRPr sz="2000" kern="1200">
-                <a:solidFill>
-                  <a:schemeClr val="tx1"/>
-                </a:solidFill>
-                <a:latin typeface="+mn-lt"/>
-                <a:ea typeface="+mn-ea"/>
-                <a:cs typeface="+mn-cs"/>
-              </a:defRPr>
-            </a:lvl5pPr>
-            <a:lvl6pPr marL="2514600" indent="-228600" algn="l" defTabSz="457200" rtl="0" eaLnBrk="1" latinLnBrk="0" hangingPunct="1">
-              <a:spcBef>
-                <a:spcPct val="20000"/>
-              </a:spcBef>
-              <a:buFont typeface="Arial"/>
-              <a:buChar char="•"/>
-              <a:defRPr sz="2000" kern="1200">
-                <a:solidFill>
-                  <a:schemeClr val="tx1"/>
-                </a:solidFill>
-                <a:latin typeface="+mn-lt"/>
-                <a:ea typeface="+mn-ea"/>
-                <a:cs typeface="+mn-cs"/>
-              </a:defRPr>
-            </a:lvl6pPr>
-            <a:lvl7pPr marL="2971800" indent="-228600" algn="l" defTabSz="457200" rtl="0" eaLnBrk="1" latinLnBrk="0" hangingPunct="1">
-              <a:spcBef>
-                <a:spcPct val="20000"/>
-              </a:spcBef>
-              <a:buFont typeface="Arial"/>
-              <a:buChar char="•"/>
-              <a:defRPr sz="2000" kern="1200">
-                <a:solidFill>
-                  <a:schemeClr val="tx1"/>
-                </a:solidFill>
-                <a:latin typeface="+mn-lt"/>
-                <a:ea typeface="+mn-ea"/>
-                <a:cs typeface="+mn-cs"/>
-              </a:defRPr>
-            </a:lvl7pPr>
-            <a:lvl8pPr marL="3429000" indent="-228600" algn="l" defTabSz="457200" rtl="0" eaLnBrk="1" latinLnBrk="0" hangingPunct="1">
-              <a:spcBef>
-                <a:spcPct val="20000"/>
-              </a:spcBef>
-              <a:buFont typeface="Arial"/>
-              <a:buChar char="•"/>
-              <a:defRPr sz="2000" kern="1200">
-                <a:solidFill>
-                  <a:schemeClr val="tx1"/>
-                </a:solidFill>
-                <a:latin typeface="+mn-lt"/>
-                <a:ea typeface="+mn-ea"/>
-                <a:cs typeface="+mn-cs"/>
-              </a:defRPr>
-            </a:lvl8pPr>
-            <a:lvl9pPr marL="3886200" indent="-228600" algn="l" defTabSz="457200" rtl="0" eaLnBrk="1" latinLnBrk="0" hangingPunct="1">
-              <a:spcBef>
-                <a:spcPct val="20000"/>
-              </a:spcBef>
-              <a:buFont typeface="Arial"/>
-              <a:buChar char="•"/>
-              <a:defRPr sz="2000" kern="1200">
-                <a:solidFill>
-                  <a:schemeClr val="tx1"/>
-                </a:solidFill>
-                <a:latin typeface="+mn-lt"/>
-                <a:ea typeface="+mn-ea"/>
-                <a:cs typeface="+mn-cs"/>
-              </a:defRPr>
-            </a:lvl9pPr>
-          </a:lstStyle>
-          <a:p>
-            <a:pPr marL="0" indent="0">
-              <a:buFont typeface="Arial"/>
-              <a:buNone/>
-            </a:pPr>
-            <a:r>
-              <a:rPr lang="en-US" sz="4000" smtClean="0"/>
+          <a:lstStyle/>
+          <a:p>
+            <a:r>
+              <a:rPr lang="en-US" sz="3500" dirty="0" smtClean="0"/>
+              <a:t>“Rubber band” soft-bounds</a:t>
+            </a:r>
+          </a:p>
+          <a:p>
+            <a:r>
+              <a:rPr lang="el-GR" sz="3500" dirty="0" smtClean="0"/>
+              <a:t>σ</a:t>
+            </a:r>
+            <a:r>
+              <a:rPr lang="el-GR" sz="3500" baseline="30000" dirty="0" smtClean="0"/>
+              <a:t>2</a:t>
+            </a:r>
+            <a:r>
+              <a:rPr lang="en-US" sz="3500" dirty="0" smtClean="0"/>
+              <a:t>: rate or </a:t>
+            </a:r>
+            <a:r>
+              <a:rPr lang="en-US" sz="3500" dirty="0" err="1" smtClean="0"/>
+              <a:t>sd</a:t>
+            </a:r>
+            <a:endParaRPr lang="en-US" sz="3500" baseline="30000" dirty="0" smtClean="0"/>
+          </a:p>
+          <a:p>
+            <a:r>
+              <a:rPr lang="el-GR" sz="3500" i="0" dirty="0" smtClean="0">
+                <a:ea typeface="Lucida Grande"/>
+                <a:cs typeface="Lucida Grande"/>
+              </a:rPr>
+              <a:t>μ</a:t>
+            </a:r>
+            <a:r>
+              <a:rPr lang="en-US" sz="3500" dirty="0" smtClean="0">
+                <a:ea typeface="Lucida Grande"/>
+                <a:cs typeface="Lucida Grande"/>
+              </a:rPr>
+              <a:t>: mean</a:t>
+            </a:r>
+            <a:endParaRPr lang="en-US" sz="3500" dirty="0" smtClean="0"/>
+          </a:p>
+          <a:p>
+            <a:r>
+              <a:rPr lang="el-GR" sz="3500" i="0" dirty="0" smtClean="0">
+                <a:solidFill>
+                  <a:srgbClr val="FF0000"/>
+                </a:solidFill>
+                <a:ea typeface="Lucida Grande"/>
+                <a:cs typeface="Lucida Grande"/>
+              </a:rPr>
+              <a:t>θ</a:t>
+            </a:r>
+            <a:r>
+              <a:rPr lang="en-US" sz="3500" i="0" dirty="0" smtClean="0">
+                <a:solidFill>
+                  <a:srgbClr val="FF0000"/>
+                </a:solidFill>
+                <a:ea typeface="Lucida Grande"/>
+                <a:cs typeface="Lucida Grande"/>
+              </a:rPr>
+              <a:t>: rate of mean-reversion</a:t>
+            </a:r>
+            <a:endParaRPr lang="en-US" sz="3500" dirty="0" smtClean="0">
+              <a:solidFill>
+                <a:srgbClr val="FF0000"/>
+              </a:solidFill>
+            </a:endParaRPr>
+          </a:p>
+          <a:p>
+            <a:pPr lvl="1"/>
+            <a:r>
+              <a:rPr lang="el-GR" sz="1900" dirty="0" smtClean="0"/>
+              <a:t>θ</a:t>
+            </a:r>
+            <a:r>
+              <a:rPr lang="en-US" sz="1900" dirty="0" smtClean="0"/>
+              <a:t> = 0</a:t>
+            </a:r>
+          </a:p>
+          <a:p>
+            <a:pPr lvl="2"/>
+            <a:r>
+              <a:rPr lang="en-US" sz="1900" dirty="0" smtClean="0"/>
               <a:t>BM</a:t>
             </a:r>
-            <a:endParaRPr lang="en-US" sz="4000" dirty="0"/>
+          </a:p>
+          <a:p>
+            <a:pPr lvl="1"/>
+            <a:r>
+              <a:rPr lang="el-GR" sz="1900" dirty="0" smtClean="0"/>
+              <a:t>θ</a:t>
+            </a:r>
+            <a:r>
+              <a:rPr lang="en-US" sz="1900" dirty="0" smtClean="0"/>
+              <a:t> = 1 </a:t>
+            </a:r>
+            <a:endParaRPr lang="en-US" sz="1900" dirty="0"/>
+          </a:p>
+          <a:p>
+            <a:pPr lvl="2"/>
+            <a:r>
+              <a:rPr lang="en-US" sz="1900" dirty="0" smtClean="0"/>
+              <a:t>Back to μ</a:t>
+            </a:r>
+          </a:p>
+          <a:p>
+            <a:pPr lvl="2"/>
+            <a:endParaRPr lang="en-US" dirty="0" smtClean="0"/>
           </a:p>
         </p:txBody>
       </p:sp>
     </p:spTree>
     <p:extLst>
       <p:ext uri="{BB962C8B-B14F-4D97-AF65-F5344CB8AC3E}">
-        <p14:creationId xmlns:p14="http://schemas.microsoft.com/office/powerpoint/2010/main" val="3735596612"/>
+        <p14:creationId xmlns:p14="http://schemas.microsoft.com/office/powerpoint/2010/main" val="2885123428"/>
       </p:ext>
     </p:extLst>
   </p:cSld>
@@ -3594,14 +3787,12 @@
         </p:nvSpPr>
         <p:spPr/>
         <p:txBody>
-          <a:bodyPr>
-            <a:normAutofit/>
-          </a:bodyPr>
+          <a:bodyPr/>
           <a:lstStyle/>
           <a:p>
             <a:r>
               <a:rPr lang="en-US" dirty="0" smtClean="0"/>
-              <a:t>Do bottlenecks affect the variance? </a:t>
+              <a:t>How do we use BM and OU?</a:t>
             </a:r>
             <a:endParaRPr lang="en-US" dirty="0"/>
           </a:p>
@@ -3609,179 +3800,31 @@
       </p:sp>
       <p:sp>
         <p:nvSpPr>
-          <p:cNvPr id="4" name="Content Placeholder 2"/>
-          <p:cNvSpPr txBox="1">
-            <a:spLocks/>
-          </p:cNvSpPr>
-          <p:nvPr/>
-        </p:nvSpPr>
-        <p:spPr>
-          <a:xfrm>
-            <a:off x="457200" y="5777983"/>
-            <a:ext cx="1510213" cy="715540"/>
-          </a:xfrm>
-          <a:prstGeom prst="rect">
-            <a:avLst/>
-          </a:prstGeom>
-        </p:spPr>
-        <p:txBody>
-          <a:bodyPr vert="horz" lIns="91440" tIns="45720" rIns="91440" bIns="45720" rtlCol="0">
-            <a:noAutofit/>
-          </a:bodyPr>
-          <a:lstStyle>
-            <a:lvl1pPr marL="342900" indent="-342900" algn="l" defTabSz="457200" rtl="0" eaLnBrk="1" latinLnBrk="0" hangingPunct="1">
-              <a:spcBef>
-                <a:spcPct val="20000"/>
-              </a:spcBef>
-              <a:buFont typeface="Arial"/>
-              <a:buChar char="•"/>
-              <a:defRPr sz="3200" kern="1200">
-                <a:solidFill>
-                  <a:schemeClr val="tx1"/>
-                </a:solidFill>
-                <a:latin typeface="+mn-lt"/>
-                <a:ea typeface="+mn-ea"/>
-                <a:cs typeface="+mn-cs"/>
-              </a:defRPr>
-            </a:lvl1pPr>
-            <a:lvl2pPr marL="742950" indent="-285750" algn="l" defTabSz="457200" rtl="0" eaLnBrk="1" latinLnBrk="0" hangingPunct="1">
-              <a:spcBef>
-                <a:spcPct val="20000"/>
-              </a:spcBef>
-              <a:buFont typeface="Arial"/>
-              <a:buChar char="–"/>
-              <a:defRPr sz="2800" kern="1200">
-                <a:solidFill>
-                  <a:schemeClr val="tx1"/>
-                </a:solidFill>
-                <a:latin typeface="+mn-lt"/>
-                <a:ea typeface="+mn-ea"/>
-                <a:cs typeface="+mn-cs"/>
-              </a:defRPr>
-            </a:lvl2pPr>
-            <a:lvl3pPr marL="1143000" indent="-228600" algn="l" defTabSz="457200" rtl="0" eaLnBrk="1" latinLnBrk="0" hangingPunct="1">
-              <a:spcBef>
-                <a:spcPct val="20000"/>
-              </a:spcBef>
-              <a:buFont typeface="Arial"/>
-              <a:buChar char="•"/>
-              <a:defRPr sz="2400" kern="1200">
-                <a:solidFill>
-                  <a:schemeClr val="tx1"/>
-                </a:solidFill>
-                <a:latin typeface="+mn-lt"/>
-                <a:ea typeface="+mn-ea"/>
-                <a:cs typeface="+mn-cs"/>
-              </a:defRPr>
-            </a:lvl3pPr>
-            <a:lvl4pPr marL="1600200" indent="-228600" algn="l" defTabSz="457200" rtl="0" eaLnBrk="1" latinLnBrk="0" hangingPunct="1">
-              <a:spcBef>
-                <a:spcPct val="20000"/>
-              </a:spcBef>
-              <a:buFont typeface="Arial"/>
-              <a:buChar char="–"/>
-              <a:defRPr sz="2000" kern="1200">
-                <a:solidFill>
-                  <a:schemeClr val="tx1"/>
-                </a:solidFill>
-                <a:latin typeface="+mn-lt"/>
-                <a:ea typeface="+mn-ea"/>
-                <a:cs typeface="+mn-cs"/>
-              </a:defRPr>
-            </a:lvl4pPr>
-            <a:lvl5pPr marL="2057400" indent="-228600" algn="l" defTabSz="457200" rtl="0" eaLnBrk="1" latinLnBrk="0" hangingPunct="1">
-              <a:spcBef>
-                <a:spcPct val="20000"/>
-              </a:spcBef>
-              <a:buFont typeface="Arial"/>
-              <a:buChar char="»"/>
-              <a:defRPr sz="2000" kern="1200">
-                <a:solidFill>
-                  <a:schemeClr val="tx1"/>
-                </a:solidFill>
-                <a:latin typeface="+mn-lt"/>
-                <a:ea typeface="+mn-ea"/>
-                <a:cs typeface="+mn-cs"/>
-              </a:defRPr>
-            </a:lvl5pPr>
-            <a:lvl6pPr marL="2514600" indent="-228600" algn="l" defTabSz="457200" rtl="0" eaLnBrk="1" latinLnBrk="0" hangingPunct="1">
-              <a:spcBef>
-                <a:spcPct val="20000"/>
-              </a:spcBef>
-              <a:buFont typeface="Arial"/>
-              <a:buChar char="•"/>
-              <a:defRPr sz="2000" kern="1200">
-                <a:solidFill>
-                  <a:schemeClr val="tx1"/>
-                </a:solidFill>
-                <a:latin typeface="+mn-lt"/>
-                <a:ea typeface="+mn-ea"/>
-                <a:cs typeface="+mn-cs"/>
-              </a:defRPr>
-            </a:lvl6pPr>
-            <a:lvl7pPr marL="2971800" indent="-228600" algn="l" defTabSz="457200" rtl="0" eaLnBrk="1" latinLnBrk="0" hangingPunct="1">
-              <a:spcBef>
-                <a:spcPct val="20000"/>
-              </a:spcBef>
-              <a:buFont typeface="Arial"/>
-              <a:buChar char="•"/>
-              <a:defRPr sz="2000" kern="1200">
-                <a:solidFill>
-                  <a:schemeClr val="tx1"/>
-                </a:solidFill>
-                <a:latin typeface="+mn-lt"/>
-                <a:ea typeface="+mn-ea"/>
-                <a:cs typeface="+mn-cs"/>
-              </a:defRPr>
-            </a:lvl7pPr>
-            <a:lvl8pPr marL="3429000" indent="-228600" algn="l" defTabSz="457200" rtl="0" eaLnBrk="1" latinLnBrk="0" hangingPunct="1">
-              <a:spcBef>
-                <a:spcPct val="20000"/>
-              </a:spcBef>
-              <a:buFont typeface="Arial"/>
-              <a:buChar char="•"/>
-              <a:defRPr sz="2000" kern="1200">
-                <a:solidFill>
-                  <a:schemeClr val="tx1"/>
-                </a:solidFill>
-                <a:latin typeface="+mn-lt"/>
-                <a:ea typeface="+mn-ea"/>
-                <a:cs typeface="+mn-cs"/>
-              </a:defRPr>
-            </a:lvl8pPr>
-            <a:lvl9pPr marL="3886200" indent="-228600" algn="l" defTabSz="457200" rtl="0" eaLnBrk="1" latinLnBrk="0" hangingPunct="1">
-              <a:spcBef>
-                <a:spcPct val="20000"/>
-              </a:spcBef>
-              <a:buFont typeface="Arial"/>
-              <a:buChar char="•"/>
-              <a:defRPr sz="2000" kern="1200">
-                <a:solidFill>
-                  <a:schemeClr val="tx1"/>
-                </a:solidFill>
-                <a:latin typeface="+mn-lt"/>
-                <a:ea typeface="+mn-ea"/>
-                <a:cs typeface="+mn-cs"/>
-              </a:defRPr>
-            </a:lvl9pPr>
-          </a:lstStyle>
-          <a:p>
-            <a:pPr marL="0" indent="0">
-              <a:buFont typeface="Arial"/>
-              <a:buNone/>
-            </a:pPr>
-            <a:r>
-              <a:rPr lang="en-US" sz="4000" dirty="0" smtClean="0"/>
-              <a:t>BM</a:t>
-            </a:r>
-            <a:endParaRPr lang="en-US" sz="4000" dirty="0"/>
+          <p:cNvPr id="3" name="Content Placeholder 2"/>
+          <p:cNvSpPr>
+            <a:spLocks noGrp="1"/>
+          </p:cNvSpPr>
+          <p:nvPr>
+            <p:ph idx="1"/>
+          </p:nvPr>
+        </p:nvSpPr>
+        <p:spPr/>
+        <p:txBody>
+          <a:bodyPr/>
+          <a:lstStyle/>
+          <a:p>
+            <a:r>
+              <a:rPr lang="en-US" dirty="0" smtClean="0"/>
+              <a:t>To estimate</a:t>
+            </a:r>
+            <a:endParaRPr lang="en-US" dirty="0"/>
           </a:p>
         </p:txBody>
       </p:sp>
     </p:spTree>
     <p:extLst>
       <p:ext uri="{BB962C8B-B14F-4D97-AF65-F5344CB8AC3E}">
-        <p14:creationId xmlns:p14="http://schemas.microsoft.com/office/powerpoint/2010/main" val="3735596612"/>
+        <p14:creationId xmlns:p14="http://schemas.microsoft.com/office/powerpoint/2010/main" val="955027292"/>
       </p:ext>
     </p:extLst>
   </p:cSld>
@@ -3835,170 +3878,32 @@
       </p:sp>
       <p:sp>
         <p:nvSpPr>
-          <p:cNvPr id="4" name="Content Placeholder 2"/>
-          <p:cNvSpPr txBox="1">
-            <a:spLocks/>
-          </p:cNvSpPr>
-          <p:nvPr/>
+          <p:cNvPr id="3" name="Content Placeholder 2"/>
+          <p:cNvSpPr>
+            <a:spLocks noGrp="1"/>
+          </p:cNvSpPr>
+          <p:nvPr>
+            <p:ph idx="1"/>
+          </p:nvPr>
         </p:nvSpPr>
         <p:spPr>
           <a:xfrm>
             <a:off x="457200" y="5777983"/>
             <a:ext cx="1510213" cy="715540"/>
           </a:xfrm>
-          <a:prstGeom prst="rect">
-            <a:avLst/>
-          </a:prstGeom>
         </p:spPr>
         <p:txBody>
-          <a:bodyPr vert="horz" lIns="91440" tIns="45720" rIns="91440" bIns="45720" rtlCol="0">
+          <a:bodyPr>
             <a:noAutofit/>
           </a:bodyPr>
-          <a:lstStyle>
-            <a:lvl1pPr marL="342900" indent="-342900" algn="l" defTabSz="457200" rtl="0" eaLnBrk="1" latinLnBrk="0" hangingPunct="1">
-              <a:spcBef>
-                <a:spcPct val="20000"/>
-              </a:spcBef>
-              <a:buFont typeface="Arial"/>
-              <a:buChar char="•"/>
-              <a:defRPr sz="3200" kern="1200">
-                <a:solidFill>
-                  <a:schemeClr val="tx1"/>
-                </a:solidFill>
-                <a:latin typeface="+mn-lt"/>
-                <a:ea typeface="+mn-ea"/>
-                <a:cs typeface="+mn-cs"/>
-              </a:defRPr>
-            </a:lvl1pPr>
-            <a:lvl2pPr marL="742950" indent="-285750" algn="l" defTabSz="457200" rtl="0" eaLnBrk="1" latinLnBrk="0" hangingPunct="1">
-              <a:spcBef>
-                <a:spcPct val="20000"/>
-              </a:spcBef>
-              <a:buFont typeface="Arial"/>
-              <a:buChar char="–"/>
-              <a:defRPr sz="2800" kern="1200">
-                <a:solidFill>
-                  <a:schemeClr val="tx1"/>
-                </a:solidFill>
-                <a:latin typeface="+mn-lt"/>
-                <a:ea typeface="+mn-ea"/>
-                <a:cs typeface="+mn-cs"/>
-              </a:defRPr>
-            </a:lvl2pPr>
-            <a:lvl3pPr marL="1143000" indent="-228600" algn="l" defTabSz="457200" rtl="0" eaLnBrk="1" latinLnBrk="0" hangingPunct="1">
-              <a:spcBef>
-                <a:spcPct val="20000"/>
-              </a:spcBef>
-              <a:buFont typeface="Arial"/>
-              <a:buChar char="•"/>
-              <a:defRPr sz="2400" kern="1200">
-                <a:solidFill>
-                  <a:schemeClr val="tx1"/>
-                </a:solidFill>
-                <a:latin typeface="+mn-lt"/>
-                <a:ea typeface="+mn-ea"/>
-                <a:cs typeface="+mn-cs"/>
-              </a:defRPr>
-            </a:lvl3pPr>
-            <a:lvl4pPr marL="1600200" indent="-228600" algn="l" defTabSz="457200" rtl="0" eaLnBrk="1" latinLnBrk="0" hangingPunct="1">
-              <a:spcBef>
-                <a:spcPct val="20000"/>
-              </a:spcBef>
-              <a:buFont typeface="Arial"/>
-              <a:buChar char="–"/>
-              <a:defRPr sz="2000" kern="1200">
-                <a:solidFill>
-                  <a:schemeClr val="tx1"/>
-                </a:solidFill>
-                <a:latin typeface="+mn-lt"/>
-                <a:ea typeface="+mn-ea"/>
-                <a:cs typeface="+mn-cs"/>
-              </a:defRPr>
-            </a:lvl4pPr>
-            <a:lvl5pPr marL="2057400" indent="-228600" algn="l" defTabSz="457200" rtl="0" eaLnBrk="1" latinLnBrk="0" hangingPunct="1">
-              <a:spcBef>
-                <a:spcPct val="20000"/>
-              </a:spcBef>
-              <a:buFont typeface="Arial"/>
-              <a:buChar char="»"/>
-              <a:defRPr sz="2000" kern="1200">
-                <a:solidFill>
-                  <a:schemeClr val="tx1"/>
-                </a:solidFill>
-                <a:latin typeface="+mn-lt"/>
-                <a:ea typeface="+mn-ea"/>
-                <a:cs typeface="+mn-cs"/>
-              </a:defRPr>
-            </a:lvl5pPr>
-            <a:lvl6pPr marL="2514600" indent="-228600" algn="l" defTabSz="457200" rtl="0" eaLnBrk="1" latinLnBrk="0" hangingPunct="1">
-              <a:spcBef>
-                <a:spcPct val="20000"/>
-              </a:spcBef>
-              <a:buFont typeface="Arial"/>
-              <a:buChar char="•"/>
-              <a:defRPr sz="2000" kern="1200">
-                <a:solidFill>
-                  <a:schemeClr val="tx1"/>
-                </a:solidFill>
-                <a:latin typeface="+mn-lt"/>
-                <a:ea typeface="+mn-ea"/>
-                <a:cs typeface="+mn-cs"/>
-              </a:defRPr>
-            </a:lvl6pPr>
-            <a:lvl7pPr marL="2971800" indent="-228600" algn="l" defTabSz="457200" rtl="0" eaLnBrk="1" latinLnBrk="0" hangingPunct="1">
-              <a:spcBef>
-                <a:spcPct val="20000"/>
-              </a:spcBef>
-              <a:buFont typeface="Arial"/>
-              <a:buChar char="•"/>
-              <a:defRPr sz="2000" kern="1200">
-                <a:solidFill>
-                  <a:schemeClr val="tx1"/>
-                </a:solidFill>
-                <a:latin typeface="+mn-lt"/>
-                <a:ea typeface="+mn-ea"/>
-                <a:cs typeface="+mn-cs"/>
-              </a:defRPr>
-            </a:lvl7pPr>
-            <a:lvl8pPr marL="3429000" indent="-228600" algn="l" defTabSz="457200" rtl="0" eaLnBrk="1" latinLnBrk="0" hangingPunct="1">
-              <a:spcBef>
-                <a:spcPct val="20000"/>
-              </a:spcBef>
-              <a:buFont typeface="Arial"/>
-              <a:buChar char="•"/>
-              <a:defRPr sz="2000" kern="1200">
-                <a:solidFill>
-                  <a:schemeClr val="tx1"/>
-                </a:solidFill>
-                <a:latin typeface="+mn-lt"/>
-                <a:ea typeface="+mn-ea"/>
-                <a:cs typeface="+mn-cs"/>
-              </a:defRPr>
-            </a:lvl8pPr>
-            <a:lvl9pPr marL="3886200" indent="-228600" algn="l" defTabSz="457200" rtl="0" eaLnBrk="1" latinLnBrk="0" hangingPunct="1">
-              <a:spcBef>
-                <a:spcPct val="20000"/>
-              </a:spcBef>
-              <a:buFont typeface="Arial"/>
-              <a:buChar char="•"/>
-              <a:defRPr sz="2000" kern="1200">
-                <a:solidFill>
-                  <a:schemeClr val="tx1"/>
-                </a:solidFill>
-                <a:latin typeface="+mn-lt"/>
-                <a:ea typeface="+mn-ea"/>
-                <a:cs typeface="+mn-cs"/>
-              </a:defRPr>
-            </a:lvl9pPr>
-          </a:lstStyle>
+          <a:lstStyle/>
           <a:p>
             <a:pPr marL="0" indent="0">
-              <a:buFont typeface="Arial"/>
               <a:buNone/>
             </a:pPr>
             <a:r>
               <a:rPr lang="en-US" sz="4000" dirty="0" smtClean="0"/>
-              <a:t>OU</a:t>
+              <a:t>BM</a:t>
             </a:r>
             <a:endParaRPr lang="en-US" sz="4000" dirty="0"/>
           </a:p>
@@ -4007,7 +3912,7 @@
     </p:spTree>
     <p:extLst>
       <p:ext uri="{BB962C8B-B14F-4D97-AF65-F5344CB8AC3E}">
-        <p14:creationId xmlns:p14="http://schemas.microsoft.com/office/powerpoint/2010/main" val="1831224169"/>
+        <p14:creationId xmlns:p14="http://schemas.microsoft.com/office/powerpoint/2010/main" val="1396534205"/>
       </p:ext>
     </p:extLst>
   </p:cSld>
@@ -4223,8 +4128,8 @@
               <a:buNone/>
             </a:pPr>
             <a:r>
-              <a:rPr lang="en-US" sz="4000" dirty="0" smtClean="0"/>
-              <a:t>OU</a:t>
+              <a:rPr lang="en-US" sz="4000" smtClean="0"/>
+              <a:t>BM</a:t>
             </a:r>
             <a:endParaRPr lang="en-US" sz="4000" dirty="0"/>
           </a:p>
@@ -4233,7 +4138,7 @@
     </p:spTree>
     <p:extLst>
       <p:ext uri="{BB962C8B-B14F-4D97-AF65-F5344CB8AC3E}">
-        <p14:creationId xmlns:p14="http://schemas.microsoft.com/office/powerpoint/2010/main" val="1831224169"/>
+        <p14:creationId xmlns:p14="http://schemas.microsoft.com/office/powerpoint/2010/main" val="3735596612"/>
       </p:ext>
     </p:extLst>
   </p:cSld>
@@ -4450,7 +4355,7 @@
             </a:pPr>
             <a:r>
               <a:rPr lang="en-US" sz="4000" dirty="0" smtClean="0"/>
-              <a:t>OU</a:t>
+              <a:t>BM</a:t>
             </a:r>
             <a:endParaRPr lang="en-US" sz="4000" dirty="0"/>
           </a:p>
@@ -4498,12 +4403,14 @@
         </p:nvSpPr>
         <p:spPr/>
         <p:txBody>
-          <a:bodyPr/>
+          <a:bodyPr>
+            <a:normAutofit/>
+          </a:bodyPr>
           <a:lstStyle/>
           <a:p>
             <a:r>
               <a:rPr lang="en-US" dirty="0" smtClean="0"/>
-              <a:t>Summary</a:t>
+              <a:t>Do bottlenecks affect the variance? </a:t>
             </a:r>
             <a:endParaRPr lang="en-US" dirty="0"/>
           </a:p>
@@ -4511,27 +4418,179 @@
       </p:sp>
       <p:sp>
         <p:nvSpPr>
-          <p:cNvPr id="3" name="Content Placeholder 2"/>
-          <p:cNvSpPr>
-            <a:spLocks noGrp="1"/>
-          </p:cNvSpPr>
-          <p:nvPr>
-            <p:ph idx="1"/>
-          </p:nvPr>
-        </p:nvSpPr>
-        <p:spPr/>
-        <p:txBody>
-          <a:bodyPr/>
-          <a:lstStyle/>
-          <a:p>
-            <a:endParaRPr lang="en-US" dirty="0"/>
+          <p:cNvPr id="4" name="Content Placeholder 2"/>
+          <p:cNvSpPr txBox="1">
+            <a:spLocks/>
+          </p:cNvSpPr>
+          <p:nvPr/>
+        </p:nvSpPr>
+        <p:spPr>
+          <a:xfrm>
+            <a:off x="457200" y="5777983"/>
+            <a:ext cx="1510213" cy="715540"/>
+          </a:xfrm>
+          <a:prstGeom prst="rect">
+            <a:avLst/>
+          </a:prstGeom>
+        </p:spPr>
+        <p:txBody>
+          <a:bodyPr vert="horz" lIns="91440" tIns="45720" rIns="91440" bIns="45720" rtlCol="0">
+            <a:noAutofit/>
+          </a:bodyPr>
+          <a:lstStyle>
+            <a:lvl1pPr marL="342900" indent="-342900" algn="l" defTabSz="457200" rtl="0" eaLnBrk="1" latinLnBrk="0" hangingPunct="1">
+              <a:spcBef>
+                <a:spcPct val="20000"/>
+              </a:spcBef>
+              <a:buFont typeface="Arial"/>
+              <a:buChar char="•"/>
+              <a:defRPr sz="3200" kern="1200">
+                <a:solidFill>
+                  <a:schemeClr val="tx1"/>
+                </a:solidFill>
+                <a:latin typeface="+mn-lt"/>
+                <a:ea typeface="+mn-ea"/>
+                <a:cs typeface="+mn-cs"/>
+              </a:defRPr>
+            </a:lvl1pPr>
+            <a:lvl2pPr marL="742950" indent="-285750" algn="l" defTabSz="457200" rtl="0" eaLnBrk="1" latinLnBrk="0" hangingPunct="1">
+              <a:spcBef>
+                <a:spcPct val="20000"/>
+              </a:spcBef>
+              <a:buFont typeface="Arial"/>
+              <a:buChar char="–"/>
+              <a:defRPr sz="2800" kern="1200">
+                <a:solidFill>
+                  <a:schemeClr val="tx1"/>
+                </a:solidFill>
+                <a:latin typeface="+mn-lt"/>
+                <a:ea typeface="+mn-ea"/>
+                <a:cs typeface="+mn-cs"/>
+              </a:defRPr>
+            </a:lvl2pPr>
+            <a:lvl3pPr marL="1143000" indent="-228600" algn="l" defTabSz="457200" rtl="0" eaLnBrk="1" latinLnBrk="0" hangingPunct="1">
+              <a:spcBef>
+                <a:spcPct val="20000"/>
+              </a:spcBef>
+              <a:buFont typeface="Arial"/>
+              <a:buChar char="•"/>
+              <a:defRPr sz="2400" kern="1200">
+                <a:solidFill>
+                  <a:schemeClr val="tx1"/>
+                </a:solidFill>
+                <a:latin typeface="+mn-lt"/>
+                <a:ea typeface="+mn-ea"/>
+                <a:cs typeface="+mn-cs"/>
+              </a:defRPr>
+            </a:lvl3pPr>
+            <a:lvl4pPr marL="1600200" indent="-228600" algn="l" defTabSz="457200" rtl="0" eaLnBrk="1" latinLnBrk="0" hangingPunct="1">
+              <a:spcBef>
+                <a:spcPct val="20000"/>
+              </a:spcBef>
+              <a:buFont typeface="Arial"/>
+              <a:buChar char="–"/>
+              <a:defRPr sz="2000" kern="1200">
+                <a:solidFill>
+                  <a:schemeClr val="tx1"/>
+                </a:solidFill>
+                <a:latin typeface="+mn-lt"/>
+                <a:ea typeface="+mn-ea"/>
+                <a:cs typeface="+mn-cs"/>
+              </a:defRPr>
+            </a:lvl4pPr>
+            <a:lvl5pPr marL="2057400" indent="-228600" algn="l" defTabSz="457200" rtl="0" eaLnBrk="1" latinLnBrk="0" hangingPunct="1">
+              <a:spcBef>
+                <a:spcPct val="20000"/>
+              </a:spcBef>
+              <a:buFont typeface="Arial"/>
+              <a:buChar char="»"/>
+              <a:defRPr sz="2000" kern="1200">
+                <a:solidFill>
+                  <a:schemeClr val="tx1"/>
+                </a:solidFill>
+                <a:latin typeface="+mn-lt"/>
+                <a:ea typeface="+mn-ea"/>
+                <a:cs typeface="+mn-cs"/>
+              </a:defRPr>
+            </a:lvl5pPr>
+            <a:lvl6pPr marL="2514600" indent="-228600" algn="l" defTabSz="457200" rtl="0" eaLnBrk="1" latinLnBrk="0" hangingPunct="1">
+              <a:spcBef>
+                <a:spcPct val="20000"/>
+              </a:spcBef>
+              <a:buFont typeface="Arial"/>
+              <a:buChar char="•"/>
+              <a:defRPr sz="2000" kern="1200">
+                <a:solidFill>
+                  <a:schemeClr val="tx1"/>
+                </a:solidFill>
+                <a:latin typeface="+mn-lt"/>
+                <a:ea typeface="+mn-ea"/>
+                <a:cs typeface="+mn-cs"/>
+              </a:defRPr>
+            </a:lvl6pPr>
+            <a:lvl7pPr marL="2971800" indent="-228600" algn="l" defTabSz="457200" rtl="0" eaLnBrk="1" latinLnBrk="0" hangingPunct="1">
+              <a:spcBef>
+                <a:spcPct val="20000"/>
+              </a:spcBef>
+              <a:buFont typeface="Arial"/>
+              <a:buChar char="•"/>
+              <a:defRPr sz="2000" kern="1200">
+                <a:solidFill>
+                  <a:schemeClr val="tx1"/>
+                </a:solidFill>
+                <a:latin typeface="+mn-lt"/>
+                <a:ea typeface="+mn-ea"/>
+                <a:cs typeface="+mn-cs"/>
+              </a:defRPr>
+            </a:lvl7pPr>
+            <a:lvl8pPr marL="3429000" indent="-228600" algn="l" defTabSz="457200" rtl="0" eaLnBrk="1" latinLnBrk="0" hangingPunct="1">
+              <a:spcBef>
+                <a:spcPct val="20000"/>
+              </a:spcBef>
+              <a:buFont typeface="Arial"/>
+              <a:buChar char="•"/>
+              <a:defRPr sz="2000" kern="1200">
+                <a:solidFill>
+                  <a:schemeClr val="tx1"/>
+                </a:solidFill>
+                <a:latin typeface="+mn-lt"/>
+                <a:ea typeface="+mn-ea"/>
+                <a:cs typeface="+mn-cs"/>
+              </a:defRPr>
+            </a:lvl8pPr>
+            <a:lvl9pPr marL="3886200" indent="-228600" algn="l" defTabSz="457200" rtl="0" eaLnBrk="1" latinLnBrk="0" hangingPunct="1">
+              <a:spcBef>
+                <a:spcPct val="20000"/>
+              </a:spcBef>
+              <a:buFont typeface="Arial"/>
+              <a:buChar char="•"/>
+              <a:defRPr sz="2000" kern="1200">
+                <a:solidFill>
+                  <a:schemeClr val="tx1"/>
+                </a:solidFill>
+                <a:latin typeface="+mn-lt"/>
+                <a:ea typeface="+mn-ea"/>
+                <a:cs typeface="+mn-cs"/>
+              </a:defRPr>
+            </a:lvl9pPr>
+          </a:lstStyle>
+          <a:p>
+            <a:pPr marL="0" indent="0">
+              <a:buFont typeface="Arial"/>
+              <a:buNone/>
+            </a:pPr>
+            <a:r>
+              <a:rPr lang="en-US" sz="4000" dirty="0" smtClean="0"/>
+              <a:t>OU</a:t>
+            </a:r>
+            <a:endParaRPr lang="en-US" sz="4000" dirty="0"/>
           </a:p>
         </p:txBody>
       </p:sp>
     </p:spTree>
     <p:extLst>
       <p:ext uri="{BB962C8B-B14F-4D97-AF65-F5344CB8AC3E}">
-        <p14:creationId xmlns:p14="http://schemas.microsoft.com/office/powerpoint/2010/main" val="1588106317"/>
+        <p14:creationId xmlns:p14="http://schemas.microsoft.com/office/powerpoint/2010/main" val="1831224169"/>
       </p:ext>
     </p:extLst>
   </p:cSld>
@@ -4570,12 +4629,14 @@
         </p:nvSpPr>
         <p:spPr/>
         <p:txBody>
-          <a:bodyPr/>
+          <a:bodyPr>
+            <a:normAutofit/>
+          </a:bodyPr>
           <a:lstStyle/>
           <a:p>
             <a:r>
               <a:rPr lang="en-US" dirty="0" smtClean="0"/>
-              <a:t>Problems</a:t>
+              <a:t>Do bottlenecks affect the variance? </a:t>
             </a:r>
             <a:endParaRPr lang="en-US" dirty="0"/>
           </a:p>
@@ -4583,33 +4644,405 @@
       </p:sp>
       <p:sp>
         <p:nvSpPr>
-          <p:cNvPr id="3" name="Content Placeholder 2"/>
-          <p:cNvSpPr>
-            <a:spLocks noGrp="1"/>
-          </p:cNvSpPr>
-          <p:nvPr>
-            <p:ph idx="1"/>
-          </p:nvPr>
-        </p:nvSpPr>
-        <p:spPr/>
-        <p:txBody>
-          <a:bodyPr/>
-          <a:lstStyle/>
-          <a:p>
-            <a:r>
-              <a:rPr lang="en-US" dirty="0" smtClean="0"/>
-              <a:t>Need more realistic values </a:t>
-            </a:r>
-          </a:p>
-          <a:p>
-            <a:endParaRPr lang="en-US" dirty="0"/>
+          <p:cNvPr id="4" name="Content Placeholder 2"/>
+          <p:cNvSpPr txBox="1">
+            <a:spLocks/>
+          </p:cNvSpPr>
+          <p:nvPr/>
+        </p:nvSpPr>
+        <p:spPr>
+          <a:xfrm>
+            <a:off x="457200" y="5777983"/>
+            <a:ext cx="1510213" cy="715540"/>
+          </a:xfrm>
+          <a:prstGeom prst="rect">
+            <a:avLst/>
+          </a:prstGeom>
+        </p:spPr>
+        <p:txBody>
+          <a:bodyPr vert="horz" lIns="91440" tIns="45720" rIns="91440" bIns="45720" rtlCol="0">
+            <a:noAutofit/>
+          </a:bodyPr>
+          <a:lstStyle>
+            <a:lvl1pPr marL="342900" indent="-342900" algn="l" defTabSz="457200" rtl="0" eaLnBrk="1" latinLnBrk="0" hangingPunct="1">
+              <a:spcBef>
+                <a:spcPct val="20000"/>
+              </a:spcBef>
+              <a:buFont typeface="Arial"/>
+              <a:buChar char="•"/>
+              <a:defRPr sz="3200" kern="1200">
+                <a:solidFill>
+                  <a:schemeClr val="tx1"/>
+                </a:solidFill>
+                <a:latin typeface="+mn-lt"/>
+                <a:ea typeface="+mn-ea"/>
+                <a:cs typeface="+mn-cs"/>
+              </a:defRPr>
+            </a:lvl1pPr>
+            <a:lvl2pPr marL="742950" indent="-285750" algn="l" defTabSz="457200" rtl="0" eaLnBrk="1" latinLnBrk="0" hangingPunct="1">
+              <a:spcBef>
+                <a:spcPct val="20000"/>
+              </a:spcBef>
+              <a:buFont typeface="Arial"/>
+              <a:buChar char="–"/>
+              <a:defRPr sz="2800" kern="1200">
+                <a:solidFill>
+                  <a:schemeClr val="tx1"/>
+                </a:solidFill>
+                <a:latin typeface="+mn-lt"/>
+                <a:ea typeface="+mn-ea"/>
+                <a:cs typeface="+mn-cs"/>
+              </a:defRPr>
+            </a:lvl2pPr>
+            <a:lvl3pPr marL="1143000" indent="-228600" algn="l" defTabSz="457200" rtl="0" eaLnBrk="1" latinLnBrk="0" hangingPunct="1">
+              <a:spcBef>
+                <a:spcPct val="20000"/>
+              </a:spcBef>
+              <a:buFont typeface="Arial"/>
+              <a:buChar char="•"/>
+              <a:defRPr sz="2400" kern="1200">
+                <a:solidFill>
+                  <a:schemeClr val="tx1"/>
+                </a:solidFill>
+                <a:latin typeface="+mn-lt"/>
+                <a:ea typeface="+mn-ea"/>
+                <a:cs typeface="+mn-cs"/>
+              </a:defRPr>
+            </a:lvl3pPr>
+            <a:lvl4pPr marL="1600200" indent="-228600" algn="l" defTabSz="457200" rtl="0" eaLnBrk="1" latinLnBrk="0" hangingPunct="1">
+              <a:spcBef>
+                <a:spcPct val="20000"/>
+              </a:spcBef>
+              <a:buFont typeface="Arial"/>
+              <a:buChar char="–"/>
+              <a:defRPr sz="2000" kern="1200">
+                <a:solidFill>
+                  <a:schemeClr val="tx1"/>
+                </a:solidFill>
+                <a:latin typeface="+mn-lt"/>
+                <a:ea typeface="+mn-ea"/>
+                <a:cs typeface="+mn-cs"/>
+              </a:defRPr>
+            </a:lvl4pPr>
+            <a:lvl5pPr marL="2057400" indent="-228600" algn="l" defTabSz="457200" rtl="0" eaLnBrk="1" latinLnBrk="0" hangingPunct="1">
+              <a:spcBef>
+                <a:spcPct val="20000"/>
+              </a:spcBef>
+              <a:buFont typeface="Arial"/>
+              <a:buChar char="»"/>
+              <a:defRPr sz="2000" kern="1200">
+                <a:solidFill>
+                  <a:schemeClr val="tx1"/>
+                </a:solidFill>
+                <a:latin typeface="+mn-lt"/>
+                <a:ea typeface="+mn-ea"/>
+                <a:cs typeface="+mn-cs"/>
+              </a:defRPr>
+            </a:lvl5pPr>
+            <a:lvl6pPr marL="2514600" indent="-228600" algn="l" defTabSz="457200" rtl="0" eaLnBrk="1" latinLnBrk="0" hangingPunct="1">
+              <a:spcBef>
+                <a:spcPct val="20000"/>
+              </a:spcBef>
+              <a:buFont typeface="Arial"/>
+              <a:buChar char="•"/>
+              <a:defRPr sz="2000" kern="1200">
+                <a:solidFill>
+                  <a:schemeClr val="tx1"/>
+                </a:solidFill>
+                <a:latin typeface="+mn-lt"/>
+                <a:ea typeface="+mn-ea"/>
+                <a:cs typeface="+mn-cs"/>
+              </a:defRPr>
+            </a:lvl6pPr>
+            <a:lvl7pPr marL="2971800" indent="-228600" algn="l" defTabSz="457200" rtl="0" eaLnBrk="1" latinLnBrk="0" hangingPunct="1">
+              <a:spcBef>
+                <a:spcPct val="20000"/>
+              </a:spcBef>
+              <a:buFont typeface="Arial"/>
+              <a:buChar char="•"/>
+              <a:defRPr sz="2000" kern="1200">
+                <a:solidFill>
+                  <a:schemeClr val="tx1"/>
+                </a:solidFill>
+                <a:latin typeface="+mn-lt"/>
+                <a:ea typeface="+mn-ea"/>
+                <a:cs typeface="+mn-cs"/>
+              </a:defRPr>
+            </a:lvl7pPr>
+            <a:lvl8pPr marL="3429000" indent="-228600" algn="l" defTabSz="457200" rtl="0" eaLnBrk="1" latinLnBrk="0" hangingPunct="1">
+              <a:spcBef>
+                <a:spcPct val="20000"/>
+              </a:spcBef>
+              <a:buFont typeface="Arial"/>
+              <a:buChar char="•"/>
+              <a:defRPr sz="2000" kern="1200">
+                <a:solidFill>
+                  <a:schemeClr val="tx1"/>
+                </a:solidFill>
+                <a:latin typeface="+mn-lt"/>
+                <a:ea typeface="+mn-ea"/>
+                <a:cs typeface="+mn-cs"/>
+              </a:defRPr>
+            </a:lvl8pPr>
+            <a:lvl9pPr marL="3886200" indent="-228600" algn="l" defTabSz="457200" rtl="0" eaLnBrk="1" latinLnBrk="0" hangingPunct="1">
+              <a:spcBef>
+                <a:spcPct val="20000"/>
+              </a:spcBef>
+              <a:buFont typeface="Arial"/>
+              <a:buChar char="•"/>
+              <a:defRPr sz="2000" kern="1200">
+                <a:solidFill>
+                  <a:schemeClr val="tx1"/>
+                </a:solidFill>
+                <a:latin typeface="+mn-lt"/>
+                <a:ea typeface="+mn-ea"/>
+                <a:cs typeface="+mn-cs"/>
+              </a:defRPr>
+            </a:lvl9pPr>
+          </a:lstStyle>
+          <a:p>
+            <a:pPr marL="0" indent="0">
+              <a:buFont typeface="Arial"/>
+              <a:buNone/>
+            </a:pPr>
+            <a:r>
+              <a:rPr lang="en-US" sz="4000" dirty="0" smtClean="0"/>
+              <a:t>OU</a:t>
+            </a:r>
+            <a:endParaRPr lang="en-US" sz="4000" dirty="0"/>
           </a:p>
         </p:txBody>
       </p:sp>
     </p:spTree>
     <p:extLst>
       <p:ext uri="{BB962C8B-B14F-4D97-AF65-F5344CB8AC3E}">
-        <p14:creationId xmlns:p14="http://schemas.microsoft.com/office/powerpoint/2010/main" val="1980410066"/>
+        <p14:creationId xmlns:p14="http://schemas.microsoft.com/office/powerpoint/2010/main" val="1831224169"/>
+      </p:ext>
+    </p:extLst>
+  </p:cSld>
+  <p:clrMapOvr>
+    <a:masterClrMapping/>
+  </p:clrMapOvr>
+</p:sld>
+</file>
+
+<file path=ppt/slides/slide19.xml><?xml version="1.0" encoding="utf-8"?>
+<p:sld xmlns:a="http://schemas.openxmlformats.org/drawingml/2006/main" xmlns:r="http://schemas.openxmlformats.org/officeDocument/2006/relationships" xmlns:p="http://schemas.openxmlformats.org/presentationml/2006/main">
+  <p:cSld>
+    <p:spTree>
+      <p:nvGrpSpPr>
+        <p:cNvPr id="1" name=""/>
+        <p:cNvGrpSpPr/>
+        <p:nvPr/>
+      </p:nvGrpSpPr>
+      <p:grpSpPr>
+        <a:xfrm>
+          <a:off x="0" y="0"/>
+          <a:ext cx="0" cy="0"/>
+          <a:chOff x="0" y="0"/>
+          <a:chExt cx="0" cy="0"/>
+        </a:xfrm>
+      </p:grpSpPr>
+      <p:sp>
+        <p:nvSpPr>
+          <p:cNvPr id="2" name="Title 1"/>
+          <p:cNvSpPr>
+            <a:spLocks noGrp="1"/>
+          </p:cNvSpPr>
+          <p:nvPr>
+            <p:ph type="title"/>
+          </p:nvPr>
+        </p:nvSpPr>
+        <p:spPr/>
+        <p:txBody>
+          <a:bodyPr>
+            <a:normAutofit/>
+          </a:bodyPr>
+          <a:lstStyle/>
+          <a:p>
+            <a:r>
+              <a:rPr lang="en-US" dirty="0" smtClean="0"/>
+              <a:t>Do bottlenecks affect the variance? </a:t>
+            </a:r>
+            <a:endParaRPr lang="en-US" dirty="0"/>
+          </a:p>
+        </p:txBody>
+      </p:sp>
+      <p:sp>
+        <p:nvSpPr>
+          <p:cNvPr id="4" name="Content Placeholder 2"/>
+          <p:cNvSpPr txBox="1">
+            <a:spLocks/>
+          </p:cNvSpPr>
+          <p:nvPr/>
+        </p:nvSpPr>
+        <p:spPr>
+          <a:xfrm>
+            <a:off x="457200" y="5777983"/>
+            <a:ext cx="1510213" cy="715540"/>
+          </a:xfrm>
+          <a:prstGeom prst="rect">
+            <a:avLst/>
+          </a:prstGeom>
+        </p:spPr>
+        <p:txBody>
+          <a:bodyPr vert="horz" lIns="91440" tIns="45720" rIns="91440" bIns="45720" rtlCol="0">
+            <a:noAutofit/>
+          </a:bodyPr>
+          <a:lstStyle>
+            <a:lvl1pPr marL="342900" indent="-342900" algn="l" defTabSz="457200" rtl="0" eaLnBrk="1" latinLnBrk="0" hangingPunct="1">
+              <a:spcBef>
+                <a:spcPct val="20000"/>
+              </a:spcBef>
+              <a:buFont typeface="Arial"/>
+              <a:buChar char="•"/>
+              <a:defRPr sz="3200" kern="1200">
+                <a:solidFill>
+                  <a:schemeClr val="tx1"/>
+                </a:solidFill>
+                <a:latin typeface="+mn-lt"/>
+                <a:ea typeface="+mn-ea"/>
+                <a:cs typeface="+mn-cs"/>
+              </a:defRPr>
+            </a:lvl1pPr>
+            <a:lvl2pPr marL="742950" indent="-285750" algn="l" defTabSz="457200" rtl="0" eaLnBrk="1" latinLnBrk="0" hangingPunct="1">
+              <a:spcBef>
+                <a:spcPct val="20000"/>
+              </a:spcBef>
+              <a:buFont typeface="Arial"/>
+              <a:buChar char="–"/>
+              <a:defRPr sz="2800" kern="1200">
+                <a:solidFill>
+                  <a:schemeClr val="tx1"/>
+                </a:solidFill>
+                <a:latin typeface="+mn-lt"/>
+                <a:ea typeface="+mn-ea"/>
+                <a:cs typeface="+mn-cs"/>
+              </a:defRPr>
+            </a:lvl2pPr>
+            <a:lvl3pPr marL="1143000" indent="-228600" algn="l" defTabSz="457200" rtl="0" eaLnBrk="1" latinLnBrk="0" hangingPunct="1">
+              <a:spcBef>
+                <a:spcPct val="20000"/>
+              </a:spcBef>
+              <a:buFont typeface="Arial"/>
+              <a:buChar char="•"/>
+              <a:defRPr sz="2400" kern="1200">
+                <a:solidFill>
+                  <a:schemeClr val="tx1"/>
+                </a:solidFill>
+                <a:latin typeface="+mn-lt"/>
+                <a:ea typeface="+mn-ea"/>
+                <a:cs typeface="+mn-cs"/>
+              </a:defRPr>
+            </a:lvl3pPr>
+            <a:lvl4pPr marL="1600200" indent="-228600" algn="l" defTabSz="457200" rtl="0" eaLnBrk="1" latinLnBrk="0" hangingPunct="1">
+              <a:spcBef>
+                <a:spcPct val="20000"/>
+              </a:spcBef>
+              <a:buFont typeface="Arial"/>
+              <a:buChar char="–"/>
+              <a:defRPr sz="2000" kern="1200">
+                <a:solidFill>
+                  <a:schemeClr val="tx1"/>
+                </a:solidFill>
+                <a:latin typeface="+mn-lt"/>
+                <a:ea typeface="+mn-ea"/>
+                <a:cs typeface="+mn-cs"/>
+              </a:defRPr>
+            </a:lvl4pPr>
+            <a:lvl5pPr marL="2057400" indent="-228600" algn="l" defTabSz="457200" rtl="0" eaLnBrk="1" latinLnBrk="0" hangingPunct="1">
+              <a:spcBef>
+                <a:spcPct val="20000"/>
+              </a:spcBef>
+              <a:buFont typeface="Arial"/>
+              <a:buChar char="»"/>
+              <a:defRPr sz="2000" kern="1200">
+                <a:solidFill>
+                  <a:schemeClr val="tx1"/>
+                </a:solidFill>
+                <a:latin typeface="+mn-lt"/>
+                <a:ea typeface="+mn-ea"/>
+                <a:cs typeface="+mn-cs"/>
+              </a:defRPr>
+            </a:lvl5pPr>
+            <a:lvl6pPr marL="2514600" indent="-228600" algn="l" defTabSz="457200" rtl="0" eaLnBrk="1" latinLnBrk="0" hangingPunct="1">
+              <a:spcBef>
+                <a:spcPct val="20000"/>
+              </a:spcBef>
+              <a:buFont typeface="Arial"/>
+              <a:buChar char="•"/>
+              <a:defRPr sz="2000" kern="1200">
+                <a:solidFill>
+                  <a:schemeClr val="tx1"/>
+                </a:solidFill>
+                <a:latin typeface="+mn-lt"/>
+                <a:ea typeface="+mn-ea"/>
+                <a:cs typeface="+mn-cs"/>
+              </a:defRPr>
+            </a:lvl6pPr>
+            <a:lvl7pPr marL="2971800" indent="-228600" algn="l" defTabSz="457200" rtl="0" eaLnBrk="1" latinLnBrk="0" hangingPunct="1">
+              <a:spcBef>
+                <a:spcPct val="20000"/>
+              </a:spcBef>
+              <a:buFont typeface="Arial"/>
+              <a:buChar char="•"/>
+              <a:defRPr sz="2000" kern="1200">
+                <a:solidFill>
+                  <a:schemeClr val="tx1"/>
+                </a:solidFill>
+                <a:latin typeface="+mn-lt"/>
+                <a:ea typeface="+mn-ea"/>
+                <a:cs typeface="+mn-cs"/>
+              </a:defRPr>
+            </a:lvl7pPr>
+            <a:lvl8pPr marL="3429000" indent="-228600" algn="l" defTabSz="457200" rtl="0" eaLnBrk="1" latinLnBrk="0" hangingPunct="1">
+              <a:spcBef>
+                <a:spcPct val="20000"/>
+              </a:spcBef>
+              <a:buFont typeface="Arial"/>
+              <a:buChar char="•"/>
+              <a:defRPr sz="2000" kern="1200">
+                <a:solidFill>
+                  <a:schemeClr val="tx1"/>
+                </a:solidFill>
+                <a:latin typeface="+mn-lt"/>
+                <a:ea typeface="+mn-ea"/>
+                <a:cs typeface="+mn-cs"/>
+              </a:defRPr>
+            </a:lvl8pPr>
+            <a:lvl9pPr marL="3886200" indent="-228600" algn="l" defTabSz="457200" rtl="0" eaLnBrk="1" latinLnBrk="0" hangingPunct="1">
+              <a:spcBef>
+                <a:spcPct val="20000"/>
+              </a:spcBef>
+              <a:buFont typeface="Arial"/>
+              <a:buChar char="•"/>
+              <a:defRPr sz="2000" kern="1200">
+                <a:solidFill>
+                  <a:schemeClr val="tx1"/>
+                </a:solidFill>
+                <a:latin typeface="+mn-lt"/>
+                <a:ea typeface="+mn-ea"/>
+                <a:cs typeface="+mn-cs"/>
+              </a:defRPr>
+            </a:lvl9pPr>
+          </a:lstStyle>
+          <a:p>
+            <a:pPr marL="0" indent="0">
+              <a:buFont typeface="Arial"/>
+              <a:buNone/>
+            </a:pPr>
+            <a:r>
+              <a:rPr lang="en-US" sz="4000" dirty="0" smtClean="0"/>
+              <a:t>OU</a:t>
+            </a:r>
+            <a:endParaRPr lang="en-US" sz="4000" dirty="0"/>
+          </a:p>
+        </p:txBody>
+      </p:sp>
+    </p:spTree>
+    <p:extLst>
+      <p:ext uri="{BB962C8B-B14F-4D97-AF65-F5344CB8AC3E}">
+        <p14:creationId xmlns:p14="http://schemas.microsoft.com/office/powerpoint/2010/main" val="3735596612"/>
       </p:ext>
     </p:extLst>
   </p:cSld>
@@ -4717,6 +5150,156 @@
 </p:sld>
 </file>
 
+<file path=ppt/slides/slide20.xml><?xml version="1.0" encoding="utf-8"?>
+<p:sld xmlns:a="http://schemas.openxmlformats.org/drawingml/2006/main" xmlns:r="http://schemas.openxmlformats.org/officeDocument/2006/relationships" xmlns:p="http://schemas.openxmlformats.org/presentationml/2006/main">
+  <p:cSld>
+    <p:spTree>
+      <p:nvGrpSpPr>
+        <p:cNvPr id="1" name=""/>
+        <p:cNvGrpSpPr/>
+        <p:nvPr/>
+      </p:nvGrpSpPr>
+      <p:grpSpPr>
+        <a:xfrm>
+          <a:off x="0" y="0"/>
+          <a:ext cx="0" cy="0"/>
+          <a:chOff x="0" y="0"/>
+          <a:chExt cx="0" cy="0"/>
+        </a:xfrm>
+      </p:grpSpPr>
+      <p:sp>
+        <p:nvSpPr>
+          <p:cNvPr id="2" name="Title 1"/>
+          <p:cNvSpPr>
+            <a:spLocks noGrp="1"/>
+          </p:cNvSpPr>
+          <p:nvPr>
+            <p:ph type="title"/>
+          </p:nvPr>
+        </p:nvSpPr>
+        <p:spPr/>
+        <p:txBody>
+          <a:bodyPr/>
+          <a:lstStyle/>
+          <a:p>
+            <a:r>
+              <a:rPr lang="en-US" dirty="0" smtClean="0"/>
+              <a:t>Summary</a:t>
+            </a:r>
+            <a:endParaRPr lang="en-US" dirty="0"/>
+          </a:p>
+        </p:txBody>
+      </p:sp>
+      <p:sp>
+        <p:nvSpPr>
+          <p:cNvPr id="3" name="Content Placeholder 2"/>
+          <p:cNvSpPr>
+            <a:spLocks noGrp="1"/>
+          </p:cNvSpPr>
+          <p:nvPr>
+            <p:ph idx="1"/>
+          </p:nvPr>
+        </p:nvSpPr>
+        <p:spPr/>
+        <p:txBody>
+          <a:bodyPr/>
+          <a:lstStyle/>
+          <a:p>
+            <a:endParaRPr lang="en-US" dirty="0"/>
+          </a:p>
+        </p:txBody>
+      </p:sp>
+    </p:spTree>
+    <p:extLst>
+      <p:ext uri="{BB962C8B-B14F-4D97-AF65-F5344CB8AC3E}">
+        <p14:creationId xmlns:p14="http://schemas.microsoft.com/office/powerpoint/2010/main" val="1588106317"/>
+      </p:ext>
+    </p:extLst>
+  </p:cSld>
+  <p:clrMapOvr>
+    <a:masterClrMapping/>
+  </p:clrMapOvr>
+</p:sld>
+</file>
+
+<file path=ppt/slides/slide21.xml><?xml version="1.0" encoding="utf-8"?>
+<p:sld xmlns:a="http://schemas.openxmlformats.org/drawingml/2006/main" xmlns:r="http://schemas.openxmlformats.org/officeDocument/2006/relationships" xmlns:p="http://schemas.openxmlformats.org/presentationml/2006/main">
+  <p:cSld>
+    <p:spTree>
+      <p:nvGrpSpPr>
+        <p:cNvPr id="1" name=""/>
+        <p:cNvGrpSpPr/>
+        <p:nvPr/>
+      </p:nvGrpSpPr>
+      <p:grpSpPr>
+        <a:xfrm>
+          <a:off x="0" y="0"/>
+          <a:ext cx="0" cy="0"/>
+          <a:chOff x="0" y="0"/>
+          <a:chExt cx="0" cy="0"/>
+        </a:xfrm>
+      </p:grpSpPr>
+      <p:sp>
+        <p:nvSpPr>
+          <p:cNvPr id="2" name="Title 1"/>
+          <p:cNvSpPr>
+            <a:spLocks noGrp="1"/>
+          </p:cNvSpPr>
+          <p:nvPr>
+            <p:ph type="title"/>
+          </p:nvPr>
+        </p:nvSpPr>
+        <p:spPr/>
+        <p:txBody>
+          <a:bodyPr/>
+          <a:lstStyle/>
+          <a:p>
+            <a:r>
+              <a:rPr lang="en-US" dirty="0" smtClean="0"/>
+              <a:t>Problems</a:t>
+            </a:r>
+            <a:endParaRPr lang="en-US" dirty="0"/>
+          </a:p>
+        </p:txBody>
+      </p:sp>
+      <p:sp>
+        <p:nvSpPr>
+          <p:cNvPr id="3" name="Content Placeholder 2"/>
+          <p:cNvSpPr>
+            <a:spLocks noGrp="1"/>
+          </p:cNvSpPr>
+          <p:nvPr>
+            <p:ph idx="1"/>
+          </p:nvPr>
+        </p:nvSpPr>
+        <p:spPr/>
+        <p:txBody>
+          <a:bodyPr/>
+          <a:lstStyle/>
+          <a:p>
+            <a:r>
+              <a:rPr lang="en-US" dirty="0" smtClean="0"/>
+              <a:t>Need more realistic values </a:t>
+            </a:r>
+          </a:p>
+          <a:p>
+            <a:endParaRPr lang="en-US" dirty="0"/>
+          </a:p>
+        </p:txBody>
+      </p:sp>
+    </p:spTree>
+    <p:extLst>
+      <p:ext uri="{BB962C8B-B14F-4D97-AF65-F5344CB8AC3E}">
+        <p14:creationId xmlns:p14="http://schemas.microsoft.com/office/powerpoint/2010/main" val="1980410066"/>
+      </p:ext>
+    </p:extLst>
+  </p:cSld>
+  <p:clrMapOvr>
+    <a:masterClrMapping/>
+  </p:clrMapOvr>
+</p:sld>
+</file>
+
 <file path=ppt/slides/slide3.xml><?xml version="1.0" encoding="utf-8"?>
 <p:sld xmlns:a="http://schemas.openxmlformats.org/drawingml/2006/main" xmlns:r="http://schemas.openxmlformats.org/officeDocument/2006/relationships" xmlns:p="http://schemas.openxmlformats.org/presentationml/2006/main">
   <p:cSld>
@@ -4757,71 +5340,10 @@
           </a:p>
         </p:txBody>
       </p:sp>
-      <p:sp>
-        <p:nvSpPr>
-          <p:cNvPr id="3" name="Content Placeholder 2"/>
-          <p:cNvSpPr>
-            <a:spLocks noGrp="1"/>
-          </p:cNvSpPr>
-          <p:nvPr>
-            <p:ph idx="1"/>
-          </p:nvPr>
-        </p:nvSpPr>
-        <p:spPr>
-          <a:xfrm>
-            <a:off x="457200" y="1671755"/>
-            <a:ext cx="3000306" cy="3193914"/>
-          </a:xfrm>
-        </p:spPr>
-        <p:txBody>
-          <a:bodyPr/>
-          <a:lstStyle/>
-          <a:p>
-            <a:r>
-              <a:rPr lang="en-US" dirty="0" smtClean="0">
-                <a:solidFill>
-                  <a:srgbClr val="FF0000"/>
-                </a:solidFill>
-              </a:rPr>
-              <a:t>No constraints</a:t>
-            </a:r>
-          </a:p>
-          <a:p>
-            <a:r>
-              <a:rPr lang="el-GR" dirty="0" smtClean="0"/>
-              <a:t>σ</a:t>
-            </a:r>
-            <a:r>
-              <a:rPr lang="el-GR" baseline="30000" dirty="0" smtClean="0"/>
-              <a:t>2</a:t>
-            </a:r>
-            <a:r>
-              <a:rPr lang="en-US" dirty="0" smtClean="0"/>
-              <a:t>: rate or </a:t>
-            </a:r>
-            <a:r>
-              <a:rPr lang="en-US" dirty="0" err="1" smtClean="0"/>
-              <a:t>sd</a:t>
-            </a:r>
-            <a:endParaRPr lang="en-US" dirty="0" smtClean="0"/>
-          </a:p>
-          <a:p>
-            <a:r>
-              <a:rPr lang="el-GR" dirty="0" smtClean="0"/>
-              <a:t>μ</a:t>
-            </a:r>
-            <a:r>
-              <a:rPr lang="en-US" dirty="0" smtClean="0"/>
-              <a:t>: mean</a:t>
-            </a:r>
-            <a:endParaRPr lang="en-US" dirty="0"/>
-          </a:p>
-        </p:txBody>
-      </p:sp>
     </p:spTree>
     <p:extLst>
       <p:ext uri="{BB962C8B-B14F-4D97-AF65-F5344CB8AC3E}">
-        <p14:creationId xmlns:p14="http://schemas.microsoft.com/office/powerpoint/2010/main" val="3085754621"/>
+        <p14:creationId xmlns:p14="http://schemas.microsoft.com/office/powerpoint/2010/main" val="3997570291"/>
       </p:ext>
     </p:extLst>
   </p:cSld>
@@ -4871,87 +5393,10 @@
           </a:p>
         </p:txBody>
       </p:sp>
-      <p:sp>
-        <p:nvSpPr>
-          <p:cNvPr id="3" name="Content Placeholder 2"/>
-          <p:cNvSpPr>
-            <a:spLocks noGrp="1"/>
-          </p:cNvSpPr>
-          <p:nvPr>
-            <p:ph idx="1"/>
-          </p:nvPr>
-        </p:nvSpPr>
-        <p:spPr>
-          <a:xfrm>
-            <a:off x="457200" y="1671755"/>
-            <a:ext cx="3000306" cy="3193914"/>
-          </a:xfrm>
-        </p:spPr>
-        <p:txBody>
-          <a:bodyPr/>
-          <a:lstStyle/>
-          <a:p>
-            <a:r>
-              <a:rPr lang="en-US" dirty="0" smtClean="0"/>
-              <a:t>No constraints</a:t>
-            </a:r>
-          </a:p>
-          <a:p>
-            <a:r>
-              <a:rPr lang="el-GR" dirty="0" smtClean="0">
-                <a:solidFill>
-                  <a:srgbClr val="FF0000"/>
-                </a:solidFill>
-              </a:rPr>
-              <a:t>σ</a:t>
-            </a:r>
-            <a:r>
-              <a:rPr lang="el-GR" baseline="30000" dirty="0" smtClean="0">
-                <a:solidFill>
-                  <a:srgbClr val="FF0000"/>
-                </a:solidFill>
-              </a:rPr>
-              <a:t>2</a:t>
-            </a:r>
-            <a:r>
-              <a:rPr lang="en-US" dirty="0" smtClean="0">
-                <a:solidFill>
-                  <a:srgbClr val="FF0000"/>
-                </a:solidFill>
-              </a:rPr>
-              <a:t>: rate or </a:t>
-            </a:r>
-            <a:r>
-              <a:rPr lang="en-US" dirty="0" err="1" smtClean="0">
-                <a:solidFill>
-                  <a:srgbClr val="FF0000"/>
-                </a:solidFill>
-              </a:rPr>
-              <a:t>sd</a:t>
-            </a:r>
-            <a:endParaRPr lang="en-US" dirty="0" smtClean="0">
-              <a:solidFill>
-                <a:srgbClr val="FF0000"/>
-              </a:solidFill>
-            </a:endParaRPr>
-          </a:p>
-          <a:p>
-            <a:r>
-              <a:rPr lang="el-GR" dirty="0" smtClean="0"/>
-              <a:t>μ</a:t>
-            </a:r>
-            <a:r>
-              <a:rPr lang="en-US" dirty="0" smtClean="0"/>
-              <a:t>: mean</a:t>
-            </a:r>
-            <a:endParaRPr lang="en-US" dirty="0"/>
-          </a:p>
-        </p:txBody>
-      </p:sp>
     </p:spTree>
     <p:extLst>
       <p:ext uri="{BB962C8B-B14F-4D97-AF65-F5344CB8AC3E}">
-        <p14:creationId xmlns:p14="http://schemas.microsoft.com/office/powerpoint/2010/main" val="1098398276"/>
+        <p14:creationId xmlns:p14="http://schemas.microsoft.com/office/powerpoint/2010/main" val="618879271"/>
       </p:ext>
     </p:extLst>
   </p:cSld>
@@ -5001,79 +5446,10 @@
           </a:p>
         </p:txBody>
       </p:sp>
-      <p:sp>
-        <p:nvSpPr>
-          <p:cNvPr id="3" name="Content Placeholder 2"/>
-          <p:cNvSpPr>
-            <a:spLocks noGrp="1"/>
-          </p:cNvSpPr>
-          <p:nvPr>
-            <p:ph idx="1"/>
-          </p:nvPr>
-        </p:nvSpPr>
-        <p:spPr>
-          <a:xfrm>
-            <a:off x="457200" y="1671755"/>
-            <a:ext cx="3000306" cy="3193914"/>
-          </a:xfrm>
-        </p:spPr>
-        <p:txBody>
-          <a:bodyPr/>
-          <a:lstStyle/>
-          <a:p>
-            <a:r>
-              <a:rPr lang="en-US" dirty="0" smtClean="0"/>
-              <a:t>No constraints</a:t>
-            </a:r>
-          </a:p>
-          <a:p>
-            <a:r>
-              <a:rPr lang="el-GR" dirty="0" smtClean="0"/>
-              <a:t>σ</a:t>
-            </a:r>
-            <a:r>
-              <a:rPr lang="el-GR" baseline="30000" dirty="0" smtClean="0"/>
-              <a:t>2</a:t>
-            </a:r>
-            <a:r>
-              <a:rPr lang="en-US" dirty="0" smtClean="0"/>
-              <a:t>: rate or </a:t>
-            </a:r>
-            <a:r>
-              <a:rPr lang="en-US" dirty="0" err="1" smtClean="0"/>
-              <a:t>sd</a:t>
-            </a:r>
-            <a:endParaRPr lang="en-US" dirty="0" smtClean="0"/>
-          </a:p>
-          <a:p>
-            <a:r>
-              <a:rPr lang="el-GR" dirty="0" smtClean="0">
-                <a:solidFill>
-                  <a:srgbClr val="FF0000"/>
-                </a:solidFill>
-              </a:rPr>
-              <a:t>μ</a:t>
-            </a:r>
-            <a:r>
-              <a:rPr lang="en-US" dirty="0" smtClean="0">
-                <a:solidFill>
-                  <a:srgbClr val="FF0000"/>
-                </a:solidFill>
-              </a:rPr>
-              <a:t>: mean</a:t>
-            </a:r>
-            <a:endParaRPr lang="en-US" dirty="0">
-              <a:solidFill>
-                <a:srgbClr val="FF0000"/>
-              </a:solidFill>
-            </a:endParaRPr>
-          </a:p>
-        </p:txBody>
-      </p:sp>
     </p:spTree>
     <p:extLst>
       <p:ext uri="{BB962C8B-B14F-4D97-AF65-F5344CB8AC3E}">
-        <p14:creationId xmlns:p14="http://schemas.microsoft.com/office/powerpoint/2010/main" val="1098398276"/>
+        <p14:creationId xmlns:p14="http://schemas.microsoft.com/office/powerpoint/2010/main" val="618879271"/>
       </p:ext>
     </p:extLst>
   </p:cSld>
@@ -5117,11 +5493,7 @@
           <a:p>
             <a:r>
               <a:rPr lang="en-US" dirty="0" smtClean="0"/>
-              <a:t>Ornstein-</a:t>
-            </a:r>
-            <a:r>
-              <a:rPr lang="en-US" dirty="0" err="1" smtClean="0"/>
-              <a:t>Uhlenbeck</a:t>
+              <a:t>Brownian Motion</a:t>
             </a:r>
             <a:endParaRPr lang="en-US" dirty="0"/>
           </a:p>
@@ -5139,125 +5511,59 @@
         </p:nvSpPr>
         <p:spPr>
           <a:xfrm>
-            <a:off x="457200" y="1600200"/>
-            <a:ext cx="3263000" cy="4525963"/>
+            <a:off x="457200" y="1671755"/>
+            <a:ext cx="3000306" cy="3193914"/>
           </a:xfrm>
         </p:spPr>
         <p:txBody>
-          <a:bodyPr>
-            <a:normAutofit fontScale="92500" lnSpcReduction="10000"/>
-          </a:bodyPr>
-          <a:lstStyle/>
-          <a:p>
-            <a:r>
-              <a:rPr lang="en-US" sz="3500" dirty="0" smtClean="0">
+          <a:bodyPr/>
+          <a:lstStyle/>
+          <a:p>
+            <a:r>
+              <a:rPr lang="en-US" dirty="0" smtClean="0">
                 <a:solidFill>
                   <a:srgbClr val="FF0000"/>
                 </a:solidFill>
               </a:rPr>
-              <a:t>“Rubber band” soft-bounds</a:t>
-            </a:r>
-          </a:p>
-          <a:p>
-            <a:r>
-              <a:rPr lang="el-GR" sz="3500" dirty="0" smtClean="0"/>
+              <a:t>No constraints</a:t>
+            </a:r>
+          </a:p>
+          <a:p>
+            <a:r>
+              <a:rPr lang="el-GR" dirty="0" smtClean="0"/>
               <a:t>σ</a:t>
             </a:r>
             <a:r>
-              <a:rPr lang="el-GR" sz="3500" baseline="30000" dirty="0" smtClean="0"/>
+              <a:rPr lang="el-GR" baseline="30000" dirty="0" smtClean="0"/>
               <a:t>2</a:t>
             </a:r>
             <a:r>
-              <a:rPr lang="en-US" sz="3500" dirty="0" smtClean="0"/>
+              <a:rPr lang="en-US" dirty="0" smtClean="0"/>
               <a:t>: rate or </a:t>
             </a:r>
             <a:r>
-              <a:rPr lang="en-US" sz="3500" dirty="0" err="1" smtClean="0"/>
+              <a:rPr lang="en-US" dirty="0" err="1" smtClean="0"/>
               <a:t>sd</a:t>
             </a:r>
-            <a:endParaRPr lang="en-US" sz="3500" baseline="30000" dirty="0" smtClean="0"/>
-          </a:p>
-          <a:p>
-            <a:r>
-              <a:rPr lang="el-GR" sz="3500" i="0" dirty="0" smtClean="0">
-                <a:ea typeface="Lucida Grande"/>
-                <a:cs typeface="Lucida Grande"/>
-              </a:rPr>
+            <a:endParaRPr lang="en-US" dirty="0" smtClean="0"/>
+          </a:p>
+          <a:p>
+            <a:r>
+              <a:rPr lang="el-GR" dirty="0" smtClean="0"/>
               <a:t>μ</a:t>
             </a:r>
             <a:r>
-              <a:rPr lang="en-US" sz="3500" dirty="0" smtClean="0">
-                <a:ea typeface="Lucida Grande"/>
-                <a:cs typeface="Lucida Grande"/>
-              </a:rPr>
+              <a:rPr lang="en-US" dirty="0" smtClean="0"/>
               <a:t>: mean</a:t>
             </a:r>
-            <a:endParaRPr lang="en-US" sz="3500" dirty="0" smtClean="0"/>
-          </a:p>
-          <a:p>
-            <a:r>
-              <a:rPr lang="el-GR" sz="3500" i="0" dirty="0" smtClean="0">
-                <a:ea typeface="Lucida Grande"/>
-                <a:cs typeface="Lucida Grande"/>
-              </a:rPr>
-              <a:t>θ</a:t>
-            </a:r>
-            <a:r>
-              <a:rPr lang="en-US" sz="3500" i="0" dirty="0" smtClean="0">
-                <a:ea typeface="Lucida Grande"/>
-                <a:cs typeface="Lucida Grande"/>
-              </a:rPr>
-              <a:t>: rate of mean-reversion</a:t>
-            </a:r>
-            <a:endParaRPr lang="en-US" sz="3500" dirty="0" smtClean="0"/>
-          </a:p>
-          <a:p>
-            <a:pPr lvl="1"/>
-            <a:r>
-              <a:rPr lang="el-GR" sz="1900" dirty="0" smtClean="0"/>
-              <a:t>θ</a:t>
-            </a:r>
-            <a:r>
-              <a:rPr lang="en-US" sz="1900" dirty="0" smtClean="0"/>
-              <a:t> = 0</a:t>
-            </a:r>
-          </a:p>
-          <a:p>
-            <a:pPr lvl="2"/>
-            <a:r>
-              <a:rPr lang="en-US" sz="1900" dirty="0" smtClean="0"/>
-              <a:t>BM</a:t>
-            </a:r>
-          </a:p>
-          <a:p>
-            <a:pPr lvl="1"/>
-            <a:r>
-              <a:rPr lang="el-GR" sz="1900" dirty="0" smtClean="0"/>
-              <a:t>θ</a:t>
-            </a:r>
-            <a:r>
-              <a:rPr lang="en-US" sz="1900" dirty="0" smtClean="0"/>
-              <a:t> = 1 </a:t>
-            </a:r>
-            <a:endParaRPr lang="en-US" sz="1900" dirty="0"/>
-          </a:p>
-          <a:p>
-            <a:pPr lvl="2"/>
-            <a:r>
-              <a:rPr lang="en-US" sz="1900" dirty="0" smtClean="0"/>
-              <a:t>Back to μ</a:t>
-            </a:r>
-          </a:p>
-          <a:p>
-            <a:pPr lvl="2"/>
-            <a:endParaRPr lang="en-US" dirty="0" smtClean="0"/>
+            <a:endParaRPr lang="en-US" dirty="0"/>
           </a:p>
         </p:txBody>
       </p:sp>
     </p:spTree>
     <p:extLst>
       <p:ext uri="{BB962C8B-B14F-4D97-AF65-F5344CB8AC3E}">
-        <p14:creationId xmlns:p14="http://schemas.microsoft.com/office/powerpoint/2010/main" val="356588586"/>
+        <p14:creationId xmlns:p14="http://schemas.microsoft.com/office/powerpoint/2010/main" val="3085754621"/>
       </p:ext>
     </p:extLst>
   </p:cSld>
@@ -5301,11 +5607,7 @@
           <a:p>
             <a:r>
               <a:rPr lang="en-US" dirty="0" smtClean="0"/>
-              <a:t>Ornstein-</a:t>
-            </a:r>
-            <a:r>
-              <a:rPr lang="en-US" dirty="0" err="1" smtClean="0"/>
-              <a:t>Uhlenbeck</a:t>
+              <a:t>Brownian Motion</a:t>
             </a:r>
             <a:endParaRPr lang="en-US" dirty="0"/>
           </a:p>
@@ -5323,24 +5625,22 @@
         </p:nvSpPr>
         <p:spPr>
           <a:xfrm>
-            <a:off x="457200" y="1600200"/>
-            <a:ext cx="3263000" cy="4525963"/>
+            <a:off x="457200" y="1671755"/>
+            <a:ext cx="3000306" cy="3193914"/>
           </a:xfrm>
         </p:spPr>
         <p:txBody>
-          <a:bodyPr>
-            <a:normAutofit fontScale="92500" lnSpcReduction="10000"/>
-          </a:bodyPr>
-          <a:lstStyle/>
-          <a:p>
-            <a:r>
-              <a:rPr lang="en-US" sz="3500" dirty="0" smtClean="0"/>
-              <a:t>“Rubber band” soft-bounds</a:t>
-            </a:r>
-          </a:p>
-          <a:p>
-            <a:r>
-              <a:rPr lang="el-GR" sz="3500" dirty="0" smtClean="0">
+          <a:bodyPr/>
+          <a:lstStyle/>
+          <a:p>
+            <a:r>
+              <a:rPr lang="en-US" dirty="0" smtClean="0"/>
+              <a:t>No constraints</a:t>
+            </a:r>
+          </a:p>
+          <a:p>
+            <a:r>
+              <a:rPr lang="el-GR" dirty="0" smtClean="0">
                 <a:solidFill>
                   <a:srgbClr val="FF0000"/>
                 </a:solidFill>
@@ -5348,7 +5648,7 @@
               <a:t>σ</a:t>
             </a:r>
             <a:r>
-              <a:rPr lang="el-GR" sz="3500" baseline="30000" dirty="0" smtClean="0">
+              <a:rPr lang="el-GR" baseline="30000" dirty="0" smtClean="0">
                 <a:solidFill>
                   <a:srgbClr val="FF0000"/>
                 </a:solidFill>
@@ -5356,7 +5656,7 @@
               <a:t>2</a:t>
             </a:r>
             <a:r>
-              <a:rPr lang="en-US" sz="3500" dirty="0" smtClean="0">
+              <a:rPr lang="en-US" dirty="0" smtClean="0">
                 <a:solidFill>
                   <a:srgbClr val="FF0000"/>
                 </a:solidFill>
@@ -5364,14 +5664,14 @@
               <a:t>: rate or </a:t>
             </a:r>
             <a:r>
-              <a:rPr lang="en-US" sz="3500" dirty="0" err="1" smtClean="0">
+              <a:rPr lang="en-US" dirty="0" err="1" smtClean="0">
                 <a:solidFill>
                   <a:srgbClr val="FF0000"/>
                 </a:solidFill>
               </a:rPr>
               <a:t>sd</a:t>
             </a:r>
-            <a:endParaRPr lang="en-US" sz="3500" baseline="30000" dirty="0" smtClean="0">
+            <a:endParaRPr lang="en-US" dirty="0" smtClean="0">
               <a:solidFill>
                 <a:srgbClr val="FF0000"/>
               </a:solidFill>
@@ -5379,85 +5679,21 @@
           </a:p>
           <a:p>
             <a:r>
-              <a:rPr lang="el-GR" sz="3500" i="0" dirty="0" smtClean="0">
-                <a:ea typeface="Lucida Grande"/>
-                <a:cs typeface="Lucida Grande"/>
-              </a:rPr>
+              <a:rPr lang="el-GR" dirty="0" smtClean="0"/>
               <a:t>μ</a:t>
             </a:r>
             <a:r>
-              <a:rPr lang="en-US" sz="3500" dirty="0" smtClean="0">
-                <a:ea typeface="Lucida Grande"/>
-                <a:cs typeface="Lucida Grande"/>
-              </a:rPr>
+              <a:rPr lang="en-US" dirty="0" smtClean="0"/>
               <a:t>: mean</a:t>
             </a:r>
-            <a:endParaRPr lang="en-US" sz="3500" dirty="0" smtClean="0"/>
-          </a:p>
-          <a:p>
-            <a:r>
-              <a:rPr lang="el-GR" sz="3500" i="0" dirty="0" smtClean="0">
-                <a:ea typeface="Lucida Grande"/>
-                <a:cs typeface="Lucida Grande"/>
-              </a:rPr>
-              <a:t>θ</a:t>
-            </a:r>
-            <a:r>
-              <a:rPr lang="en-US" sz="3500" i="0" dirty="0" smtClean="0">
-                <a:ea typeface="Lucida Grande"/>
-                <a:cs typeface="Lucida Grande"/>
-              </a:rPr>
-              <a:t>: rate of mean-reversion</a:t>
-            </a:r>
-            <a:endParaRPr lang="en-US" sz="3500" dirty="0" smtClean="0"/>
-          </a:p>
-          <a:p>
-            <a:pPr lvl="1"/>
-            <a:r>
-              <a:rPr lang="el-GR" sz="1900" dirty="0" smtClean="0"/>
-              <a:t>θ</a:t>
-            </a:r>
-            <a:r>
-              <a:rPr lang="en-US" sz="1900" dirty="0" smtClean="0"/>
-              <a:t> = 0</a:t>
-            </a:r>
-          </a:p>
-          <a:p>
-            <a:pPr lvl="2"/>
-            <a:r>
-              <a:rPr lang="en-US" sz="1900" dirty="0" smtClean="0"/>
-              <a:t>BM</a:t>
-            </a:r>
-          </a:p>
-          <a:p>
-            <a:pPr lvl="1"/>
-            <a:r>
-              <a:rPr lang="el-GR" sz="1900" dirty="0" smtClean="0"/>
-              <a:t>θ</a:t>
-            </a:r>
-            <a:r>
-              <a:rPr lang="en-US" sz="1900" dirty="0" smtClean="0"/>
-              <a:t> = 1 </a:t>
-            </a:r>
-            <a:endParaRPr lang="en-US" sz="1900" dirty="0"/>
-          </a:p>
-          <a:p>
-            <a:pPr lvl="2"/>
-            <a:r>
-              <a:rPr lang="en-US" sz="1900" dirty="0" smtClean="0"/>
-              <a:t>Back to μ</a:t>
-            </a:r>
-          </a:p>
-          <a:p>
-            <a:pPr lvl="2"/>
-            <a:endParaRPr lang="en-US" dirty="0" smtClean="0"/>
+            <a:endParaRPr lang="en-US" dirty="0"/>
           </a:p>
         </p:txBody>
       </p:sp>
     </p:spTree>
     <p:extLst>
       <p:ext uri="{BB962C8B-B14F-4D97-AF65-F5344CB8AC3E}">
-        <p14:creationId xmlns:p14="http://schemas.microsoft.com/office/powerpoint/2010/main" val="2885123428"/>
+        <p14:creationId xmlns:p14="http://schemas.microsoft.com/office/powerpoint/2010/main" val="1098398276"/>
       </p:ext>
     </p:extLst>
   </p:cSld>
@@ -5501,11 +5737,7 @@
           <a:p>
             <a:r>
               <a:rPr lang="en-US" dirty="0" smtClean="0"/>
-              <a:t>Ornstein-</a:t>
-            </a:r>
-            <a:r>
-              <a:rPr lang="en-US" dirty="0" err="1" smtClean="0"/>
-              <a:t>Uhlenbeck</a:t>
+              <a:t>Brownian Motion</a:t>
             </a:r>
             <a:endParaRPr lang="en-US" dirty="0"/>
           </a:p>
@@ -5523,131 +5755,67 @@
         </p:nvSpPr>
         <p:spPr>
           <a:xfrm>
-            <a:off x="457200" y="1600200"/>
-            <a:ext cx="3263000" cy="4525963"/>
+            <a:off x="457200" y="1671755"/>
+            <a:ext cx="3000306" cy="3193914"/>
           </a:xfrm>
         </p:spPr>
         <p:txBody>
-          <a:bodyPr>
-            <a:normAutofit fontScale="92500" lnSpcReduction="10000"/>
-          </a:bodyPr>
-          <a:lstStyle/>
-          <a:p>
-            <a:r>
-              <a:rPr lang="en-US" sz="3500" dirty="0" smtClean="0"/>
-              <a:t>“Rubber band” soft-bounds</a:t>
-            </a:r>
-          </a:p>
-          <a:p>
-            <a:r>
-              <a:rPr lang="el-GR" sz="3500" dirty="0" smtClean="0"/>
+          <a:bodyPr/>
+          <a:lstStyle/>
+          <a:p>
+            <a:r>
+              <a:rPr lang="en-US" dirty="0" smtClean="0"/>
+              <a:t>No constraints</a:t>
+            </a:r>
+          </a:p>
+          <a:p>
+            <a:r>
+              <a:rPr lang="el-GR" dirty="0" smtClean="0"/>
               <a:t>σ</a:t>
             </a:r>
             <a:r>
-              <a:rPr lang="el-GR" sz="3500" baseline="30000" dirty="0" smtClean="0"/>
+              <a:rPr lang="el-GR" baseline="30000" dirty="0" smtClean="0"/>
               <a:t>2</a:t>
             </a:r>
             <a:r>
-              <a:rPr lang="en-US" sz="3500" dirty="0" smtClean="0"/>
+              <a:rPr lang="en-US" dirty="0" smtClean="0"/>
               <a:t>: rate or </a:t>
             </a:r>
             <a:r>
-              <a:rPr lang="en-US" sz="3500" dirty="0" err="1" smtClean="0"/>
+              <a:rPr lang="en-US" dirty="0" err="1" smtClean="0"/>
               <a:t>sd</a:t>
             </a:r>
-            <a:endParaRPr lang="en-US" sz="3500" baseline="30000" dirty="0" smtClean="0"/>
-          </a:p>
-          <a:p>
-            <a:r>
-              <a:rPr lang="el-GR" sz="3500" i="0" dirty="0" smtClean="0">
+            <a:endParaRPr lang="en-US" dirty="0" smtClean="0"/>
+          </a:p>
+          <a:p>
+            <a:r>
+              <a:rPr lang="el-GR" dirty="0" smtClean="0">
                 <a:solidFill>
                   <a:srgbClr val="FF0000"/>
                 </a:solidFill>
-                <a:ea typeface="Lucida Grande"/>
-                <a:cs typeface="Lucida Grande"/>
               </a:rPr>
               <a:t>μ</a:t>
             </a:r>
             <a:r>
-              <a:rPr lang="en-US" sz="3500" dirty="0" smtClean="0">
+              <a:rPr lang="en-US" dirty="0" smtClean="0">
                 <a:solidFill>
                   <a:srgbClr val="FF0000"/>
                 </a:solidFill>
-                <a:ea typeface="Lucida Grande"/>
-                <a:cs typeface="Lucida Grande"/>
               </a:rPr>
               <a:t>: mean</a:t>
             </a:r>
-            <a:endParaRPr lang="en-US" sz="3500" dirty="0" smtClean="0">
+            <a:endParaRPr lang="en-US" dirty="0">
               <a:solidFill>
                 <a:srgbClr val="FF0000"/>
               </a:solidFill>
             </a:endParaRPr>
           </a:p>
-          <a:p>
-            <a:r>
-              <a:rPr lang="el-GR" sz="3500" i="0" dirty="0" smtClean="0">
-                <a:ea typeface="Lucida Grande"/>
-                <a:cs typeface="Lucida Grande"/>
-              </a:rPr>
-              <a:t>θ</a:t>
-            </a:r>
-            <a:r>
-              <a:rPr lang="en-US" sz="3500" i="0" dirty="0" smtClean="0">
-                <a:ea typeface="Lucida Grande"/>
-                <a:cs typeface="Lucida Grande"/>
-              </a:rPr>
-              <a:t>: rate of mean-reversion</a:t>
-            </a:r>
-            <a:endParaRPr lang="en-US" sz="3500" dirty="0" smtClean="0"/>
-          </a:p>
-          <a:p>
-            <a:pPr lvl="1"/>
-            <a:r>
-              <a:rPr lang="el-GR" sz="1900" dirty="0" smtClean="0"/>
-              <a:t>θ</a:t>
-            </a:r>
-            <a:r>
-              <a:rPr lang="en-US" sz="1900" dirty="0" smtClean="0"/>
-              <a:t> = 0</a:t>
-            </a:r>
-          </a:p>
-          <a:p>
-            <a:pPr lvl="2"/>
-            <a:r>
-              <a:rPr lang="en-US" sz="1900" dirty="0" smtClean="0"/>
-              <a:t>BM</a:t>
-            </a:r>
-          </a:p>
-          <a:p>
-            <a:pPr lvl="1"/>
-            <a:r>
-              <a:rPr lang="el-GR" sz="1900" dirty="0" smtClean="0"/>
-              <a:t>θ</a:t>
-            </a:r>
-            <a:r>
-              <a:rPr lang="en-US" sz="1900" dirty="0" smtClean="0"/>
-              <a:t> = 1 </a:t>
-            </a:r>
-            <a:endParaRPr lang="en-US" sz="1900" dirty="0"/>
-          </a:p>
-          <a:p>
-            <a:pPr lvl="2"/>
-            <a:r>
-              <a:rPr lang="en-US" sz="1900" dirty="0" smtClean="0"/>
-              <a:t>Back to μ</a:t>
-            </a:r>
-          </a:p>
-          <a:p>
-            <a:pPr lvl="2"/>
-            <a:endParaRPr lang="en-US" dirty="0" smtClean="0"/>
-          </a:p>
         </p:txBody>
       </p:sp>
     </p:spTree>
     <p:extLst>
       <p:ext uri="{BB962C8B-B14F-4D97-AF65-F5344CB8AC3E}">
-        <p14:creationId xmlns:p14="http://schemas.microsoft.com/office/powerpoint/2010/main" val="2885123428"/>
+        <p14:creationId xmlns:p14="http://schemas.microsoft.com/office/powerpoint/2010/main" val="1098398276"/>
       </p:ext>
     </p:extLst>
   </p:cSld>
@@ -5724,7 +5892,11 @@
           <a:lstStyle/>
           <a:p>
             <a:r>
-              <a:rPr lang="en-US" sz="3500" dirty="0" smtClean="0"/>
+              <a:rPr lang="en-US" sz="3500" dirty="0" smtClean="0">
+                <a:solidFill>
+                  <a:srgbClr val="FF0000"/>
+                </a:solidFill>
+              </a:rPr>
               <a:t>“Rubber band” soft-bounds</a:t>
             </a:r>
           </a:p>
@@ -5767,9 +5939,6 @@
           <a:p>
             <a:r>
               <a:rPr lang="el-GR" sz="3500" i="0" dirty="0" smtClean="0">
-                <a:solidFill>
-                  <a:srgbClr val="FF0000"/>
-                </a:solidFill>
                 <a:ea typeface="Lucida Grande"/>
                 <a:cs typeface="Lucida Grande"/>
               </a:rPr>
@@ -5777,19 +5946,12 @@
             </a:r>
             <a:r>
               <a:rPr lang="en-US" sz="3500" i="0" dirty="0" smtClean="0">
-                <a:solidFill>
-                  <a:srgbClr val="FF0000"/>
-                </a:solidFill>
                 <a:ea typeface="Lucida Grande"/>
                 <a:cs typeface="Lucida Grande"/>
               </a:rPr>
               <a:t>: rate of mean-reversion</a:t>
             </a:r>
-            <a:endParaRPr lang="en-US" sz="3500" dirty="0" smtClean="0">
-              <a:solidFill>
-                <a:srgbClr val="FF0000"/>
-              </a:solidFill>
-            </a:endParaRPr>
+            <a:endParaRPr lang="en-US" sz="3500" dirty="0" smtClean="0"/>
           </a:p>
           <a:p>
             <a:pPr lvl="1"/>
@@ -5837,7 +5999,7 @@
     </p:spTree>
     <p:extLst>
       <p:ext uri="{BB962C8B-B14F-4D97-AF65-F5344CB8AC3E}">
-        <p14:creationId xmlns:p14="http://schemas.microsoft.com/office/powerpoint/2010/main" val="2885123428"/>
+        <p14:creationId xmlns:p14="http://schemas.microsoft.com/office/powerpoint/2010/main" val="356588586"/>
       </p:ext>
     </p:extLst>
   </p:cSld>

--- a/bottleneck_pres.pptx
+++ b/bottleneck_pres.pptx
@@ -18,14 +18,13 @@
     <p:sldId id="272" r:id="rId12"/>
     <p:sldId id="273" r:id="rId13"/>
     <p:sldId id="263" r:id="rId14"/>
-    <p:sldId id="257" r:id="rId15"/>
-    <p:sldId id="264" r:id="rId16"/>
-    <p:sldId id="265" r:id="rId17"/>
-    <p:sldId id="267" r:id="rId18"/>
-    <p:sldId id="268" r:id="rId19"/>
-    <p:sldId id="266" r:id="rId20"/>
-    <p:sldId id="258" r:id="rId21"/>
-    <p:sldId id="259" r:id="rId22"/>
+    <p:sldId id="277" r:id="rId15"/>
+    <p:sldId id="257" r:id="rId16"/>
+    <p:sldId id="264" r:id="rId17"/>
+    <p:sldId id="265" r:id="rId18"/>
+    <p:sldId id="258" r:id="rId19"/>
+    <p:sldId id="259" r:id="rId20"/>
+    <p:sldId id="278" r:id="rId21"/>
   </p:sldIdLst>
   <p:sldSz cx="9144000" cy="6858000" type="screen4x3"/>
   <p:notesSz cx="6858000" cy="9144000"/>
@@ -3863,6 +3862,170 @@
         </p:nvSpPr>
         <p:spPr/>
         <p:txBody>
+          <a:bodyPr/>
+          <a:lstStyle/>
+          <a:p>
+            <a:r>
+              <a:rPr lang="en-US" dirty="0" smtClean="0"/>
+              <a:t>How do we simulate BM?</a:t>
+            </a:r>
+            <a:endParaRPr lang="en-US" dirty="0"/>
+          </a:p>
+        </p:txBody>
+      </p:sp>
+      <p:sp>
+        <p:nvSpPr>
+          <p:cNvPr id="4" name="Oval 3"/>
+          <p:cNvSpPr/>
+          <p:nvPr/>
+        </p:nvSpPr>
+        <p:spPr>
+          <a:xfrm>
+            <a:off x="1007755" y="1969867"/>
+            <a:ext cx="469365" cy="1426344"/>
+          </a:xfrm>
+          <a:prstGeom prst="ellipse">
+            <a:avLst/>
+          </a:prstGeom>
+          <a:solidFill>
+            <a:schemeClr val="accent4">
+              <a:lumMod val="60000"/>
+              <a:lumOff val="40000"/>
+            </a:schemeClr>
+          </a:solidFill>
+          <a:ln>
+            <a:solidFill>
+              <a:schemeClr val="accent4">
+                <a:lumMod val="50000"/>
+              </a:schemeClr>
+            </a:solidFill>
+          </a:ln>
+          <a:effectLst>
+            <a:outerShdw blurRad="40000" dist="23000" dir="5400000" rotWithShape="0">
+              <a:schemeClr val="accent4">
+                <a:lumMod val="60000"/>
+                <a:lumOff val="40000"/>
+                <a:alpha val="35000"/>
+              </a:schemeClr>
+            </a:outerShdw>
+          </a:effectLst>
+        </p:spPr>
+        <p:style>
+          <a:lnRef idx="1">
+            <a:schemeClr val="accent1"/>
+          </a:lnRef>
+          <a:fillRef idx="3">
+            <a:schemeClr val="accent1"/>
+          </a:fillRef>
+          <a:effectRef idx="2">
+            <a:schemeClr val="accent1"/>
+          </a:effectRef>
+          <a:fontRef idx="minor">
+            <a:schemeClr val="lt1"/>
+          </a:fontRef>
+        </p:style>
+        <p:txBody>
+          <a:bodyPr rtlCol="0" anchor="ctr"/>
+          <a:lstStyle/>
+          <a:p>
+            <a:pPr algn="ctr"/>
+            <a:endParaRPr lang="en-US"/>
+          </a:p>
+        </p:txBody>
+      </p:sp>
+      <p:sp>
+        <p:nvSpPr>
+          <p:cNvPr id="5" name="Smiley Face 4"/>
+          <p:cNvSpPr/>
+          <p:nvPr/>
+        </p:nvSpPr>
+        <p:spPr>
+          <a:xfrm>
+            <a:off x="1007755" y="1546243"/>
+            <a:ext cx="469365" cy="423624"/>
+          </a:xfrm>
+          <a:prstGeom prst="smileyFace">
+            <a:avLst/>
+          </a:prstGeom>
+          <a:solidFill>
+            <a:schemeClr val="accent4">
+              <a:lumMod val="60000"/>
+              <a:lumOff val="40000"/>
+            </a:schemeClr>
+          </a:solidFill>
+          <a:ln>
+            <a:solidFill>
+              <a:schemeClr val="accent4">
+                <a:lumMod val="50000"/>
+              </a:schemeClr>
+            </a:solidFill>
+          </a:ln>
+        </p:spPr>
+        <p:style>
+          <a:lnRef idx="1">
+            <a:schemeClr val="accent1"/>
+          </a:lnRef>
+          <a:fillRef idx="3">
+            <a:schemeClr val="accent1"/>
+          </a:fillRef>
+          <a:effectRef idx="2">
+            <a:schemeClr val="accent1"/>
+          </a:effectRef>
+          <a:fontRef idx="minor">
+            <a:schemeClr val="lt1"/>
+          </a:fontRef>
+        </p:style>
+        <p:txBody>
+          <a:bodyPr rtlCol="0" anchor="ctr"/>
+          <a:lstStyle/>
+          <a:p>
+            <a:pPr algn="ctr"/>
+            <a:endParaRPr lang="en-US"/>
+          </a:p>
+        </p:txBody>
+      </p:sp>
+    </p:spTree>
+    <p:extLst>
+      <p:ext uri="{BB962C8B-B14F-4D97-AF65-F5344CB8AC3E}">
+        <p14:creationId xmlns:p14="http://schemas.microsoft.com/office/powerpoint/2010/main" val="278746729"/>
+      </p:ext>
+    </p:extLst>
+  </p:cSld>
+  <p:clrMapOvr>
+    <a:masterClrMapping/>
+  </p:clrMapOvr>
+</p:sld>
+</file>
+
+<file path=ppt/slides/slide15.xml><?xml version="1.0" encoding="utf-8"?>
+<p:sld xmlns:a="http://schemas.openxmlformats.org/drawingml/2006/main" xmlns:r="http://schemas.openxmlformats.org/officeDocument/2006/relationships" xmlns:p="http://schemas.openxmlformats.org/presentationml/2006/main">
+  <p:cSld>
+    <p:spTree>
+      <p:nvGrpSpPr>
+        <p:cNvPr id="1" name=""/>
+        <p:cNvGrpSpPr/>
+        <p:nvPr/>
+      </p:nvGrpSpPr>
+      <p:grpSpPr>
+        <a:xfrm>
+          <a:off x="0" y="0"/>
+          <a:ext cx="0" cy="0"/>
+          <a:chOff x="0" y="0"/>
+          <a:chExt cx="0" cy="0"/>
+        </a:xfrm>
+      </p:grpSpPr>
+      <p:sp>
+        <p:nvSpPr>
+          <p:cNvPr id="2" name="Title 1"/>
+          <p:cNvSpPr>
+            <a:spLocks noGrp="1"/>
+          </p:cNvSpPr>
+          <p:nvPr>
+            <p:ph type="title"/>
+          </p:nvPr>
+        </p:nvSpPr>
+        <p:spPr/>
+        <p:txBody>
           <a:bodyPr>
             <a:normAutofit/>
           </a:bodyPr>
@@ -3922,7 +4085,7 @@
 </p:sld>
 </file>
 
-<file path=ppt/slides/slide15.xml><?xml version="1.0" encoding="utf-8"?>
+<file path=ppt/slides/slide16.xml><?xml version="1.0" encoding="utf-8"?>
 <p:sld xmlns:a="http://schemas.openxmlformats.org/drawingml/2006/main" xmlns:r="http://schemas.openxmlformats.org/officeDocument/2006/relationships" xmlns:p="http://schemas.openxmlformats.org/presentationml/2006/main">
   <p:cSld>
     <p:spTree>
@@ -4148,7 +4311,7 @@
 </p:sld>
 </file>
 
-<file path=ppt/slides/slide16.xml><?xml version="1.0" encoding="utf-8"?>
+<file path=ppt/slides/slide17.xml><?xml version="1.0" encoding="utf-8"?>
 <p:sld xmlns:a="http://schemas.openxmlformats.org/drawingml/2006/main" xmlns:r="http://schemas.openxmlformats.org/officeDocument/2006/relationships" xmlns:p="http://schemas.openxmlformats.org/presentationml/2006/main">
   <p:cSld>
     <p:spTree>
@@ -4374,232 +4537,6 @@
 </p:sld>
 </file>
 
-<file path=ppt/slides/slide17.xml><?xml version="1.0" encoding="utf-8"?>
-<p:sld xmlns:a="http://schemas.openxmlformats.org/drawingml/2006/main" xmlns:r="http://schemas.openxmlformats.org/officeDocument/2006/relationships" xmlns:p="http://schemas.openxmlformats.org/presentationml/2006/main">
-  <p:cSld>
-    <p:spTree>
-      <p:nvGrpSpPr>
-        <p:cNvPr id="1" name=""/>
-        <p:cNvGrpSpPr/>
-        <p:nvPr/>
-      </p:nvGrpSpPr>
-      <p:grpSpPr>
-        <a:xfrm>
-          <a:off x="0" y="0"/>
-          <a:ext cx="0" cy="0"/>
-          <a:chOff x="0" y="0"/>
-          <a:chExt cx="0" cy="0"/>
-        </a:xfrm>
-      </p:grpSpPr>
-      <p:sp>
-        <p:nvSpPr>
-          <p:cNvPr id="2" name="Title 1"/>
-          <p:cNvSpPr>
-            <a:spLocks noGrp="1"/>
-          </p:cNvSpPr>
-          <p:nvPr>
-            <p:ph type="title"/>
-          </p:nvPr>
-        </p:nvSpPr>
-        <p:spPr/>
-        <p:txBody>
-          <a:bodyPr>
-            <a:normAutofit/>
-          </a:bodyPr>
-          <a:lstStyle/>
-          <a:p>
-            <a:r>
-              <a:rPr lang="en-US" dirty="0" smtClean="0"/>
-              <a:t>Do bottlenecks affect the variance? </a:t>
-            </a:r>
-            <a:endParaRPr lang="en-US" dirty="0"/>
-          </a:p>
-        </p:txBody>
-      </p:sp>
-      <p:sp>
-        <p:nvSpPr>
-          <p:cNvPr id="4" name="Content Placeholder 2"/>
-          <p:cNvSpPr txBox="1">
-            <a:spLocks/>
-          </p:cNvSpPr>
-          <p:nvPr/>
-        </p:nvSpPr>
-        <p:spPr>
-          <a:xfrm>
-            <a:off x="457200" y="5777983"/>
-            <a:ext cx="1510213" cy="715540"/>
-          </a:xfrm>
-          <a:prstGeom prst="rect">
-            <a:avLst/>
-          </a:prstGeom>
-        </p:spPr>
-        <p:txBody>
-          <a:bodyPr vert="horz" lIns="91440" tIns="45720" rIns="91440" bIns="45720" rtlCol="0">
-            <a:noAutofit/>
-          </a:bodyPr>
-          <a:lstStyle>
-            <a:lvl1pPr marL="342900" indent="-342900" algn="l" defTabSz="457200" rtl="0" eaLnBrk="1" latinLnBrk="0" hangingPunct="1">
-              <a:spcBef>
-                <a:spcPct val="20000"/>
-              </a:spcBef>
-              <a:buFont typeface="Arial"/>
-              <a:buChar char="•"/>
-              <a:defRPr sz="3200" kern="1200">
-                <a:solidFill>
-                  <a:schemeClr val="tx1"/>
-                </a:solidFill>
-                <a:latin typeface="+mn-lt"/>
-                <a:ea typeface="+mn-ea"/>
-                <a:cs typeface="+mn-cs"/>
-              </a:defRPr>
-            </a:lvl1pPr>
-            <a:lvl2pPr marL="742950" indent="-285750" algn="l" defTabSz="457200" rtl="0" eaLnBrk="1" latinLnBrk="0" hangingPunct="1">
-              <a:spcBef>
-                <a:spcPct val="20000"/>
-              </a:spcBef>
-              <a:buFont typeface="Arial"/>
-              <a:buChar char="–"/>
-              <a:defRPr sz="2800" kern="1200">
-                <a:solidFill>
-                  <a:schemeClr val="tx1"/>
-                </a:solidFill>
-                <a:latin typeface="+mn-lt"/>
-                <a:ea typeface="+mn-ea"/>
-                <a:cs typeface="+mn-cs"/>
-              </a:defRPr>
-            </a:lvl2pPr>
-            <a:lvl3pPr marL="1143000" indent="-228600" algn="l" defTabSz="457200" rtl="0" eaLnBrk="1" latinLnBrk="0" hangingPunct="1">
-              <a:spcBef>
-                <a:spcPct val="20000"/>
-              </a:spcBef>
-              <a:buFont typeface="Arial"/>
-              <a:buChar char="•"/>
-              <a:defRPr sz="2400" kern="1200">
-                <a:solidFill>
-                  <a:schemeClr val="tx1"/>
-                </a:solidFill>
-                <a:latin typeface="+mn-lt"/>
-                <a:ea typeface="+mn-ea"/>
-                <a:cs typeface="+mn-cs"/>
-              </a:defRPr>
-            </a:lvl3pPr>
-            <a:lvl4pPr marL="1600200" indent="-228600" algn="l" defTabSz="457200" rtl="0" eaLnBrk="1" latinLnBrk="0" hangingPunct="1">
-              <a:spcBef>
-                <a:spcPct val="20000"/>
-              </a:spcBef>
-              <a:buFont typeface="Arial"/>
-              <a:buChar char="–"/>
-              <a:defRPr sz="2000" kern="1200">
-                <a:solidFill>
-                  <a:schemeClr val="tx1"/>
-                </a:solidFill>
-                <a:latin typeface="+mn-lt"/>
-                <a:ea typeface="+mn-ea"/>
-                <a:cs typeface="+mn-cs"/>
-              </a:defRPr>
-            </a:lvl4pPr>
-            <a:lvl5pPr marL="2057400" indent="-228600" algn="l" defTabSz="457200" rtl="0" eaLnBrk="1" latinLnBrk="0" hangingPunct="1">
-              <a:spcBef>
-                <a:spcPct val="20000"/>
-              </a:spcBef>
-              <a:buFont typeface="Arial"/>
-              <a:buChar char="»"/>
-              <a:defRPr sz="2000" kern="1200">
-                <a:solidFill>
-                  <a:schemeClr val="tx1"/>
-                </a:solidFill>
-                <a:latin typeface="+mn-lt"/>
-                <a:ea typeface="+mn-ea"/>
-                <a:cs typeface="+mn-cs"/>
-              </a:defRPr>
-            </a:lvl5pPr>
-            <a:lvl6pPr marL="2514600" indent="-228600" algn="l" defTabSz="457200" rtl="0" eaLnBrk="1" latinLnBrk="0" hangingPunct="1">
-              <a:spcBef>
-                <a:spcPct val="20000"/>
-              </a:spcBef>
-              <a:buFont typeface="Arial"/>
-              <a:buChar char="•"/>
-              <a:defRPr sz="2000" kern="1200">
-                <a:solidFill>
-                  <a:schemeClr val="tx1"/>
-                </a:solidFill>
-                <a:latin typeface="+mn-lt"/>
-                <a:ea typeface="+mn-ea"/>
-                <a:cs typeface="+mn-cs"/>
-              </a:defRPr>
-            </a:lvl6pPr>
-            <a:lvl7pPr marL="2971800" indent="-228600" algn="l" defTabSz="457200" rtl="0" eaLnBrk="1" latinLnBrk="0" hangingPunct="1">
-              <a:spcBef>
-                <a:spcPct val="20000"/>
-              </a:spcBef>
-              <a:buFont typeface="Arial"/>
-              <a:buChar char="•"/>
-              <a:defRPr sz="2000" kern="1200">
-                <a:solidFill>
-                  <a:schemeClr val="tx1"/>
-                </a:solidFill>
-                <a:latin typeface="+mn-lt"/>
-                <a:ea typeface="+mn-ea"/>
-                <a:cs typeface="+mn-cs"/>
-              </a:defRPr>
-            </a:lvl7pPr>
-            <a:lvl8pPr marL="3429000" indent="-228600" algn="l" defTabSz="457200" rtl="0" eaLnBrk="1" latinLnBrk="0" hangingPunct="1">
-              <a:spcBef>
-                <a:spcPct val="20000"/>
-              </a:spcBef>
-              <a:buFont typeface="Arial"/>
-              <a:buChar char="•"/>
-              <a:defRPr sz="2000" kern="1200">
-                <a:solidFill>
-                  <a:schemeClr val="tx1"/>
-                </a:solidFill>
-                <a:latin typeface="+mn-lt"/>
-                <a:ea typeface="+mn-ea"/>
-                <a:cs typeface="+mn-cs"/>
-              </a:defRPr>
-            </a:lvl8pPr>
-            <a:lvl9pPr marL="3886200" indent="-228600" algn="l" defTabSz="457200" rtl="0" eaLnBrk="1" latinLnBrk="0" hangingPunct="1">
-              <a:spcBef>
-                <a:spcPct val="20000"/>
-              </a:spcBef>
-              <a:buFont typeface="Arial"/>
-              <a:buChar char="•"/>
-              <a:defRPr sz="2000" kern="1200">
-                <a:solidFill>
-                  <a:schemeClr val="tx1"/>
-                </a:solidFill>
-                <a:latin typeface="+mn-lt"/>
-                <a:ea typeface="+mn-ea"/>
-                <a:cs typeface="+mn-cs"/>
-              </a:defRPr>
-            </a:lvl9pPr>
-          </a:lstStyle>
-          <a:p>
-            <a:pPr marL="0" indent="0">
-              <a:buFont typeface="Arial"/>
-              <a:buNone/>
-            </a:pPr>
-            <a:r>
-              <a:rPr lang="en-US" sz="4000" dirty="0" smtClean="0"/>
-              <a:t>OU</a:t>
-            </a:r>
-            <a:endParaRPr lang="en-US" sz="4000" dirty="0"/>
-          </a:p>
-        </p:txBody>
-      </p:sp>
-    </p:spTree>
-    <p:extLst>
-      <p:ext uri="{BB962C8B-B14F-4D97-AF65-F5344CB8AC3E}">
-        <p14:creationId xmlns:p14="http://schemas.microsoft.com/office/powerpoint/2010/main" val="1831224169"/>
-      </p:ext>
-    </p:extLst>
-  </p:cSld>
-  <p:clrMapOvr>
-    <a:masterClrMapping/>
-  </p:clrMapOvr>
-</p:sld>
-</file>
-
 <file path=ppt/slides/slide18.xml><?xml version="1.0" encoding="utf-8"?>
 <p:sld xmlns:a="http://schemas.openxmlformats.org/drawingml/2006/main" xmlns:r="http://schemas.openxmlformats.org/officeDocument/2006/relationships" xmlns:p="http://schemas.openxmlformats.org/presentationml/2006/main">
   <p:cSld>
@@ -4629,14 +4566,12 @@
         </p:nvSpPr>
         <p:spPr/>
         <p:txBody>
-          <a:bodyPr>
-            <a:normAutofit/>
-          </a:bodyPr>
+          <a:bodyPr/>
           <a:lstStyle/>
           <a:p>
             <a:r>
               <a:rPr lang="en-US" dirty="0" smtClean="0"/>
-              <a:t>Do bottlenecks affect the variance? </a:t>
+              <a:t>Summary</a:t>
             </a:r>
             <a:endParaRPr lang="en-US" dirty="0"/>
           </a:p>
@@ -4644,179 +4579,27 @@
       </p:sp>
       <p:sp>
         <p:nvSpPr>
-          <p:cNvPr id="4" name="Content Placeholder 2"/>
-          <p:cNvSpPr txBox="1">
-            <a:spLocks/>
-          </p:cNvSpPr>
-          <p:nvPr/>
-        </p:nvSpPr>
-        <p:spPr>
-          <a:xfrm>
-            <a:off x="457200" y="5777983"/>
-            <a:ext cx="1510213" cy="715540"/>
-          </a:xfrm>
-          <a:prstGeom prst="rect">
-            <a:avLst/>
-          </a:prstGeom>
-        </p:spPr>
-        <p:txBody>
-          <a:bodyPr vert="horz" lIns="91440" tIns="45720" rIns="91440" bIns="45720" rtlCol="0">
-            <a:noAutofit/>
-          </a:bodyPr>
-          <a:lstStyle>
-            <a:lvl1pPr marL="342900" indent="-342900" algn="l" defTabSz="457200" rtl="0" eaLnBrk="1" latinLnBrk="0" hangingPunct="1">
-              <a:spcBef>
-                <a:spcPct val="20000"/>
-              </a:spcBef>
-              <a:buFont typeface="Arial"/>
-              <a:buChar char="•"/>
-              <a:defRPr sz="3200" kern="1200">
-                <a:solidFill>
-                  <a:schemeClr val="tx1"/>
-                </a:solidFill>
-                <a:latin typeface="+mn-lt"/>
-                <a:ea typeface="+mn-ea"/>
-                <a:cs typeface="+mn-cs"/>
-              </a:defRPr>
-            </a:lvl1pPr>
-            <a:lvl2pPr marL="742950" indent="-285750" algn="l" defTabSz="457200" rtl="0" eaLnBrk="1" latinLnBrk="0" hangingPunct="1">
-              <a:spcBef>
-                <a:spcPct val="20000"/>
-              </a:spcBef>
-              <a:buFont typeface="Arial"/>
-              <a:buChar char="–"/>
-              <a:defRPr sz="2800" kern="1200">
-                <a:solidFill>
-                  <a:schemeClr val="tx1"/>
-                </a:solidFill>
-                <a:latin typeface="+mn-lt"/>
-                <a:ea typeface="+mn-ea"/>
-                <a:cs typeface="+mn-cs"/>
-              </a:defRPr>
-            </a:lvl2pPr>
-            <a:lvl3pPr marL="1143000" indent="-228600" algn="l" defTabSz="457200" rtl="0" eaLnBrk="1" latinLnBrk="0" hangingPunct="1">
-              <a:spcBef>
-                <a:spcPct val="20000"/>
-              </a:spcBef>
-              <a:buFont typeface="Arial"/>
-              <a:buChar char="•"/>
-              <a:defRPr sz="2400" kern="1200">
-                <a:solidFill>
-                  <a:schemeClr val="tx1"/>
-                </a:solidFill>
-                <a:latin typeface="+mn-lt"/>
-                <a:ea typeface="+mn-ea"/>
-                <a:cs typeface="+mn-cs"/>
-              </a:defRPr>
-            </a:lvl3pPr>
-            <a:lvl4pPr marL="1600200" indent="-228600" algn="l" defTabSz="457200" rtl="0" eaLnBrk="1" latinLnBrk="0" hangingPunct="1">
-              <a:spcBef>
-                <a:spcPct val="20000"/>
-              </a:spcBef>
-              <a:buFont typeface="Arial"/>
-              <a:buChar char="–"/>
-              <a:defRPr sz="2000" kern="1200">
-                <a:solidFill>
-                  <a:schemeClr val="tx1"/>
-                </a:solidFill>
-                <a:latin typeface="+mn-lt"/>
-                <a:ea typeface="+mn-ea"/>
-                <a:cs typeface="+mn-cs"/>
-              </a:defRPr>
-            </a:lvl4pPr>
-            <a:lvl5pPr marL="2057400" indent="-228600" algn="l" defTabSz="457200" rtl="0" eaLnBrk="1" latinLnBrk="0" hangingPunct="1">
-              <a:spcBef>
-                <a:spcPct val="20000"/>
-              </a:spcBef>
-              <a:buFont typeface="Arial"/>
-              <a:buChar char="»"/>
-              <a:defRPr sz="2000" kern="1200">
-                <a:solidFill>
-                  <a:schemeClr val="tx1"/>
-                </a:solidFill>
-                <a:latin typeface="+mn-lt"/>
-                <a:ea typeface="+mn-ea"/>
-                <a:cs typeface="+mn-cs"/>
-              </a:defRPr>
-            </a:lvl5pPr>
-            <a:lvl6pPr marL="2514600" indent="-228600" algn="l" defTabSz="457200" rtl="0" eaLnBrk="1" latinLnBrk="0" hangingPunct="1">
-              <a:spcBef>
-                <a:spcPct val="20000"/>
-              </a:spcBef>
-              <a:buFont typeface="Arial"/>
-              <a:buChar char="•"/>
-              <a:defRPr sz="2000" kern="1200">
-                <a:solidFill>
-                  <a:schemeClr val="tx1"/>
-                </a:solidFill>
-                <a:latin typeface="+mn-lt"/>
-                <a:ea typeface="+mn-ea"/>
-                <a:cs typeface="+mn-cs"/>
-              </a:defRPr>
-            </a:lvl6pPr>
-            <a:lvl7pPr marL="2971800" indent="-228600" algn="l" defTabSz="457200" rtl="0" eaLnBrk="1" latinLnBrk="0" hangingPunct="1">
-              <a:spcBef>
-                <a:spcPct val="20000"/>
-              </a:spcBef>
-              <a:buFont typeface="Arial"/>
-              <a:buChar char="•"/>
-              <a:defRPr sz="2000" kern="1200">
-                <a:solidFill>
-                  <a:schemeClr val="tx1"/>
-                </a:solidFill>
-                <a:latin typeface="+mn-lt"/>
-                <a:ea typeface="+mn-ea"/>
-                <a:cs typeface="+mn-cs"/>
-              </a:defRPr>
-            </a:lvl7pPr>
-            <a:lvl8pPr marL="3429000" indent="-228600" algn="l" defTabSz="457200" rtl="0" eaLnBrk="1" latinLnBrk="0" hangingPunct="1">
-              <a:spcBef>
-                <a:spcPct val="20000"/>
-              </a:spcBef>
-              <a:buFont typeface="Arial"/>
-              <a:buChar char="•"/>
-              <a:defRPr sz="2000" kern="1200">
-                <a:solidFill>
-                  <a:schemeClr val="tx1"/>
-                </a:solidFill>
-                <a:latin typeface="+mn-lt"/>
-                <a:ea typeface="+mn-ea"/>
-                <a:cs typeface="+mn-cs"/>
-              </a:defRPr>
-            </a:lvl8pPr>
-            <a:lvl9pPr marL="3886200" indent="-228600" algn="l" defTabSz="457200" rtl="0" eaLnBrk="1" latinLnBrk="0" hangingPunct="1">
-              <a:spcBef>
-                <a:spcPct val="20000"/>
-              </a:spcBef>
-              <a:buFont typeface="Arial"/>
-              <a:buChar char="•"/>
-              <a:defRPr sz="2000" kern="1200">
-                <a:solidFill>
-                  <a:schemeClr val="tx1"/>
-                </a:solidFill>
-                <a:latin typeface="+mn-lt"/>
-                <a:ea typeface="+mn-ea"/>
-                <a:cs typeface="+mn-cs"/>
-              </a:defRPr>
-            </a:lvl9pPr>
-          </a:lstStyle>
-          <a:p>
-            <a:pPr marL="0" indent="0">
-              <a:buFont typeface="Arial"/>
-              <a:buNone/>
-            </a:pPr>
-            <a:r>
-              <a:rPr lang="en-US" sz="4000" dirty="0" smtClean="0"/>
-              <a:t>OU</a:t>
-            </a:r>
-            <a:endParaRPr lang="en-US" sz="4000" dirty="0"/>
+          <p:cNvPr id="3" name="Content Placeholder 2"/>
+          <p:cNvSpPr>
+            <a:spLocks noGrp="1"/>
+          </p:cNvSpPr>
+          <p:nvPr>
+            <p:ph idx="1"/>
+          </p:nvPr>
+        </p:nvSpPr>
+        <p:spPr/>
+        <p:txBody>
+          <a:bodyPr/>
+          <a:lstStyle/>
+          <a:p>
+            <a:endParaRPr lang="en-US" dirty="0"/>
           </a:p>
         </p:txBody>
       </p:sp>
     </p:spTree>
     <p:extLst>
       <p:ext uri="{BB962C8B-B14F-4D97-AF65-F5344CB8AC3E}">
-        <p14:creationId xmlns:p14="http://schemas.microsoft.com/office/powerpoint/2010/main" val="1831224169"/>
+        <p14:creationId xmlns:p14="http://schemas.microsoft.com/office/powerpoint/2010/main" val="1588106317"/>
       </p:ext>
     </p:extLst>
   </p:cSld>
@@ -4855,14 +4638,12 @@
         </p:nvSpPr>
         <p:spPr/>
         <p:txBody>
-          <a:bodyPr>
-            <a:normAutofit/>
-          </a:bodyPr>
+          <a:bodyPr/>
           <a:lstStyle/>
           <a:p>
             <a:r>
               <a:rPr lang="en-US" dirty="0" smtClean="0"/>
-              <a:t>Do bottlenecks affect the variance? </a:t>
+              <a:t>Problems</a:t>
             </a:r>
             <a:endParaRPr lang="en-US" dirty="0"/>
           </a:p>
@@ -4870,179 +4651,57 @@
       </p:sp>
       <p:sp>
         <p:nvSpPr>
-          <p:cNvPr id="4" name="Content Placeholder 2"/>
-          <p:cNvSpPr txBox="1">
-            <a:spLocks/>
-          </p:cNvSpPr>
-          <p:nvPr/>
-        </p:nvSpPr>
-        <p:spPr>
-          <a:xfrm>
-            <a:off x="457200" y="5777983"/>
-            <a:ext cx="1510213" cy="715540"/>
-          </a:xfrm>
-          <a:prstGeom prst="rect">
-            <a:avLst/>
-          </a:prstGeom>
-        </p:spPr>
-        <p:txBody>
-          <a:bodyPr vert="horz" lIns="91440" tIns="45720" rIns="91440" bIns="45720" rtlCol="0">
-            <a:noAutofit/>
-          </a:bodyPr>
-          <a:lstStyle>
-            <a:lvl1pPr marL="342900" indent="-342900" algn="l" defTabSz="457200" rtl="0" eaLnBrk="1" latinLnBrk="0" hangingPunct="1">
-              <a:spcBef>
-                <a:spcPct val="20000"/>
-              </a:spcBef>
-              <a:buFont typeface="Arial"/>
-              <a:buChar char="•"/>
-              <a:defRPr sz="3200" kern="1200">
-                <a:solidFill>
-                  <a:schemeClr val="tx1"/>
-                </a:solidFill>
-                <a:latin typeface="+mn-lt"/>
-                <a:ea typeface="+mn-ea"/>
-                <a:cs typeface="+mn-cs"/>
-              </a:defRPr>
-            </a:lvl1pPr>
-            <a:lvl2pPr marL="742950" indent="-285750" algn="l" defTabSz="457200" rtl="0" eaLnBrk="1" latinLnBrk="0" hangingPunct="1">
-              <a:spcBef>
-                <a:spcPct val="20000"/>
-              </a:spcBef>
-              <a:buFont typeface="Arial"/>
-              <a:buChar char="–"/>
-              <a:defRPr sz="2800" kern="1200">
-                <a:solidFill>
-                  <a:schemeClr val="tx1"/>
-                </a:solidFill>
-                <a:latin typeface="+mn-lt"/>
-                <a:ea typeface="+mn-ea"/>
-                <a:cs typeface="+mn-cs"/>
-              </a:defRPr>
-            </a:lvl2pPr>
-            <a:lvl3pPr marL="1143000" indent="-228600" algn="l" defTabSz="457200" rtl="0" eaLnBrk="1" latinLnBrk="0" hangingPunct="1">
-              <a:spcBef>
-                <a:spcPct val="20000"/>
-              </a:spcBef>
-              <a:buFont typeface="Arial"/>
-              <a:buChar char="•"/>
-              <a:defRPr sz="2400" kern="1200">
-                <a:solidFill>
-                  <a:schemeClr val="tx1"/>
-                </a:solidFill>
-                <a:latin typeface="+mn-lt"/>
-                <a:ea typeface="+mn-ea"/>
-                <a:cs typeface="+mn-cs"/>
-              </a:defRPr>
-            </a:lvl3pPr>
-            <a:lvl4pPr marL="1600200" indent="-228600" algn="l" defTabSz="457200" rtl="0" eaLnBrk="1" latinLnBrk="0" hangingPunct="1">
-              <a:spcBef>
-                <a:spcPct val="20000"/>
-              </a:spcBef>
-              <a:buFont typeface="Arial"/>
-              <a:buChar char="–"/>
-              <a:defRPr sz="2000" kern="1200">
-                <a:solidFill>
-                  <a:schemeClr val="tx1"/>
-                </a:solidFill>
-                <a:latin typeface="+mn-lt"/>
-                <a:ea typeface="+mn-ea"/>
-                <a:cs typeface="+mn-cs"/>
-              </a:defRPr>
-            </a:lvl4pPr>
-            <a:lvl5pPr marL="2057400" indent="-228600" algn="l" defTabSz="457200" rtl="0" eaLnBrk="1" latinLnBrk="0" hangingPunct="1">
-              <a:spcBef>
-                <a:spcPct val="20000"/>
-              </a:spcBef>
-              <a:buFont typeface="Arial"/>
-              <a:buChar char="»"/>
-              <a:defRPr sz="2000" kern="1200">
-                <a:solidFill>
-                  <a:schemeClr val="tx1"/>
-                </a:solidFill>
-                <a:latin typeface="+mn-lt"/>
-                <a:ea typeface="+mn-ea"/>
-                <a:cs typeface="+mn-cs"/>
-              </a:defRPr>
-            </a:lvl5pPr>
-            <a:lvl6pPr marL="2514600" indent="-228600" algn="l" defTabSz="457200" rtl="0" eaLnBrk="1" latinLnBrk="0" hangingPunct="1">
-              <a:spcBef>
-                <a:spcPct val="20000"/>
-              </a:spcBef>
-              <a:buFont typeface="Arial"/>
-              <a:buChar char="•"/>
-              <a:defRPr sz="2000" kern="1200">
-                <a:solidFill>
-                  <a:schemeClr val="tx1"/>
-                </a:solidFill>
-                <a:latin typeface="+mn-lt"/>
-                <a:ea typeface="+mn-ea"/>
-                <a:cs typeface="+mn-cs"/>
-              </a:defRPr>
-            </a:lvl6pPr>
-            <a:lvl7pPr marL="2971800" indent="-228600" algn="l" defTabSz="457200" rtl="0" eaLnBrk="1" latinLnBrk="0" hangingPunct="1">
-              <a:spcBef>
-                <a:spcPct val="20000"/>
-              </a:spcBef>
-              <a:buFont typeface="Arial"/>
-              <a:buChar char="•"/>
-              <a:defRPr sz="2000" kern="1200">
-                <a:solidFill>
-                  <a:schemeClr val="tx1"/>
-                </a:solidFill>
-                <a:latin typeface="+mn-lt"/>
-                <a:ea typeface="+mn-ea"/>
-                <a:cs typeface="+mn-cs"/>
-              </a:defRPr>
-            </a:lvl7pPr>
-            <a:lvl8pPr marL="3429000" indent="-228600" algn="l" defTabSz="457200" rtl="0" eaLnBrk="1" latinLnBrk="0" hangingPunct="1">
-              <a:spcBef>
-                <a:spcPct val="20000"/>
-              </a:spcBef>
-              <a:buFont typeface="Arial"/>
-              <a:buChar char="•"/>
-              <a:defRPr sz="2000" kern="1200">
-                <a:solidFill>
-                  <a:schemeClr val="tx1"/>
-                </a:solidFill>
-                <a:latin typeface="+mn-lt"/>
-                <a:ea typeface="+mn-ea"/>
-                <a:cs typeface="+mn-cs"/>
-              </a:defRPr>
-            </a:lvl8pPr>
-            <a:lvl9pPr marL="3886200" indent="-228600" algn="l" defTabSz="457200" rtl="0" eaLnBrk="1" latinLnBrk="0" hangingPunct="1">
-              <a:spcBef>
-                <a:spcPct val="20000"/>
-              </a:spcBef>
-              <a:buFont typeface="Arial"/>
-              <a:buChar char="•"/>
-              <a:defRPr sz="2000" kern="1200">
-                <a:solidFill>
-                  <a:schemeClr val="tx1"/>
-                </a:solidFill>
-                <a:latin typeface="+mn-lt"/>
-                <a:ea typeface="+mn-ea"/>
-                <a:cs typeface="+mn-cs"/>
-              </a:defRPr>
-            </a:lvl9pPr>
-          </a:lstStyle>
-          <a:p>
-            <a:pPr marL="0" indent="0">
-              <a:buFont typeface="Arial"/>
-              <a:buNone/>
-            </a:pPr>
-            <a:r>
-              <a:rPr lang="en-US" sz="4000" dirty="0" smtClean="0"/>
-              <a:t>OU</a:t>
-            </a:r>
-            <a:endParaRPr lang="en-US" sz="4000" dirty="0"/>
+          <p:cNvPr id="3" name="Content Placeholder 2"/>
+          <p:cNvSpPr>
+            <a:spLocks noGrp="1"/>
+          </p:cNvSpPr>
+          <p:nvPr>
+            <p:ph idx="1"/>
+          </p:nvPr>
+        </p:nvSpPr>
+        <p:spPr/>
+        <p:txBody>
+          <a:bodyPr/>
+          <a:lstStyle/>
+          <a:p>
+            <a:r>
+              <a:rPr lang="en-US" dirty="0" smtClean="0"/>
+              <a:t>Estimates for mutation rate</a:t>
+            </a:r>
+          </a:p>
+          <a:p>
+            <a:pPr lvl="1"/>
+            <a:r>
+              <a:rPr lang="en-US" dirty="0" smtClean="0"/>
+              <a:t>Made from diploid organisms not haploid</a:t>
+            </a:r>
+            <a:endParaRPr lang="en-US" dirty="0" smtClean="0"/>
+          </a:p>
+          <a:p>
+            <a:r>
+              <a:rPr lang="en-US" dirty="0" smtClean="0"/>
+              <a:t>Need </a:t>
+            </a:r>
+            <a:r>
+              <a:rPr lang="en-US" dirty="0" smtClean="0"/>
+              <a:t>more realistic values </a:t>
+            </a:r>
+            <a:endParaRPr lang="en-US" dirty="0" smtClean="0"/>
+          </a:p>
+          <a:p>
+            <a:pPr lvl="1"/>
+            <a:r>
+              <a:rPr lang="en-US" dirty="0" smtClean="0"/>
+              <a:t>Diploid</a:t>
+            </a:r>
+            <a:endParaRPr lang="en-US" dirty="0" smtClean="0"/>
           </a:p>
         </p:txBody>
       </p:sp>
     </p:spTree>
     <p:extLst>
       <p:ext uri="{BB962C8B-B14F-4D97-AF65-F5344CB8AC3E}">
-        <p14:creationId xmlns:p14="http://schemas.microsoft.com/office/powerpoint/2010/main" val="3735596612"/>
+        <p14:creationId xmlns:p14="http://schemas.microsoft.com/office/powerpoint/2010/main" val="1980410066"/>
       </p:ext>
     </p:extLst>
   </p:cSld>
@@ -5184,7 +4843,7 @@
           <a:p>
             <a:r>
               <a:rPr lang="en-US" dirty="0" smtClean="0"/>
-              <a:t>Summary</a:t>
+              <a:t>Additional Projects</a:t>
             </a:r>
             <a:endParaRPr lang="en-US" dirty="0"/>
           </a:p>
@@ -5205,6 +4864,16 @@
           <a:bodyPr/>
           <a:lstStyle/>
           <a:p>
+            <a:r>
+              <a:rPr lang="en-US" dirty="0" smtClean="0"/>
+              <a:t>Model OU</a:t>
+            </a:r>
+          </a:p>
+          <a:p>
+            <a:r>
+              <a:rPr lang="en-US" dirty="0" smtClean="0"/>
+              <a:t>Model diploid individuals</a:t>
+            </a:r>
             <a:endParaRPr lang="en-US" dirty="0"/>
           </a:p>
         </p:txBody>
@@ -5212,85 +4881,7 @@
     </p:spTree>
     <p:extLst>
       <p:ext uri="{BB962C8B-B14F-4D97-AF65-F5344CB8AC3E}">
-        <p14:creationId xmlns:p14="http://schemas.microsoft.com/office/powerpoint/2010/main" val="1588106317"/>
-      </p:ext>
-    </p:extLst>
-  </p:cSld>
-  <p:clrMapOvr>
-    <a:masterClrMapping/>
-  </p:clrMapOvr>
-</p:sld>
-</file>
-
-<file path=ppt/slides/slide21.xml><?xml version="1.0" encoding="utf-8"?>
-<p:sld xmlns:a="http://schemas.openxmlformats.org/drawingml/2006/main" xmlns:r="http://schemas.openxmlformats.org/officeDocument/2006/relationships" xmlns:p="http://schemas.openxmlformats.org/presentationml/2006/main">
-  <p:cSld>
-    <p:spTree>
-      <p:nvGrpSpPr>
-        <p:cNvPr id="1" name=""/>
-        <p:cNvGrpSpPr/>
-        <p:nvPr/>
-      </p:nvGrpSpPr>
-      <p:grpSpPr>
-        <a:xfrm>
-          <a:off x="0" y="0"/>
-          <a:ext cx="0" cy="0"/>
-          <a:chOff x="0" y="0"/>
-          <a:chExt cx="0" cy="0"/>
-        </a:xfrm>
-      </p:grpSpPr>
-      <p:sp>
-        <p:nvSpPr>
-          <p:cNvPr id="2" name="Title 1"/>
-          <p:cNvSpPr>
-            <a:spLocks noGrp="1"/>
-          </p:cNvSpPr>
-          <p:nvPr>
-            <p:ph type="title"/>
-          </p:nvPr>
-        </p:nvSpPr>
-        <p:spPr/>
-        <p:txBody>
-          <a:bodyPr/>
-          <a:lstStyle/>
-          <a:p>
-            <a:r>
-              <a:rPr lang="en-US" dirty="0" smtClean="0"/>
-              <a:t>Problems</a:t>
-            </a:r>
-            <a:endParaRPr lang="en-US" dirty="0"/>
-          </a:p>
-        </p:txBody>
-      </p:sp>
-      <p:sp>
-        <p:nvSpPr>
-          <p:cNvPr id="3" name="Content Placeholder 2"/>
-          <p:cNvSpPr>
-            <a:spLocks noGrp="1"/>
-          </p:cNvSpPr>
-          <p:nvPr>
-            <p:ph idx="1"/>
-          </p:nvPr>
-        </p:nvSpPr>
-        <p:spPr/>
-        <p:txBody>
-          <a:bodyPr/>
-          <a:lstStyle/>
-          <a:p>
-            <a:r>
-              <a:rPr lang="en-US" dirty="0" smtClean="0"/>
-              <a:t>Need more realistic values </a:t>
-            </a:r>
-          </a:p>
-          <a:p>
-            <a:endParaRPr lang="en-US" dirty="0"/>
-          </a:p>
-        </p:txBody>
-      </p:sp>
-    </p:spTree>
-    <p:extLst>
-      <p:ext uri="{BB962C8B-B14F-4D97-AF65-F5344CB8AC3E}">
-        <p14:creationId xmlns:p14="http://schemas.microsoft.com/office/powerpoint/2010/main" val="1980410066"/>
+        <p14:creationId xmlns:p14="http://schemas.microsoft.com/office/powerpoint/2010/main" val="933838130"/>
       </p:ext>
     </p:extLst>
   </p:cSld>
